--- a/Thuyết trình chương 5.pptx
+++ b/Thuyết trình chương 5.pptx
@@ -5,7 +5,7 @@
     <p:sldMasterId id="2147483660" r:id="rId1"/>
   </p:sldMasterIdLst>
   <p:notesMasterIdLst>
-    <p:notesMasterId r:id="rId17"/>
+    <p:notesMasterId r:id="rId20"/>
   </p:notesMasterIdLst>
   <p:sldIdLst>
     <p:sldId id="256" r:id="rId2"/>
@@ -23,6 +23,9 @@
     <p:sldId id="268" r:id="rId14"/>
     <p:sldId id="269" r:id="rId15"/>
     <p:sldId id="270" r:id="rId16"/>
+    <p:sldId id="271" r:id="rId17"/>
+    <p:sldId id="272" r:id="rId18"/>
+    <p:sldId id="273" r:id="rId19"/>
   </p:sldIdLst>
   <p:sldSz cx="12192000" cy="6858000"/>
   <p:notesSz cx="6858000" cy="9144000"/>
@@ -127,6 +130,2819 @@
     </p:ext>
   </p:extLst>
 </p:presentation>
+</file>
+
+<file path=ppt/diagrams/colors1.xml><?xml version="1.0" encoding="utf-8"?>
+<dgm:colorsDef xmlns:dgm="http://schemas.openxmlformats.org/drawingml/2006/diagram" xmlns:a="http://schemas.openxmlformats.org/drawingml/2006/main" uniqueId="urn:microsoft.com/office/officeart/2005/8/colors/accent1_2">
+  <dgm:title val=""/>
+  <dgm:desc val=""/>
+  <dgm:catLst>
+    <dgm:cat type="accent1" pri="11200"/>
+  </dgm:catLst>
+  <dgm:styleLbl name="node0">
+    <dgm:fillClrLst meth="repeat">
+      <a:schemeClr val="accent1"/>
+    </dgm:fillClrLst>
+    <dgm:linClrLst meth="repeat">
+      <a:schemeClr val="lt1"/>
+    </dgm:linClrLst>
+    <dgm:effectClrLst/>
+    <dgm:txLinClrLst/>
+    <dgm:txFillClrLst/>
+    <dgm:txEffectClrLst/>
+  </dgm:styleLbl>
+  <dgm:styleLbl name="alignNode1">
+    <dgm:fillClrLst meth="repeat">
+      <a:schemeClr val="accent1"/>
+    </dgm:fillClrLst>
+    <dgm:linClrLst meth="repeat">
+      <a:schemeClr val="accent1"/>
+    </dgm:linClrLst>
+    <dgm:effectClrLst/>
+    <dgm:txLinClrLst/>
+    <dgm:txFillClrLst/>
+    <dgm:txEffectClrLst/>
+  </dgm:styleLbl>
+  <dgm:styleLbl name="node1">
+    <dgm:fillClrLst meth="repeat">
+      <a:schemeClr val="accent1"/>
+    </dgm:fillClrLst>
+    <dgm:linClrLst meth="repeat">
+      <a:schemeClr val="lt1"/>
+    </dgm:linClrLst>
+    <dgm:effectClrLst/>
+    <dgm:txLinClrLst/>
+    <dgm:txFillClrLst/>
+    <dgm:txEffectClrLst/>
+  </dgm:styleLbl>
+  <dgm:styleLbl name="lnNode1">
+    <dgm:fillClrLst meth="repeat">
+      <a:schemeClr val="accent1"/>
+    </dgm:fillClrLst>
+    <dgm:linClrLst meth="repeat">
+      <a:schemeClr val="lt1"/>
+    </dgm:linClrLst>
+    <dgm:effectClrLst/>
+    <dgm:txLinClrLst/>
+    <dgm:txFillClrLst/>
+    <dgm:txEffectClrLst/>
+  </dgm:styleLbl>
+  <dgm:styleLbl name="vennNode1">
+    <dgm:fillClrLst meth="repeat">
+      <a:schemeClr val="accent1">
+        <a:alpha val="50000"/>
+      </a:schemeClr>
+    </dgm:fillClrLst>
+    <dgm:linClrLst meth="repeat">
+      <a:schemeClr val="lt1"/>
+    </dgm:linClrLst>
+    <dgm:effectClrLst/>
+    <dgm:txLinClrLst/>
+    <dgm:txFillClrLst/>
+    <dgm:txEffectClrLst/>
+  </dgm:styleLbl>
+  <dgm:styleLbl name="node2">
+    <dgm:fillClrLst meth="repeat">
+      <a:schemeClr val="accent1"/>
+    </dgm:fillClrLst>
+    <dgm:linClrLst meth="repeat">
+      <a:schemeClr val="lt1"/>
+    </dgm:linClrLst>
+    <dgm:effectClrLst/>
+    <dgm:txLinClrLst/>
+    <dgm:txFillClrLst/>
+    <dgm:txEffectClrLst/>
+  </dgm:styleLbl>
+  <dgm:styleLbl name="node3">
+    <dgm:fillClrLst meth="repeat">
+      <a:schemeClr val="accent1"/>
+    </dgm:fillClrLst>
+    <dgm:linClrLst meth="repeat">
+      <a:schemeClr val="lt1"/>
+    </dgm:linClrLst>
+    <dgm:effectClrLst/>
+    <dgm:txLinClrLst/>
+    <dgm:txFillClrLst/>
+    <dgm:txEffectClrLst/>
+  </dgm:styleLbl>
+  <dgm:styleLbl name="node4">
+    <dgm:fillClrLst meth="repeat">
+      <a:schemeClr val="accent1"/>
+    </dgm:fillClrLst>
+    <dgm:linClrLst meth="repeat">
+      <a:schemeClr val="lt1"/>
+    </dgm:linClrLst>
+    <dgm:effectClrLst/>
+    <dgm:txLinClrLst/>
+    <dgm:txFillClrLst/>
+    <dgm:txEffectClrLst/>
+  </dgm:styleLbl>
+  <dgm:styleLbl name="fgImgPlace1">
+    <dgm:fillClrLst meth="repeat">
+      <a:schemeClr val="accent1">
+        <a:tint val="50000"/>
+      </a:schemeClr>
+    </dgm:fillClrLst>
+    <dgm:linClrLst meth="repeat">
+      <a:schemeClr val="lt1"/>
+    </dgm:linClrLst>
+    <dgm:effectClrLst/>
+    <dgm:txLinClrLst/>
+    <dgm:txFillClrLst meth="repeat">
+      <a:schemeClr val="lt1"/>
+    </dgm:txFillClrLst>
+    <dgm:txEffectClrLst/>
+  </dgm:styleLbl>
+  <dgm:styleLbl name="alignImgPlace1">
+    <dgm:fillClrLst meth="repeat">
+      <a:schemeClr val="accent1">
+        <a:tint val="50000"/>
+      </a:schemeClr>
+    </dgm:fillClrLst>
+    <dgm:linClrLst meth="repeat">
+      <a:schemeClr val="lt1"/>
+    </dgm:linClrLst>
+    <dgm:effectClrLst/>
+    <dgm:txLinClrLst/>
+    <dgm:txFillClrLst meth="repeat">
+      <a:schemeClr val="lt1"/>
+    </dgm:txFillClrLst>
+    <dgm:txEffectClrLst/>
+  </dgm:styleLbl>
+  <dgm:styleLbl name="bgImgPlace1">
+    <dgm:fillClrLst meth="repeat">
+      <a:schemeClr val="accent1">
+        <a:tint val="50000"/>
+      </a:schemeClr>
+    </dgm:fillClrLst>
+    <dgm:linClrLst meth="repeat">
+      <a:schemeClr val="lt1"/>
+    </dgm:linClrLst>
+    <dgm:effectClrLst/>
+    <dgm:txLinClrLst/>
+    <dgm:txFillClrLst meth="repeat">
+      <a:schemeClr val="lt1"/>
+    </dgm:txFillClrLst>
+    <dgm:txEffectClrLst/>
+  </dgm:styleLbl>
+  <dgm:styleLbl name="sibTrans2D1">
+    <dgm:fillClrLst meth="repeat">
+      <a:schemeClr val="accent1">
+        <a:tint val="60000"/>
+      </a:schemeClr>
+    </dgm:fillClrLst>
+    <dgm:linClrLst meth="repeat">
+      <a:schemeClr val="accent1">
+        <a:tint val="60000"/>
+      </a:schemeClr>
+    </dgm:linClrLst>
+    <dgm:effectClrLst/>
+    <dgm:txLinClrLst/>
+    <dgm:txFillClrLst/>
+    <dgm:txEffectClrLst/>
+  </dgm:styleLbl>
+  <dgm:styleLbl name="fgSibTrans2D1">
+    <dgm:fillClrLst meth="repeat">
+      <a:schemeClr val="accent1">
+        <a:tint val="60000"/>
+      </a:schemeClr>
+    </dgm:fillClrLst>
+    <dgm:linClrLst meth="repeat">
+      <a:schemeClr val="accent1">
+        <a:tint val="60000"/>
+      </a:schemeClr>
+    </dgm:linClrLst>
+    <dgm:effectClrLst/>
+    <dgm:txLinClrLst/>
+    <dgm:txFillClrLst/>
+    <dgm:txEffectClrLst/>
+  </dgm:styleLbl>
+  <dgm:styleLbl name="bgSibTrans2D1">
+    <dgm:fillClrLst meth="repeat">
+      <a:schemeClr val="accent1">
+        <a:tint val="60000"/>
+      </a:schemeClr>
+    </dgm:fillClrLst>
+    <dgm:linClrLst meth="repeat">
+      <a:schemeClr val="accent1">
+        <a:tint val="60000"/>
+      </a:schemeClr>
+    </dgm:linClrLst>
+    <dgm:effectClrLst/>
+    <dgm:txLinClrLst/>
+    <dgm:txFillClrLst/>
+    <dgm:txEffectClrLst/>
+  </dgm:styleLbl>
+  <dgm:styleLbl name="sibTrans1D1">
+    <dgm:fillClrLst meth="repeat">
+      <a:schemeClr val="accent1"/>
+    </dgm:fillClrLst>
+    <dgm:linClrLst meth="repeat">
+      <a:schemeClr val="accent1"/>
+    </dgm:linClrLst>
+    <dgm:effectClrLst/>
+    <dgm:txLinClrLst/>
+    <dgm:txFillClrLst meth="repeat">
+      <a:schemeClr val="tx1"/>
+    </dgm:txFillClrLst>
+    <dgm:txEffectClrLst/>
+  </dgm:styleLbl>
+  <dgm:styleLbl name="callout">
+    <dgm:fillClrLst meth="repeat">
+      <a:schemeClr val="accent1"/>
+    </dgm:fillClrLst>
+    <dgm:linClrLst meth="repeat">
+      <a:schemeClr val="accent1">
+        <a:tint val="50000"/>
+      </a:schemeClr>
+    </dgm:linClrLst>
+    <dgm:effectClrLst/>
+    <dgm:txLinClrLst/>
+    <dgm:txFillClrLst meth="repeat">
+      <a:schemeClr val="tx1"/>
+    </dgm:txFillClrLst>
+    <dgm:txEffectClrLst/>
+  </dgm:styleLbl>
+  <dgm:styleLbl name="asst0">
+    <dgm:fillClrLst meth="repeat">
+      <a:schemeClr val="accent1"/>
+    </dgm:fillClrLst>
+    <dgm:linClrLst meth="repeat">
+      <a:schemeClr val="lt1"/>
+    </dgm:linClrLst>
+    <dgm:effectClrLst/>
+    <dgm:txLinClrLst/>
+    <dgm:txFillClrLst/>
+    <dgm:txEffectClrLst/>
+  </dgm:styleLbl>
+  <dgm:styleLbl name="asst1">
+    <dgm:fillClrLst meth="repeat">
+      <a:schemeClr val="accent1"/>
+    </dgm:fillClrLst>
+    <dgm:linClrLst meth="repeat">
+      <a:schemeClr val="lt1"/>
+    </dgm:linClrLst>
+    <dgm:effectClrLst/>
+    <dgm:txLinClrLst/>
+    <dgm:txFillClrLst/>
+    <dgm:txEffectClrLst/>
+  </dgm:styleLbl>
+  <dgm:styleLbl name="asst2">
+    <dgm:fillClrLst meth="repeat">
+      <a:schemeClr val="accent1"/>
+    </dgm:fillClrLst>
+    <dgm:linClrLst meth="repeat">
+      <a:schemeClr val="lt1"/>
+    </dgm:linClrLst>
+    <dgm:effectClrLst/>
+    <dgm:txLinClrLst/>
+    <dgm:txFillClrLst/>
+    <dgm:txEffectClrLst/>
+  </dgm:styleLbl>
+  <dgm:styleLbl name="asst3">
+    <dgm:fillClrLst meth="repeat">
+      <a:schemeClr val="accent1"/>
+    </dgm:fillClrLst>
+    <dgm:linClrLst meth="repeat">
+      <a:schemeClr val="lt1"/>
+    </dgm:linClrLst>
+    <dgm:effectClrLst/>
+    <dgm:txLinClrLst/>
+    <dgm:txFillClrLst/>
+    <dgm:txEffectClrLst/>
+  </dgm:styleLbl>
+  <dgm:styleLbl name="asst4">
+    <dgm:fillClrLst meth="repeat">
+      <a:schemeClr val="accent1"/>
+    </dgm:fillClrLst>
+    <dgm:linClrLst meth="repeat">
+      <a:schemeClr val="lt1"/>
+    </dgm:linClrLst>
+    <dgm:effectClrLst/>
+    <dgm:txLinClrLst/>
+    <dgm:txFillClrLst/>
+    <dgm:txEffectClrLst/>
+  </dgm:styleLbl>
+  <dgm:styleLbl name="parChTrans2D1">
+    <dgm:fillClrLst meth="repeat">
+      <a:schemeClr val="accent1">
+        <a:tint val="60000"/>
+      </a:schemeClr>
+    </dgm:fillClrLst>
+    <dgm:linClrLst meth="repeat">
+      <a:schemeClr val="accent1">
+        <a:tint val="60000"/>
+      </a:schemeClr>
+    </dgm:linClrLst>
+    <dgm:effectClrLst/>
+    <dgm:txLinClrLst/>
+    <dgm:txFillClrLst meth="repeat">
+      <a:schemeClr val="lt1"/>
+    </dgm:txFillClrLst>
+    <dgm:txEffectClrLst/>
+  </dgm:styleLbl>
+  <dgm:styleLbl name="parChTrans2D2">
+    <dgm:fillClrLst meth="repeat">
+      <a:schemeClr val="accent1"/>
+    </dgm:fillClrLst>
+    <dgm:linClrLst meth="repeat">
+      <a:schemeClr val="accent1"/>
+    </dgm:linClrLst>
+    <dgm:effectClrLst/>
+    <dgm:txLinClrLst/>
+    <dgm:txFillClrLst meth="repeat">
+      <a:schemeClr val="lt1"/>
+    </dgm:txFillClrLst>
+    <dgm:txEffectClrLst/>
+  </dgm:styleLbl>
+  <dgm:styleLbl name="parChTrans2D3">
+    <dgm:fillClrLst meth="repeat">
+      <a:schemeClr val="accent1"/>
+    </dgm:fillClrLst>
+    <dgm:linClrLst meth="repeat">
+      <a:schemeClr val="accent1"/>
+    </dgm:linClrLst>
+    <dgm:effectClrLst/>
+    <dgm:txLinClrLst/>
+    <dgm:txFillClrLst meth="repeat">
+      <a:schemeClr val="lt1"/>
+    </dgm:txFillClrLst>
+    <dgm:txEffectClrLst/>
+  </dgm:styleLbl>
+  <dgm:styleLbl name="parChTrans2D4">
+    <dgm:fillClrLst meth="repeat">
+      <a:schemeClr val="accent1"/>
+    </dgm:fillClrLst>
+    <dgm:linClrLst meth="repeat">
+      <a:schemeClr val="accent1"/>
+    </dgm:linClrLst>
+    <dgm:effectClrLst/>
+    <dgm:txLinClrLst/>
+    <dgm:txFillClrLst meth="repeat">
+      <a:schemeClr val="lt1"/>
+    </dgm:txFillClrLst>
+    <dgm:txEffectClrLst/>
+  </dgm:styleLbl>
+  <dgm:styleLbl name="parChTrans1D1">
+    <dgm:fillClrLst meth="repeat">
+      <a:schemeClr val="accent1"/>
+    </dgm:fillClrLst>
+    <dgm:linClrLst meth="repeat">
+      <a:schemeClr val="accent1">
+        <a:shade val="60000"/>
+      </a:schemeClr>
+    </dgm:linClrLst>
+    <dgm:effectClrLst/>
+    <dgm:txLinClrLst/>
+    <dgm:txFillClrLst meth="repeat">
+      <a:schemeClr val="tx1"/>
+    </dgm:txFillClrLst>
+    <dgm:txEffectClrLst/>
+  </dgm:styleLbl>
+  <dgm:styleLbl name="parChTrans1D2">
+    <dgm:fillClrLst meth="repeat">
+      <a:schemeClr val="accent1"/>
+    </dgm:fillClrLst>
+    <dgm:linClrLst meth="repeat">
+      <a:schemeClr val="accent1">
+        <a:shade val="60000"/>
+      </a:schemeClr>
+    </dgm:linClrLst>
+    <dgm:effectClrLst/>
+    <dgm:txLinClrLst/>
+    <dgm:txFillClrLst meth="repeat">
+      <a:schemeClr val="tx1"/>
+    </dgm:txFillClrLst>
+    <dgm:txEffectClrLst/>
+  </dgm:styleLbl>
+  <dgm:styleLbl name="parChTrans1D3">
+    <dgm:fillClrLst meth="repeat">
+      <a:schemeClr val="accent1"/>
+    </dgm:fillClrLst>
+    <dgm:linClrLst meth="repeat">
+      <a:schemeClr val="accent1">
+        <a:shade val="80000"/>
+      </a:schemeClr>
+    </dgm:linClrLst>
+    <dgm:effectClrLst/>
+    <dgm:txLinClrLst/>
+    <dgm:txFillClrLst meth="repeat">
+      <a:schemeClr val="tx1"/>
+    </dgm:txFillClrLst>
+    <dgm:txEffectClrLst/>
+  </dgm:styleLbl>
+  <dgm:styleLbl name="parChTrans1D4">
+    <dgm:fillClrLst meth="repeat">
+      <a:schemeClr val="accent1"/>
+    </dgm:fillClrLst>
+    <dgm:linClrLst meth="repeat">
+      <a:schemeClr val="accent1">
+        <a:shade val="80000"/>
+      </a:schemeClr>
+    </dgm:linClrLst>
+    <dgm:effectClrLst/>
+    <dgm:txLinClrLst/>
+    <dgm:txFillClrLst meth="repeat">
+      <a:schemeClr val="tx1"/>
+    </dgm:txFillClrLst>
+    <dgm:txEffectClrLst/>
+  </dgm:styleLbl>
+  <dgm:styleLbl name="fgAcc1">
+    <dgm:fillClrLst meth="repeat">
+      <a:schemeClr val="lt1">
+        <a:alpha val="90000"/>
+      </a:schemeClr>
+    </dgm:fillClrLst>
+    <dgm:linClrLst meth="repeat">
+      <a:schemeClr val="accent1"/>
+    </dgm:linClrLst>
+    <dgm:effectClrLst/>
+    <dgm:txLinClrLst/>
+    <dgm:txFillClrLst meth="repeat">
+      <a:schemeClr val="dk1"/>
+    </dgm:txFillClrLst>
+    <dgm:txEffectClrLst/>
+  </dgm:styleLbl>
+  <dgm:styleLbl name="conFgAcc1">
+    <dgm:fillClrLst meth="repeat">
+      <a:schemeClr val="lt1">
+        <a:alpha val="90000"/>
+      </a:schemeClr>
+    </dgm:fillClrLst>
+    <dgm:linClrLst meth="repeat">
+      <a:schemeClr val="accent1"/>
+    </dgm:linClrLst>
+    <dgm:effectClrLst/>
+    <dgm:txLinClrLst/>
+    <dgm:txFillClrLst meth="repeat">
+      <a:schemeClr val="dk1"/>
+    </dgm:txFillClrLst>
+    <dgm:txEffectClrLst/>
+  </dgm:styleLbl>
+  <dgm:styleLbl name="alignAcc1">
+    <dgm:fillClrLst meth="repeat">
+      <a:schemeClr val="lt1">
+        <a:alpha val="90000"/>
+      </a:schemeClr>
+    </dgm:fillClrLst>
+    <dgm:linClrLst meth="repeat">
+      <a:schemeClr val="accent1"/>
+    </dgm:linClrLst>
+    <dgm:effectClrLst/>
+    <dgm:txLinClrLst/>
+    <dgm:txFillClrLst meth="repeat">
+      <a:schemeClr val="dk1"/>
+    </dgm:txFillClrLst>
+    <dgm:txEffectClrLst/>
+  </dgm:styleLbl>
+  <dgm:styleLbl name="trAlignAcc1">
+    <dgm:fillClrLst meth="repeat">
+      <a:schemeClr val="lt1">
+        <a:alpha val="40000"/>
+      </a:schemeClr>
+    </dgm:fillClrLst>
+    <dgm:linClrLst meth="repeat">
+      <a:schemeClr val="accent1"/>
+    </dgm:linClrLst>
+    <dgm:effectClrLst/>
+    <dgm:txLinClrLst/>
+    <dgm:txFillClrLst meth="repeat">
+      <a:schemeClr val="dk1"/>
+    </dgm:txFillClrLst>
+    <dgm:txEffectClrLst/>
+  </dgm:styleLbl>
+  <dgm:styleLbl name="bgAcc1">
+    <dgm:fillClrLst meth="repeat">
+      <a:schemeClr val="lt1">
+        <a:alpha val="90000"/>
+      </a:schemeClr>
+    </dgm:fillClrLst>
+    <dgm:linClrLst meth="repeat">
+      <a:schemeClr val="accent1"/>
+    </dgm:linClrLst>
+    <dgm:effectClrLst/>
+    <dgm:txLinClrLst/>
+    <dgm:txFillClrLst meth="repeat">
+      <a:schemeClr val="dk1"/>
+    </dgm:txFillClrLst>
+    <dgm:txEffectClrLst/>
+  </dgm:styleLbl>
+  <dgm:styleLbl name="solidFgAcc1">
+    <dgm:fillClrLst meth="repeat">
+      <a:schemeClr val="lt1"/>
+    </dgm:fillClrLst>
+    <dgm:linClrLst meth="repeat">
+      <a:schemeClr val="accent1"/>
+    </dgm:linClrLst>
+    <dgm:effectClrLst/>
+    <dgm:txLinClrLst/>
+    <dgm:txFillClrLst meth="repeat">
+      <a:schemeClr val="dk1"/>
+    </dgm:txFillClrLst>
+    <dgm:txEffectClrLst/>
+  </dgm:styleLbl>
+  <dgm:styleLbl name="solidAlignAcc1">
+    <dgm:fillClrLst meth="repeat">
+      <a:schemeClr val="lt1"/>
+    </dgm:fillClrLst>
+    <dgm:linClrLst meth="repeat">
+      <a:schemeClr val="accent1"/>
+    </dgm:linClrLst>
+    <dgm:effectClrLst/>
+    <dgm:txLinClrLst/>
+    <dgm:txFillClrLst meth="repeat">
+      <a:schemeClr val="dk1"/>
+    </dgm:txFillClrLst>
+    <dgm:txEffectClrLst/>
+  </dgm:styleLbl>
+  <dgm:styleLbl name="solidBgAcc1">
+    <dgm:fillClrLst meth="repeat">
+      <a:schemeClr val="lt1"/>
+    </dgm:fillClrLst>
+    <dgm:linClrLst meth="repeat">
+      <a:schemeClr val="accent1"/>
+    </dgm:linClrLst>
+    <dgm:effectClrLst/>
+    <dgm:txLinClrLst/>
+    <dgm:txFillClrLst meth="repeat">
+      <a:schemeClr val="dk1"/>
+    </dgm:txFillClrLst>
+    <dgm:txEffectClrLst/>
+  </dgm:styleLbl>
+  <dgm:styleLbl name="fgAccFollowNode1">
+    <dgm:fillClrLst meth="repeat">
+      <a:schemeClr val="accent1">
+        <a:alpha val="90000"/>
+        <a:tint val="40000"/>
+      </a:schemeClr>
+    </dgm:fillClrLst>
+    <dgm:linClrLst meth="repeat">
+      <a:schemeClr val="accent1">
+        <a:alpha val="90000"/>
+        <a:tint val="40000"/>
+      </a:schemeClr>
+    </dgm:linClrLst>
+    <dgm:effectClrLst/>
+    <dgm:txLinClrLst/>
+    <dgm:txFillClrLst meth="repeat">
+      <a:schemeClr val="dk1"/>
+    </dgm:txFillClrLst>
+    <dgm:txEffectClrLst/>
+  </dgm:styleLbl>
+  <dgm:styleLbl name="alignAccFollowNode1">
+    <dgm:fillClrLst meth="repeat">
+      <a:schemeClr val="accent1">
+        <a:alpha val="90000"/>
+        <a:tint val="40000"/>
+      </a:schemeClr>
+    </dgm:fillClrLst>
+    <dgm:linClrLst meth="repeat">
+      <a:schemeClr val="accent1">
+        <a:alpha val="90000"/>
+        <a:tint val="40000"/>
+      </a:schemeClr>
+    </dgm:linClrLst>
+    <dgm:effectClrLst/>
+    <dgm:txLinClrLst/>
+    <dgm:txFillClrLst meth="repeat">
+      <a:schemeClr val="dk1"/>
+    </dgm:txFillClrLst>
+    <dgm:txEffectClrLst/>
+  </dgm:styleLbl>
+  <dgm:styleLbl name="bgAccFollowNode1">
+    <dgm:fillClrLst meth="repeat">
+      <a:schemeClr val="accent1">
+        <a:alpha val="90000"/>
+        <a:tint val="40000"/>
+      </a:schemeClr>
+    </dgm:fillClrLst>
+    <dgm:linClrLst meth="repeat">
+      <a:schemeClr val="accent1">
+        <a:alpha val="90000"/>
+        <a:tint val="40000"/>
+      </a:schemeClr>
+    </dgm:linClrLst>
+    <dgm:effectClrLst/>
+    <dgm:txLinClrLst/>
+    <dgm:txFillClrLst meth="repeat">
+      <a:schemeClr val="dk1"/>
+    </dgm:txFillClrLst>
+    <dgm:txEffectClrLst/>
+  </dgm:styleLbl>
+  <dgm:styleLbl name="fgAcc0">
+    <dgm:fillClrLst meth="repeat">
+      <a:schemeClr val="lt1">
+        <a:alpha val="90000"/>
+      </a:schemeClr>
+    </dgm:fillClrLst>
+    <dgm:linClrLst meth="repeat">
+      <a:schemeClr val="accent1"/>
+    </dgm:linClrLst>
+    <dgm:effectClrLst/>
+    <dgm:txLinClrLst/>
+    <dgm:txFillClrLst meth="repeat">
+      <a:schemeClr val="dk1"/>
+    </dgm:txFillClrLst>
+    <dgm:txEffectClrLst/>
+  </dgm:styleLbl>
+  <dgm:styleLbl name="fgAcc2">
+    <dgm:fillClrLst meth="repeat">
+      <a:schemeClr val="lt1">
+        <a:alpha val="90000"/>
+      </a:schemeClr>
+    </dgm:fillClrLst>
+    <dgm:linClrLst meth="repeat">
+      <a:schemeClr val="accent1"/>
+    </dgm:linClrLst>
+    <dgm:effectClrLst/>
+    <dgm:txLinClrLst/>
+    <dgm:txFillClrLst meth="repeat">
+      <a:schemeClr val="dk1"/>
+    </dgm:txFillClrLst>
+    <dgm:txEffectClrLst/>
+  </dgm:styleLbl>
+  <dgm:styleLbl name="fgAcc3">
+    <dgm:fillClrLst meth="repeat">
+      <a:schemeClr val="lt1">
+        <a:alpha val="90000"/>
+      </a:schemeClr>
+    </dgm:fillClrLst>
+    <dgm:linClrLst meth="repeat">
+      <a:schemeClr val="accent1"/>
+    </dgm:linClrLst>
+    <dgm:effectClrLst/>
+    <dgm:txLinClrLst/>
+    <dgm:txFillClrLst meth="repeat">
+      <a:schemeClr val="dk1"/>
+    </dgm:txFillClrLst>
+    <dgm:txEffectClrLst/>
+  </dgm:styleLbl>
+  <dgm:styleLbl name="fgAcc4">
+    <dgm:fillClrLst meth="repeat">
+      <a:schemeClr val="lt1">
+        <a:alpha val="90000"/>
+      </a:schemeClr>
+    </dgm:fillClrLst>
+    <dgm:linClrLst meth="repeat">
+      <a:schemeClr val="accent1"/>
+    </dgm:linClrLst>
+    <dgm:effectClrLst/>
+    <dgm:txLinClrLst/>
+    <dgm:txFillClrLst meth="repeat">
+      <a:schemeClr val="dk1"/>
+    </dgm:txFillClrLst>
+    <dgm:txEffectClrLst/>
+  </dgm:styleLbl>
+  <dgm:styleLbl name="bgShp">
+    <dgm:fillClrLst meth="repeat">
+      <a:schemeClr val="accent1">
+        <a:tint val="40000"/>
+      </a:schemeClr>
+    </dgm:fillClrLst>
+    <dgm:linClrLst meth="repeat">
+      <a:schemeClr val="accent1"/>
+    </dgm:linClrLst>
+    <dgm:effectClrLst/>
+    <dgm:txLinClrLst/>
+    <dgm:txFillClrLst meth="repeat">
+      <a:schemeClr val="dk1"/>
+    </dgm:txFillClrLst>
+    <dgm:txEffectClrLst/>
+  </dgm:styleLbl>
+  <dgm:styleLbl name="dkBgShp">
+    <dgm:fillClrLst meth="repeat">
+      <a:schemeClr val="accent1">
+        <a:shade val="80000"/>
+      </a:schemeClr>
+    </dgm:fillClrLst>
+    <dgm:linClrLst meth="repeat">
+      <a:schemeClr val="accent1"/>
+    </dgm:linClrLst>
+    <dgm:effectClrLst/>
+    <dgm:txLinClrLst/>
+    <dgm:txFillClrLst meth="repeat">
+      <a:schemeClr val="lt1"/>
+    </dgm:txFillClrLst>
+    <dgm:txEffectClrLst/>
+  </dgm:styleLbl>
+  <dgm:styleLbl name="trBgShp">
+    <dgm:fillClrLst meth="repeat">
+      <a:schemeClr val="accent1">
+        <a:tint val="50000"/>
+        <a:alpha val="40000"/>
+      </a:schemeClr>
+    </dgm:fillClrLst>
+    <dgm:linClrLst meth="repeat">
+      <a:schemeClr val="accent1"/>
+    </dgm:linClrLst>
+    <dgm:effectClrLst/>
+    <dgm:txLinClrLst/>
+    <dgm:txFillClrLst meth="repeat">
+      <a:schemeClr val="lt1"/>
+    </dgm:txFillClrLst>
+    <dgm:txEffectClrLst/>
+  </dgm:styleLbl>
+  <dgm:styleLbl name="fgShp">
+    <dgm:fillClrLst meth="repeat">
+      <a:schemeClr val="accent1">
+        <a:tint val="60000"/>
+      </a:schemeClr>
+    </dgm:fillClrLst>
+    <dgm:linClrLst meth="repeat">
+      <a:schemeClr val="lt1"/>
+    </dgm:linClrLst>
+    <dgm:effectClrLst/>
+    <dgm:txLinClrLst/>
+    <dgm:txFillClrLst meth="repeat">
+      <a:schemeClr val="dk1"/>
+    </dgm:txFillClrLst>
+    <dgm:txEffectClrLst/>
+  </dgm:styleLbl>
+  <dgm:styleLbl name="revTx">
+    <dgm:fillClrLst meth="repeat">
+      <a:schemeClr val="lt1">
+        <a:alpha val="0"/>
+      </a:schemeClr>
+    </dgm:fillClrLst>
+    <dgm:linClrLst meth="repeat">
+      <a:schemeClr val="dk1">
+        <a:alpha val="0"/>
+      </a:schemeClr>
+    </dgm:linClrLst>
+    <dgm:effectClrLst/>
+    <dgm:txLinClrLst/>
+    <dgm:txFillClrLst meth="repeat">
+      <a:schemeClr val="tx1"/>
+    </dgm:txFillClrLst>
+    <dgm:txEffectClrLst/>
+  </dgm:styleLbl>
+</dgm:colorsDef>
+</file>
+
+<file path=ppt/diagrams/data1.xml><?xml version="1.0" encoding="utf-8"?>
+<dgm:dataModel xmlns:dgm="http://schemas.openxmlformats.org/drawingml/2006/diagram" xmlns:a="http://schemas.openxmlformats.org/drawingml/2006/main">
+  <dgm:ptLst>
+    <dgm:pt modelId="{27713C27-1377-4D96-9485-E7A01023C3CB}" type="doc">
+      <dgm:prSet loTypeId="urn:microsoft.com/office/officeart/2005/8/layout/process1" loCatId="process" qsTypeId="urn:microsoft.com/office/officeart/2005/8/quickstyle/simple1" qsCatId="simple" csTypeId="urn:microsoft.com/office/officeart/2005/8/colors/accent1_2" csCatId="accent1" phldr="1"/>
+      <dgm:spPr/>
+    </dgm:pt>
+    <dgm:pt modelId="{0B0766CE-DF52-4460-846C-3883598C6117}">
+      <dgm:prSet phldrT="[Text]"/>
+      <dgm:spPr>
+        <a:solidFill>
+          <a:schemeClr val="tx2">
+            <a:lumMod val="40000"/>
+            <a:lumOff val="60000"/>
+          </a:schemeClr>
+        </a:solidFill>
+      </dgm:spPr>
+      <dgm:t>
+        <a:bodyPr/>
+        <a:lstStyle/>
+        <a:p>
+          <a:r>
+            <a:rPr lang="en-US" dirty="0" err="1" smtClean="0"/>
+            <a:t>cách</a:t>
+          </a:r>
+          <a:r>
+            <a:rPr lang="en-US" dirty="0" smtClean="0"/>
+            <a:t> </a:t>
+          </a:r>
+          <a:r>
+            <a:rPr lang="en-US" dirty="0" err="1" smtClean="0"/>
+            <a:t>mạng</a:t>
+          </a:r>
+          <a:r>
+            <a:rPr lang="en-US" dirty="0" smtClean="0"/>
+            <a:t> </a:t>
+          </a:r>
+          <a:r>
+            <a:rPr lang="en-US" dirty="0" err="1" smtClean="0"/>
+            <a:t>giải</a:t>
+          </a:r>
+          <a:r>
+            <a:rPr lang="en-US" dirty="0" smtClean="0"/>
+            <a:t> </a:t>
+          </a:r>
+          <a:r>
+            <a:rPr lang="en-US" dirty="0" err="1" smtClean="0"/>
+            <a:t>phóng</a:t>
+          </a:r>
+          <a:r>
+            <a:rPr lang="en-US" dirty="0" smtClean="0"/>
+            <a:t> </a:t>
+          </a:r>
+          <a:r>
+            <a:rPr lang="en-US" dirty="0" err="1" smtClean="0"/>
+            <a:t>dân</a:t>
+          </a:r>
+          <a:r>
+            <a:rPr lang="en-US" dirty="0" smtClean="0"/>
+            <a:t> </a:t>
+          </a:r>
+          <a:r>
+            <a:rPr lang="en-US" dirty="0" err="1" smtClean="0"/>
+            <a:t>tộc</a:t>
+          </a:r>
+          <a:endParaRPr lang="en-US" dirty="0"/>
+        </a:p>
+      </dgm:t>
+    </dgm:pt>
+    <dgm:pt modelId="{2AB98EE3-AE3F-447C-A03D-C3A5D5BCBE03}" type="parTrans" cxnId="{23269E12-3867-40CE-AE1F-7578A115D244}">
+      <dgm:prSet/>
+      <dgm:spPr/>
+      <dgm:t>
+        <a:bodyPr/>
+        <a:lstStyle/>
+        <a:p>
+          <a:endParaRPr lang="en-US"/>
+        </a:p>
+      </dgm:t>
+    </dgm:pt>
+    <dgm:pt modelId="{4FAEA411-D67C-4FAC-9C38-ED426BEE0F21}" type="sibTrans" cxnId="{23269E12-3867-40CE-AE1F-7578A115D244}">
+      <dgm:prSet/>
+      <dgm:spPr/>
+      <dgm:t>
+        <a:bodyPr/>
+        <a:lstStyle/>
+        <a:p>
+          <a:endParaRPr lang="en-US"/>
+        </a:p>
+      </dgm:t>
+    </dgm:pt>
+    <dgm:pt modelId="{2D32066E-6089-4AB4-AD34-0065A77F7CB0}">
+      <dgm:prSet phldrT="[Text]"/>
+      <dgm:spPr>
+        <a:solidFill>
+          <a:schemeClr val="accent1">
+            <a:lumMod val="60000"/>
+            <a:lumOff val="40000"/>
+          </a:schemeClr>
+        </a:solidFill>
+      </dgm:spPr>
+      <dgm:t>
+        <a:bodyPr/>
+        <a:lstStyle/>
+        <a:p>
+          <a:r>
+            <a:rPr lang="en-US" dirty="0" smtClean="0"/>
+            <a:t> </a:t>
+          </a:r>
+          <a:r>
+            <a:rPr lang="en-US" dirty="0" err="1" smtClean="0"/>
+            <a:t>cách</a:t>
+          </a:r>
+          <a:r>
+            <a:rPr lang="en-US" dirty="0" smtClean="0"/>
+            <a:t> </a:t>
+          </a:r>
+          <a:r>
+            <a:rPr lang="en-US" dirty="0" err="1" smtClean="0"/>
+            <a:t>mạng</a:t>
+          </a:r>
+          <a:r>
+            <a:rPr lang="en-US" dirty="0" smtClean="0"/>
+            <a:t> </a:t>
+          </a:r>
+          <a:r>
+            <a:rPr lang="en-US" dirty="0" err="1" smtClean="0"/>
+            <a:t>dân</a:t>
+          </a:r>
+          <a:r>
+            <a:rPr lang="en-US" dirty="0" smtClean="0"/>
+            <a:t> </a:t>
+          </a:r>
+          <a:r>
+            <a:rPr lang="en-US" dirty="0" err="1" smtClean="0"/>
+            <a:t>chu</a:t>
+          </a:r>
+          <a:r>
+            <a:rPr lang="en-US" dirty="0" smtClean="0"/>
+            <a:t>̉ </a:t>
+          </a:r>
+          <a:r>
+            <a:rPr lang="en-US" dirty="0" err="1" smtClean="0"/>
+            <a:t>nhân</a:t>
+          </a:r>
+          <a:r>
+            <a:rPr lang="en-US" dirty="0" smtClean="0"/>
+            <a:t> </a:t>
+          </a:r>
+          <a:r>
+            <a:rPr lang="en-US" dirty="0" err="1" smtClean="0"/>
+            <a:t>dân</a:t>
+          </a:r>
+          <a:r>
+            <a:rPr lang="en-US" dirty="0" smtClean="0"/>
+            <a:t> </a:t>
+          </a:r>
+          <a:endParaRPr lang="en-US" dirty="0"/>
+        </a:p>
+      </dgm:t>
+    </dgm:pt>
+    <dgm:pt modelId="{6A32567A-E136-40F7-A755-63A8774AD34A}" type="parTrans" cxnId="{862F401A-6130-4D81-8143-0D9B1A594170}">
+      <dgm:prSet/>
+      <dgm:spPr/>
+      <dgm:t>
+        <a:bodyPr/>
+        <a:lstStyle/>
+        <a:p>
+          <a:endParaRPr lang="en-US"/>
+        </a:p>
+      </dgm:t>
+    </dgm:pt>
+    <dgm:pt modelId="{F55E2D18-BC27-4A07-970A-D1997D522F0C}" type="sibTrans" cxnId="{862F401A-6130-4D81-8143-0D9B1A594170}">
+      <dgm:prSet/>
+      <dgm:spPr/>
+      <dgm:t>
+        <a:bodyPr/>
+        <a:lstStyle/>
+        <a:p>
+          <a:endParaRPr lang="en-US"/>
+        </a:p>
+      </dgm:t>
+    </dgm:pt>
+    <dgm:pt modelId="{806FF90B-F22D-41B2-B392-8B56A1633E74}">
+      <dgm:prSet phldrT="[Text]"/>
+      <dgm:spPr>
+        <a:solidFill>
+          <a:schemeClr val="accent1">
+            <a:lumMod val="50000"/>
+          </a:schemeClr>
+        </a:solidFill>
+      </dgm:spPr>
+      <dgm:t>
+        <a:bodyPr/>
+        <a:lstStyle/>
+        <a:p>
+          <a:r>
+            <a:rPr lang="en-US" dirty="0" err="1" smtClean="0"/>
+            <a:t>cách</a:t>
+          </a:r>
+          <a:r>
+            <a:rPr lang="en-US" dirty="0" smtClean="0"/>
+            <a:t> </a:t>
+          </a:r>
+          <a:r>
+            <a:rPr lang="en-US" dirty="0" err="1" smtClean="0"/>
+            <a:t>mạng</a:t>
+          </a:r>
+          <a:r>
+            <a:rPr lang="en-US" dirty="0" smtClean="0"/>
+            <a:t> </a:t>
+          </a:r>
+          <a:r>
+            <a:rPr lang="en-US" dirty="0" err="1" smtClean="0"/>
+            <a:t>chu</a:t>
+          </a:r>
+          <a:r>
+            <a:rPr lang="en-US" dirty="0" smtClean="0"/>
+            <a:t>̉ </a:t>
+          </a:r>
+          <a:r>
+            <a:rPr lang="en-US" dirty="0" err="1" smtClean="0"/>
+            <a:t>nghĩa</a:t>
+          </a:r>
+          <a:r>
+            <a:rPr lang="en-US" dirty="0" smtClean="0"/>
+            <a:t> </a:t>
+          </a:r>
+          <a:r>
+            <a:rPr lang="en-US" dirty="0" err="1" smtClean="0"/>
+            <a:t>xa</a:t>
+          </a:r>
+          <a:r>
+            <a:rPr lang="en-US" dirty="0" smtClean="0"/>
+            <a:t>̃ </a:t>
+          </a:r>
+          <a:r>
+            <a:rPr lang="en-US" dirty="0" err="1" smtClean="0"/>
+            <a:t>hội</a:t>
+          </a:r>
+          <a:r>
+            <a:rPr lang="en-US" dirty="0" smtClean="0"/>
+            <a:t>. </a:t>
+          </a:r>
+          <a:endParaRPr lang="en-US" dirty="0"/>
+        </a:p>
+      </dgm:t>
+    </dgm:pt>
+    <dgm:pt modelId="{652A7FB4-6D2D-4CB6-A228-607DD383ACB7}" type="parTrans" cxnId="{61D9A9F6-50C5-4EAB-BC62-4F227A7D4E11}">
+      <dgm:prSet/>
+      <dgm:spPr/>
+      <dgm:t>
+        <a:bodyPr/>
+        <a:lstStyle/>
+        <a:p>
+          <a:endParaRPr lang="en-US"/>
+        </a:p>
+      </dgm:t>
+    </dgm:pt>
+    <dgm:pt modelId="{B05E6C67-8DC0-496B-8EC5-BEB76E2B2184}" type="sibTrans" cxnId="{61D9A9F6-50C5-4EAB-BC62-4F227A7D4E11}">
+      <dgm:prSet/>
+      <dgm:spPr/>
+      <dgm:t>
+        <a:bodyPr/>
+        <a:lstStyle/>
+        <a:p>
+          <a:endParaRPr lang="en-US"/>
+        </a:p>
+      </dgm:t>
+    </dgm:pt>
+    <dgm:pt modelId="{BD13A71D-FBA6-4B80-875A-99C5206F01FD}" type="pres">
+      <dgm:prSet presAssocID="{27713C27-1377-4D96-9485-E7A01023C3CB}" presName="Name0" presStyleCnt="0">
+        <dgm:presLayoutVars>
+          <dgm:dir/>
+          <dgm:resizeHandles val="exact"/>
+        </dgm:presLayoutVars>
+      </dgm:prSet>
+      <dgm:spPr/>
+    </dgm:pt>
+    <dgm:pt modelId="{F8565A40-4774-493A-A16C-413D5083391E}" type="pres">
+      <dgm:prSet presAssocID="{0B0766CE-DF52-4460-846C-3883598C6117}" presName="node" presStyleLbl="node1" presStyleIdx="0" presStyleCnt="3" custLinFactX="-32003" custLinFactY="-77460" custLinFactNeighborX="-100000" custLinFactNeighborY="-100000">
+        <dgm:presLayoutVars>
+          <dgm:bulletEnabled val="1"/>
+        </dgm:presLayoutVars>
+      </dgm:prSet>
+      <dgm:spPr/>
+      <dgm:t>
+        <a:bodyPr/>
+        <a:lstStyle/>
+        <a:p>
+          <a:endParaRPr lang="en-US"/>
+        </a:p>
+      </dgm:t>
+    </dgm:pt>
+    <dgm:pt modelId="{8D4CB282-5290-42AC-BFDA-BEB571577CDA}" type="pres">
+      <dgm:prSet presAssocID="{4FAEA411-D67C-4FAC-9C38-ED426BEE0F21}" presName="sibTrans" presStyleLbl="sibTrans2D1" presStyleIdx="0" presStyleCnt="2"/>
+      <dgm:spPr/>
+    </dgm:pt>
+    <dgm:pt modelId="{02CCEA65-6255-4B92-89E7-7D7EF9601746}" type="pres">
+      <dgm:prSet presAssocID="{4FAEA411-D67C-4FAC-9C38-ED426BEE0F21}" presName="connectorText" presStyleLbl="sibTrans2D1" presStyleIdx="0" presStyleCnt="2"/>
+      <dgm:spPr/>
+    </dgm:pt>
+    <dgm:pt modelId="{01A59963-FADE-485F-B9FD-1791B2C23E9D}" type="pres">
+      <dgm:prSet presAssocID="{2D32066E-6089-4AB4-AD34-0065A77F7CB0}" presName="node" presStyleLbl="node1" presStyleIdx="1" presStyleCnt="3" custScaleX="149353" custScaleY="123305" custLinFactNeighborX="18683" custLinFactNeighborY="-21528">
+        <dgm:presLayoutVars>
+          <dgm:bulletEnabled val="1"/>
+        </dgm:presLayoutVars>
+      </dgm:prSet>
+      <dgm:spPr/>
+      <dgm:t>
+        <a:bodyPr/>
+        <a:lstStyle/>
+        <a:p>
+          <a:endParaRPr lang="en-US"/>
+        </a:p>
+      </dgm:t>
+    </dgm:pt>
+    <dgm:pt modelId="{AA0E5B5C-E613-476C-A37F-9D855A523C4C}" type="pres">
+      <dgm:prSet presAssocID="{F55E2D18-BC27-4A07-970A-D1997D522F0C}" presName="sibTrans" presStyleLbl="sibTrans2D1" presStyleIdx="1" presStyleCnt="2"/>
+      <dgm:spPr/>
+    </dgm:pt>
+    <dgm:pt modelId="{EDD7C85A-A61B-4E61-A7BC-215016A10EE2}" type="pres">
+      <dgm:prSet presAssocID="{F55E2D18-BC27-4A07-970A-D1997D522F0C}" presName="connectorText" presStyleLbl="sibTrans2D1" presStyleIdx="1" presStyleCnt="2"/>
+      <dgm:spPr/>
+    </dgm:pt>
+    <dgm:pt modelId="{F7095234-A19A-4CC4-B936-D78948BC0DE6}" type="pres">
+      <dgm:prSet presAssocID="{806FF90B-F22D-41B2-B392-8B56A1633E74}" presName="node" presStyleLbl="node1" presStyleIdx="2" presStyleCnt="3" custScaleX="203014" custScaleY="160615" custLinFactY="47152" custLinFactNeighborX="341" custLinFactNeighborY="100000">
+        <dgm:presLayoutVars>
+          <dgm:bulletEnabled val="1"/>
+        </dgm:presLayoutVars>
+      </dgm:prSet>
+      <dgm:spPr/>
+      <dgm:t>
+        <a:bodyPr/>
+        <a:lstStyle/>
+        <a:p>
+          <a:endParaRPr lang="en-US"/>
+        </a:p>
+      </dgm:t>
+    </dgm:pt>
+  </dgm:ptLst>
+  <dgm:cxnLst>
+    <dgm:cxn modelId="{61D9A9F6-50C5-4EAB-BC62-4F227A7D4E11}" srcId="{27713C27-1377-4D96-9485-E7A01023C3CB}" destId="{806FF90B-F22D-41B2-B392-8B56A1633E74}" srcOrd="2" destOrd="0" parTransId="{652A7FB4-6D2D-4CB6-A228-607DD383ACB7}" sibTransId="{B05E6C67-8DC0-496B-8EC5-BEB76E2B2184}"/>
+    <dgm:cxn modelId="{A381FFB5-0829-48DC-A94A-E61EED778935}" type="presOf" srcId="{4FAEA411-D67C-4FAC-9C38-ED426BEE0F21}" destId="{8D4CB282-5290-42AC-BFDA-BEB571577CDA}" srcOrd="0" destOrd="0" presId="urn:microsoft.com/office/officeart/2005/8/layout/process1"/>
+    <dgm:cxn modelId="{A6FEAD0F-8B57-4D7C-AC8C-BF99E4D517D2}" type="presOf" srcId="{27713C27-1377-4D96-9485-E7A01023C3CB}" destId="{BD13A71D-FBA6-4B80-875A-99C5206F01FD}" srcOrd="0" destOrd="0" presId="urn:microsoft.com/office/officeart/2005/8/layout/process1"/>
+    <dgm:cxn modelId="{862F401A-6130-4D81-8143-0D9B1A594170}" srcId="{27713C27-1377-4D96-9485-E7A01023C3CB}" destId="{2D32066E-6089-4AB4-AD34-0065A77F7CB0}" srcOrd="1" destOrd="0" parTransId="{6A32567A-E136-40F7-A755-63A8774AD34A}" sibTransId="{F55E2D18-BC27-4A07-970A-D1997D522F0C}"/>
+    <dgm:cxn modelId="{2B57C3AF-A69D-4DE1-9DE8-CC940E3589A7}" type="presOf" srcId="{806FF90B-F22D-41B2-B392-8B56A1633E74}" destId="{F7095234-A19A-4CC4-B936-D78948BC0DE6}" srcOrd="0" destOrd="0" presId="urn:microsoft.com/office/officeart/2005/8/layout/process1"/>
+    <dgm:cxn modelId="{23269E12-3867-40CE-AE1F-7578A115D244}" srcId="{27713C27-1377-4D96-9485-E7A01023C3CB}" destId="{0B0766CE-DF52-4460-846C-3883598C6117}" srcOrd="0" destOrd="0" parTransId="{2AB98EE3-AE3F-447C-A03D-C3A5D5BCBE03}" sibTransId="{4FAEA411-D67C-4FAC-9C38-ED426BEE0F21}"/>
+    <dgm:cxn modelId="{FE56A4E4-F395-4079-968C-65C3C08EA4FD}" type="presOf" srcId="{F55E2D18-BC27-4A07-970A-D1997D522F0C}" destId="{EDD7C85A-A61B-4E61-A7BC-215016A10EE2}" srcOrd="1" destOrd="0" presId="urn:microsoft.com/office/officeart/2005/8/layout/process1"/>
+    <dgm:cxn modelId="{FBFB5D32-26C2-4A4D-954B-583D92F9E8D1}" type="presOf" srcId="{2D32066E-6089-4AB4-AD34-0065A77F7CB0}" destId="{01A59963-FADE-485F-B9FD-1791B2C23E9D}" srcOrd="0" destOrd="0" presId="urn:microsoft.com/office/officeart/2005/8/layout/process1"/>
+    <dgm:cxn modelId="{1F18889F-2842-4179-B0FB-F33A1363CFBB}" type="presOf" srcId="{F55E2D18-BC27-4A07-970A-D1997D522F0C}" destId="{AA0E5B5C-E613-476C-A37F-9D855A523C4C}" srcOrd="0" destOrd="0" presId="urn:microsoft.com/office/officeart/2005/8/layout/process1"/>
+    <dgm:cxn modelId="{6879D249-5323-4ED9-A8E6-9C20FD008DE0}" type="presOf" srcId="{0B0766CE-DF52-4460-846C-3883598C6117}" destId="{F8565A40-4774-493A-A16C-413D5083391E}" srcOrd="0" destOrd="0" presId="urn:microsoft.com/office/officeart/2005/8/layout/process1"/>
+    <dgm:cxn modelId="{FD8F9B54-6287-43A2-B914-A88FD0C456A1}" type="presOf" srcId="{4FAEA411-D67C-4FAC-9C38-ED426BEE0F21}" destId="{02CCEA65-6255-4B92-89E7-7D7EF9601746}" srcOrd="1" destOrd="0" presId="urn:microsoft.com/office/officeart/2005/8/layout/process1"/>
+    <dgm:cxn modelId="{0F61918F-2922-4528-94D7-6AA6BCADA2D2}" type="presParOf" srcId="{BD13A71D-FBA6-4B80-875A-99C5206F01FD}" destId="{F8565A40-4774-493A-A16C-413D5083391E}" srcOrd="0" destOrd="0" presId="urn:microsoft.com/office/officeart/2005/8/layout/process1"/>
+    <dgm:cxn modelId="{9AACD68C-8C2B-4C91-8304-DC02D63D2DDB}" type="presParOf" srcId="{BD13A71D-FBA6-4B80-875A-99C5206F01FD}" destId="{8D4CB282-5290-42AC-BFDA-BEB571577CDA}" srcOrd="1" destOrd="0" presId="urn:microsoft.com/office/officeart/2005/8/layout/process1"/>
+    <dgm:cxn modelId="{12774315-940B-4A89-A622-C46EE99C86C0}" type="presParOf" srcId="{8D4CB282-5290-42AC-BFDA-BEB571577CDA}" destId="{02CCEA65-6255-4B92-89E7-7D7EF9601746}" srcOrd="0" destOrd="0" presId="urn:microsoft.com/office/officeart/2005/8/layout/process1"/>
+    <dgm:cxn modelId="{9A5DE6C5-ADDA-405B-8390-946A3D865BE2}" type="presParOf" srcId="{BD13A71D-FBA6-4B80-875A-99C5206F01FD}" destId="{01A59963-FADE-485F-B9FD-1791B2C23E9D}" srcOrd="2" destOrd="0" presId="urn:microsoft.com/office/officeart/2005/8/layout/process1"/>
+    <dgm:cxn modelId="{3609B9D8-0861-4EF9-B633-90A26C7E8C2D}" type="presParOf" srcId="{BD13A71D-FBA6-4B80-875A-99C5206F01FD}" destId="{AA0E5B5C-E613-476C-A37F-9D855A523C4C}" srcOrd="3" destOrd="0" presId="urn:microsoft.com/office/officeart/2005/8/layout/process1"/>
+    <dgm:cxn modelId="{24B0B566-D752-41AC-A3AA-981E0547B5B8}" type="presParOf" srcId="{AA0E5B5C-E613-476C-A37F-9D855A523C4C}" destId="{EDD7C85A-A61B-4E61-A7BC-215016A10EE2}" srcOrd="0" destOrd="0" presId="urn:microsoft.com/office/officeart/2005/8/layout/process1"/>
+    <dgm:cxn modelId="{486DE419-A051-4AC7-8CD5-18C5946205AE}" type="presParOf" srcId="{BD13A71D-FBA6-4B80-875A-99C5206F01FD}" destId="{F7095234-A19A-4CC4-B936-D78948BC0DE6}" srcOrd="4" destOrd="0" presId="urn:microsoft.com/office/officeart/2005/8/layout/process1"/>
+  </dgm:cxnLst>
+  <dgm:bg/>
+  <dgm:whole/>
+  <dgm:extLst>
+    <a:ext uri="http://schemas.microsoft.com/office/drawing/2008/diagram">
+      <dsp:dataModelExt xmlns:dsp="http://schemas.microsoft.com/office/drawing/2008/diagram" relId="rId6" minVer="http://schemas.openxmlformats.org/drawingml/2006/diagram"/>
+    </a:ext>
+  </dgm:extLst>
+</dgm:dataModel>
+</file>
+
+<file path=ppt/diagrams/drawing1.xml><?xml version="1.0" encoding="utf-8"?>
+<dsp:drawing xmlns:dgm="http://schemas.openxmlformats.org/drawingml/2006/diagram" xmlns:dsp="http://schemas.microsoft.com/office/drawing/2008/diagram" xmlns:a="http://schemas.openxmlformats.org/drawingml/2006/main">
+  <dsp:spTree>
+    <dsp:nvGrpSpPr>
+      <dsp:cNvPr id="0" name=""/>
+      <dsp:cNvGrpSpPr/>
+    </dsp:nvGrpSpPr>
+    <dsp:grpSpPr/>
+    <dsp:sp modelId="{F8565A40-4774-493A-A16C-413D5083391E}">
+      <dsp:nvSpPr>
+        <dsp:cNvPr id="0" name=""/>
+        <dsp:cNvSpPr/>
+      </dsp:nvSpPr>
+      <dsp:spPr>
+        <a:xfrm>
+          <a:off x="0" y="53356"/>
+          <a:ext cx="1485450" cy="933048"/>
+        </a:xfrm>
+        <a:prstGeom prst="roundRect">
+          <a:avLst>
+            <a:gd name="adj" fmla="val 10000"/>
+          </a:avLst>
+        </a:prstGeom>
+        <a:solidFill>
+          <a:schemeClr val="tx2">
+            <a:lumMod val="40000"/>
+            <a:lumOff val="60000"/>
+          </a:schemeClr>
+        </a:solidFill>
+        <a:ln w="12700" cap="flat" cmpd="sng" algn="ctr">
+          <a:solidFill>
+            <a:schemeClr val="lt1">
+              <a:hueOff val="0"/>
+              <a:satOff val="0"/>
+              <a:lumOff val="0"/>
+              <a:alphaOff val="0"/>
+            </a:schemeClr>
+          </a:solidFill>
+          <a:prstDash val="solid"/>
+          <a:miter lim="800000"/>
+        </a:ln>
+        <a:effectLst/>
+      </dsp:spPr>
+      <dsp:style>
+        <a:lnRef idx="2">
+          <a:scrgbClr r="0" g="0" b="0"/>
+        </a:lnRef>
+        <a:fillRef idx="1">
+          <a:scrgbClr r="0" g="0" b="0"/>
+        </a:fillRef>
+        <a:effectRef idx="0">
+          <a:scrgbClr r="0" g="0" b="0"/>
+        </a:effectRef>
+        <a:fontRef idx="minor">
+          <a:schemeClr val="lt1"/>
+        </a:fontRef>
+      </dsp:style>
+      <dsp:txBody>
+        <a:bodyPr spcFirstLastPara="0" vert="horz" wrap="square" lIns="68580" tIns="68580" rIns="68580" bIns="68580" numCol="1" spcCol="1270" anchor="ctr" anchorCtr="0">
+          <a:noAutofit/>
+        </a:bodyPr>
+        <a:lstStyle/>
+        <a:p>
+          <a:pPr lvl="0" algn="ctr" defTabSz="800100">
+            <a:lnSpc>
+              <a:spcPct val="90000"/>
+            </a:lnSpc>
+            <a:spcBef>
+              <a:spcPct val="0"/>
+            </a:spcBef>
+            <a:spcAft>
+              <a:spcPct val="35000"/>
+            </a:spcAft>
+          </a:pPr>
+          <a:r>
+            <a:rPr lang="en-US" sz="1800" kern="1200" dirty="0" err="1" smtClean="0"/>
+            <a:t>cách</a:t>
+          </a:r>
+          <a:r>
+            <a:rPr lang="en-US" sz="1800" kern="1200" dirty="0" smtClean="0"/>
+            <a:t> </a:t>
+          </a:r>
+          <a:r>
+            <a:rPr lang="en-US" sz="1800" kern="1200" dirty="0" err="1" smtClean="0"/>
+            <a:t>mạng</a:t>
+          </a:r>
+          <a:r>
+            <a:rPr lang="en-US" sz="1800" kern="1200" dirty="0" smtClean="0"/>
+            <a:t> </a:t>
+          </a:r>
+          <a:r>
+            <a:rPr lang="en-US" sz="1800" kern="1200" dirty="0" err="1" smtClean="0"/>
+            <a:t>giải</a:t>
+          </a:r>
+          <a:r>
+            <a:rPr lang="en-US" sz="1800" kern="1200" dirty="0" smtClean="0"/>
+            <a:t> </a:t>
+          </a:r>
+          <a:r>
+            <a:rPr lang="en-US" sz="1800" kern="1200" dirty="0" err="1" smtClean="0"/>
+            <a:t>phóng</a:t>
+          </a:r>
+          <a:r>
+            <a:rPr lang="en-US" sz="1800" kern="1200" dirty="0" smtClean="0"/>
+            <a:t> </a:t>
+          </a:r>
+          <a:r>
+            <a:rPr lang="en-US" sz="1800" kern="1200" dirty="0" err="1" smtClean="0"/>
+            <a:t>dân</a:t>
+          </a:r>
+          <a:r>
+            <a:rPr lang="en-US" sz="1800" kern="1200" dirty="0" smtClean="0"/>
+            <a:t> </a:t>
+          </a:r>
+          <a:r>
+            <a:rPr lang="en-US" sz="1800" kern="1200" dirty="0" err="1" smtClean="0"/>
+            <a:t>tộc</a:t>
+          </a:r>
+          <a:endParaRPr lang="en-US" sz="1800" kern="1200" dirty="0"/>
+        </a:p>
+      </dsp:txBody>
+      <dsp:txXfrm>
+        <a:off x="27328" y="80684"/>
+        <a:ext cx="1430794" cy="878392"/>
+      </dsp:txXfrm>
+    </dsp:sp>
+    <dsp:sp modelId="{8D4CB282-5290-42AC-BFDA-BEB571577CDA}">
+      <dsp:nvSpPr>
+        <dsp:cNvPr id="0" name=""/>
+        <dsp:cNvSpPr/>
+      </dsp:nvSpPr>
+      <dsp:spPr>
+        <a:xfrm rot="1777096">
+          <a:off x="1654559" y="993503"/>
+          <a:ext cx="490551" cy="368391"/>
+        </a:xfrm>
+        <a:prstGeom prst="rightArrow">
+          <a:avLst>
+            <a:gd name="adj1" fmla="val 60000"/>
+            <a:gd name="adj2" fmla="val 50000"/>
+          </a:avLst>
+        </a:prstGeom>
+        <a:solidFill>
+          <a:schemeClr val="accent1">
+            <a:tint val="60000"/>
+            <a:hueOff val="0"/>
+            <a:satOff val="0"/>
+            <a:lumOff val="0"/>
+            <a:alphaOff val="0"/>
+          </a:schemeClr>
+        </a:solidFill>
+        <a:ln>
+          <a:noFill/>
+        </a:ln>
+        <a:effectLst/>
+      </dsp:spPr>
+      <dsp:style>
+        <a:lnRef idx="0">
+          <a:scrgbClr r="0" g="0" b="0"/>
+        </a:lnRef>
+        <a:fillRef idx="1">
+          <a:scrgbClr r="0" g="0" b="0"/>
+        </a:fillRef>
+        <a:effectRef idx="0">
+          <a:scrgbClr r="0" g="0" b="0"/>
+        </a:effectRef>
+        <a:fontRef idx="minor">
+          <a:schemeClr val="lt1"/>
+        </a:fontRef>
+      </dsp:style>
+      <dsp:txBody>
+        <a:bodyPr spcFirstLastPara="0" vert="horz" wrap="square" lIns="0" tIns="0" rIns="0" bIns="0" numCol="1" spcCol="1270" anchor="ctr" anchorCtr="0">
+          <a:noAutofit/>
+        </a:bodyPr>
+        <a:lstStyle/>
+        <a:p>
+          <a:pPr lvl="0" algn="ctr" defTabSz="622300">
+            <a:lnSpc>
+              <a:spcPct val="90000"/>
+            </a:lnSpc>
+            <a:spcBef>
+              <a:spcPct val="0"/>
+            </a:spcBef>
+            <a:spcAft>
+              <a:spcPct val="35000"/>
+            </a:spcAft>
+          </a:pPr>
+          <a:endParaRPr lang="en-US" sz="1400" kern="1200"/>
+        </a:p>
+      </dsp:txBody>
+      <dsp:txXfrm>
+        <a:off x="1661779" y="1039871"/>
+        <a:ext cx="380034" cy="221035"/>
+      </dsp:txXfrm>
+    </dsp:sp>
+    <dsp:sp modelId="{01A59963-FADE-485F-B9FD-1791B2C23E9D}">
+      <dsp:nvSpPr>
+        <dsp:cNvPr id="0" name=""/>
+        <dsp:cNvSpPr/>
+      </dsp:nvSpPr>
+      <dsp:spPr>
+        <a:xfrm>
+          <a:off x="2192667" y="1399554"/>
+          <a:ext cx="2218564" cy="1150495"/>
+        </a:xfrm>
+        <a:prstGeom prst="roundRect">
+          <a:avLst>
+            <a:gd name="adj" fmla="val 10000"/>
+          </a:avLst>
+        </a:prstGeom>
+        <a:solidFill>
+          <a:schemeClr val="accent1">
+            <a:lumMod val="60000"/>
+            <a:lumOff val="40000"/>
+          </a:schemeClr>
+        </a:solidFill>
+        <a:ln w="12700" cap="flat" cmpd="sng" algn="ctr">
+          <a:solidFill>
+            <a:schemeClr val="lt1">
+              <a:hueOff val="0"/>
+              <a:satOff val="0"/>
+              <a:lumOff val="0"/>
+              <a:alphaOff val="0"/>
+            </a:schemeClr>
+          </a:solidFill>
+          <a:prstDash val="solid"/>
+          <a:miter lim="800000"/>
+        </a:ln>
+        <a:effectLst/>
+      </dsp:spPr>
+      <dsp:style>
+        <a:lnRef idx="2">
+          <a:scrgbClr r="0" g="0" b="0"/>
+        </a:lnRef>
+        <a:fillRef idx="1">
+          <a:scrgbClr r="0" g="0" b="0"/>
+        </a:fillRef>
+        <a:effectRef idx="0">
+          <a:scrgbClr r="0" g="0" b="0"/>
+        </a:effectRef>
+        <a:fontRef idx="minor">
+          <a:schemeClr val="lt1"/>
+        </a:fontRef>
+      </dsp:style>
+      <dsp:txBody>
+        <a:bodyPr spcFirstLastPara="0" vert="horz" wrap="square" lIns="68580" tIns="68580" rIns="68580" bIns="68580" numCol="1" spcCol="1270" anchor="ctr" anchorCtr="0">
+          <a:noAutofit/>
+        </a:bodyPr>
+        <a:lstStyle/>
+        <a:p>
+          <a:pPr lvl="0" algn="ctr" defTabSz="800100">
+            <a:lnSpc>
+              <a:spcPct val="90000"/>
+            </a:lnSpc>
+            <a:spcBef>
+              <a:spcPct val="0"/>
+            </a:spcBef>
+            <a:spcAft>
+              <a:spcPct val="35000"/>
+            </a:spcAft>
+          </a:pPr>
+          <a:r>
+            <a:rPr lang="en-US" sz="1800" kern="1200" dirty="0" smtClean="0"/>
+            <a:t> </a:t>
+          </a:r>
+          <a:r>
+            <a:rPr lang="en-US" sz="1800" kern="1200" dirty="0" err="1" smtClean="0"/>
+            <a:t>cách</a:t>
+          </a:r>
+          <a:r>
+            <a:rPr lang="en-US" sz="1800" kern="1200" dirty="0" smtClean="0"/>
+            <a:t> </a:t>
+          </a:r>
+          <a:r>
+            <a:rPr lang="en-US" sz="1800" kern="1200" dirty="0" err="1" smtClean="0"/>
+            <a:t>mạng</a:t>
+          </a:r>
+          <a:r>
+            <a:rPr lang="en-US" sz="1800" kern="1200" dirty="0" smtClean="0"/>
+            <a:t> </a:t>
+          </a:r>
+          <a:r>
+            <a:rPr lang="en-US" sz="1800" kern="1200" dirty="0" err="1" smtClean="0"/>
+            <a:t>dân</a:t>
+          </a:r>
+          <a:r>
+            <a:rPr lang="en-US" sz="1800" kern="1200" dirty="0" smtClean="0"/>
+            <a:t> </a:t>
+          </a:r>
+          <a:r>
+            <a:rPr lang="en-US" sz="1800" kern="1200" dirty="0" err="1" smtClean="0"/>
+            <a:t>chu</a:t>
+          </a:r>
+          <a:r>
+            <a:rPr lang="en-US" sz="1800" kern="1200" dirty="0" smtClean="0"/>
+            <a:t>̉ </a:t>
+          </a:r>
+          <a:r>
+            <a:rPr lang="en-US" sz="1800" kern="1200" dirty="0" err="1" smtClean="0"/>
+            <a:t>nhân</a:t>
+          </a:r>
+          <a:r>
+            <a:rPr lang="en-US" sz="1800" kern="1200" dirty="0" smtClean="0"/>
+            <a:t> </a:t>
+          </a:r>
+          <a:r>
+            <a:rPr lang="en-US" sz="1800" kern="1200" dirty="0" err="1" smtClean="0"/>
+            <a:t>dân</a:t>
+          </a:r>
+          <a:r>
+            <a:rPr lang="en-US" sz="1800" kern="1200" dirty="0" smtClean="0"/>
+            <a:t> </a:t>
+          </a:r>
+          <a:endParaRPr lang="en-US" sz="1800" kern="1200" dirty="0"/>
+        </a:p>
+      </dsp:txBody>
+      <dsp:txXfrm>
+        <a:off x="2226364" y="1433251"/>
+        <a:ext cx="2151170" cy="1083101"/>
+      </dsp:txXfrm>
+    </dsp:sp>
+    <dsp:sp modelId="{AA0E5B5C-E613-476C-A37F-9D855A523C4C}">
+      <dsp:nvSpPr>
+        <dsp:cNvPr id="0" name=""/>
+        <dsp:cNvSpPr/>
+      </dsp:nvSpPr>
+      <dsp:spPr>
+        <a:xfrm rot="1613976">
+          <a:off x="4523650" y="2488193"/>
+          <a:ext cx="306683" cy="368391"/>
+        </a:xfrm>
+        <a:prstGeom prst="rightArrow">
+          <a:avLst>
+            <a:gd name="adj1" fmla="val 60000"/>
+            <a:gd name="adj2" fmla="val 50000"/>
+          </a:avLst>
+        </a:prstGeom>
+        <a:solidFill>
+          <a:schemeClr val="accent1">
+            <a:tint val="60000"/>
+            <a:hueOff val="0"/>
+            <a:satOff val="0"/>
+            <a:lumOff val="0"/>
+            <a:alphaOff val="0"/>
+          </a:schemeClr>
+        </a:solidFill>
+        <a:ln>
+          <a:noFill/>
+        </a:ln>
+        <a:effectLst/>
+      </dsp:spPr>
+      <dsp:style>
+        <a:lnRef idx="0">
+          <a:scrgbClr r="0" g="0" b="0"/>
+        </a:lnRef>
+        <a:fillRef idx="1">
+          <a:scrgbClr r="0" g="0" b="0"/>
+        </a:fillRef>
+        <a:effectRef idx="0">
+          <a:scrgbClr r="0" g="0" b="0"/>
+        </a:effectRef>
+        <a:fontRef idx="minor">
+          <a:schemeClr val="lt1"/>
+        </a:fontRef>
+      </dsp:style>
+      <dsp:txBody>
+        <a:bodyPr spcFirstLastPara="0" vert="horz" wrap="square" lIns="0" tIns="0" rIns="0" bIns="0" numCol="1" spcCol="1270" anchor="ctr" anchorCtr="0">
+          <a:noAutofit/>
+        </a:bodyPr>
+        <a:lstStyle/>
+        <a:p>
+          <a:pPr lvl="0" algn="ctr" defTabSz="622300">
+            <a:lnSpc>
+              <a:spcPct val="90000"/>
+            </a:lnSpc>
+            <a:spcBef>
+              <a:spcPct val="0"/>
+            </a:spcBef>
+            <a:spcAft>
+              <a:spcPct val="35000"/>
+            </a:spcAft>
+          </a:pPr>
+          <a:endParaRPr lang="en-US" sz="1400" kern="1200"/>
+        </a:p>
+      </dsp:txBody>
+      <dsp:txXfrm>
+        <a:off x="4528627" y="2541058"/>
+        <a:ext cx="214678" cy="221035"/>
+      </dsp:txXfrm>
+    </dsp:sp>
+    <dsp:sp modelId="{F7095234-A19A-4CC4-B936-D78948BC0DE6}">
+      <dsp:nvSpPr>
+        <dsp:cNvPr id="0" name=""/>
+        <dsp:cNvSpPr/>
+      </dsp:nvSpPr>
+      <dsp:spPr>
+        <a:xfrm>
+          <a:off x="4896427" y="2799360"/>
+          <a:ext cx="3015672" cy="1498615"/>
+        </a:xfrm>
+        <a:prstGeom prst="roundRect">
+          <a:avLst>
+            <a:gd name="adj" fmla="val 10000"/>
+          </a:avLst>
+        </a:prstGeom>
+        <a:solidFill>
+          <a:schemeClr val="accent1">
+            <a:lumMod val="50000"/>
+          </a:schemeClr>
+        </a:solidFill>
+        <a:ln w="12700" cap="flat" cmpd="sng" algn="ctr">
+          <a:solidFill>
+            <a:schemeClr val="lt1">
+              <a:hueOff val="0"/>
+              <a:satOff val="0"/>
+              <a:lumOff val="0"/>
+              <a:alphaOff val="0"/>
+            </a:schemeClr>
+          </a:solidFill>
+          <a:prstDash val="solid"/>
+          <a:miter lim="800000"/>
+        </a:ln>
+        <a:effectLst/>
+      </dsp:spPr>
+      <dsp:style>
+        <a:lnRef idx="2">
+          <a:scrgbClr r="0" g="0" b="0"/>
+        </a:lnRef>
+        <a:fillRef idx="1">
+          <a:scrgbClr r="0" g="0" b="0"/>
+        </a:fillRef>
+        <a:effectRef idx="0">
+          <a:scrgbClr r="0" g="0" b="0"/>
+        </a:effectRef>
+        <a:fontRef idx="minor">
+          <a:schemeClr val="lt1"/>
+        </a:fontRef>
+      </dsp:style>
+      <dsp:txBody>
+        <a:bodyPr spcFirstLastPara="0" vert="horz" wrap="square" lIns="68580" tIns="68580" rIns="68580" bIns="68580" numCol="1" spcCol="1270" anchor="ctr" anchorCtr="0">
+          <a:noAutofit/>
+        </a:bodyPr>
+        <a:lstStyle/>
+        <a:p>
+          <a:pPr lvl="0" algn="ctr" defTabSz="800100">
+            <a:lnSpc>
+              <a:spcPct val="90000"/>
+            </a:lnSpc>
+            <a:spcBef>
+              <a:spcPct val="0"/>
+            </a:spcBef>
+            <a:spcAft>
+              <a:spcPct val="35000"/>
+            </a:spcAft>
+          </a:pPr>
+          <a:r>
+            <a:rPr lang="en-US" sz="1800" kern="1200" dirty="0" err="1" smtClean="0"/>
+            <a:t>cách</a:t>
+          </a:r>
+          <a:r>
+            <a:rPr lang="en-US" sz="1800" kern="1200" dirty="0" smtClean="0"/>
+            <a:t> </a:t>
+          </a:r>
+          <a:r>
+            <a:rPr lang="en-US" sz="1800" kern="1200" dirty="0" err="1" smtClean="0"/>
+            <a:t>mạng</a:t>
+          </a:r>
+          <a:r>
+            <a:rPr lang="en-US" sz="1800" kern="1200" dirty="0" smtClean="0"/>
+            <a:t> </a:t>
+          </a:r>
+          <a:r>
+            <a:rPr lang="en-US" sz="1800" kern="1200" dirty="0" err="1" smtClean="0"/>
+            <a:t>chu</a:t>
+          </a:r>
+          <a:r>
+            <a:rPr lang="en-US" sz="1800" kern="1200" dirty="0" smtClean="0"/>
+            <a:t>̉ </a:t>
+          </a:r>
+          <a:r>
+            <a:rPr lang="en-US" sz="1800" kern="1200" dirty="0" err="1" smtClean="0"/>
+            <a:t>nghĩa</a:t>
+          </a:r>
+          <a:r>
+            <a:rPr lang="en-US" sz="1800" kern="1200" dirty="0" smtClean="0"/>
+            <a:t> </a:t>
+          </a:r>
+          <a:r>
+            <a:rPr lang="en-US" sz="1800" kern="1200" dirty="0" err="1" smtClean="0"/>
+            <a:t>xa</a:t>
+          </a:r>
+          <a:r>
+            <a:rPr lang="en-US" sz="1800" kern="1200" dirty="0" smtClean="0"/>
+            <a:t>̃ </a:t>
+          </a:r>
+          <a:r>
+            <a:rPr lang="en-US" sz="1800" kern="1200" dirty="0" err="1" smtClean="0"/>
+            <a:t>hội</a:t>
+          </a:r>
+          <a:r>
+            <a:rPr lang="en-US" sz="1800" kern="1200" dirty="0" smtClean="0"/>
+            <a:t>. </a:t>
+          </a:r>
+          <a:endParaRPr lang="en-US" sz="1800" kern="1200" dirty="0"/>
+        </a:p>
+      </dsp:txBody>
+      <dsp:txXfrm>
+        <a:off x="4940320" y="2843253"/>
+        <a:ext cx="2927886" cy="1410829"/>
+      </dsp:txXfrm>
+    </dsp:sp>
+  </dsp:spTree>
+</dsp:drawing>
+</file>
+
+<file path=ppt/diagrams/layout1.xml><?xml version="1.0" encoding="utf-8"?>
+<dgm:layoutDef xmlns:dgm="http://schemas.openxmlformats.org/drawingml/2006/diagram" xmlns:a="http://schemas.openxmlformats.org/drawingml/2006/main" uniqueId="urn:microsoft.com/office/officeart/2005/8/layout/process1">
+  <dgm:title val=""/>
+  <dgm:desc val=""/>
+  <dgm:catLst>
+    <dgm:cat type="process" pri="1000"/>
+    <dgm:cat type="convert" pri="15000"/>
+  </dgm:catLst>
+  <dgm:sampData useDef="1">
+    <dgm:dataModel>
+      <dgm:ptLst/>
+      <dgm:bg/>
+      <dgm:whole/>
+    </dgm:dataModel>
+  </dgm:sampData>
+  <dgm:styleData>
+    <dgm:dataModel>
+      <dgm:ptLst>
+        <dgm:pt modelId="0" type="doc"/>
+        <dgm:pt modelId="1"/>
+        <dgm:pt modelId="2"/>
+      </dgm:ptLst>
+      <dgm:cxnLst>
+        <dgm:cxn modelId="3" srcId="0" destId="1" srcOrd="0" destOrd="0"/>
+        <dgm:cxn modelId="4" srcId="0" destId="2" srcOrd="1" destOrd="0"/>
+      </dgm:cxnLst>
+      <dgm:bg/>
+      <dgm:whole/>
+    </dgm:dataModel>
+  </dgm:styleData>
+  <dgm:clrData>
+    <dgm:dataModel>
+      <dgm:ptLst>
+        <dgm:pt modelId="0" type="doc"/>
+        <dgm:pt modelId="1"/>
+        <dgm:pt modelId="2"/>
+        <dgm:pt modelId="3"/>
+        <dgm:pt modelId="4"/>
+      </dgm:ptLst>
+      <dgm:cxnLst>
+        <dgm:cxn modelId="5" srcId="0" destId="1" srcOrd="0" destOrd="0"/>
+        <dgm:cxn modelId="6" srcId="0" destId="2" srcOrd="1" destOrd="0"/>
+        <dgm:cxn modelId="7" srcId="0" destId="3" srcOrd="2" destOrd="0"/>
+        <dgm:cxn modelId="8" srcId="0" destId="4" srcOrd="3" destOrd="0"/>
+      </dgm:cxnLst>
+      <dgm:bg/>
+      <dgm:whole/>
+    </dgm:dataModel>
+  </dgm:clrData>
+  <dgm:layoutNode name="Name0">
+    <dgm:varLst>
+      <dgm:dir/>
+      <dgm:resizeHandles val="exact"/>
+    </dgm:varLst>
+    <dgm:choose name="Name1">
+      <dgm:if name="Name2" func="var" arg="dir" op="equ" val="norm">
+        <dgm:alg type="lin"/>
+      </dgm:if>
+      <dgm:else name="Name3">
+        <dgm:alg type="lin">
+          <dgm:param type="linDir" val="fromR"/>
+        </dgm:alg>
+      </dgm:else>
+    </dgm:choose>
+    <dgm:shape xmlns:r="http://schemas.openxmlformats.org/officeDocument/2006/relationships" r:blip="">
+      <dgm:adjLst/>
+    </dgm:shape>
+    <dgm:presOf/>
+    <dgm:constrLst>
+      <dgm:constr type="w" for="ch" ptType="node" refType="w"/>
+      <dgm:constr type="h" for="ch" ptType="node" op="equ"/>
+      <dgm:constr type="primFontSz" for="ch" ptType="node" op="equ" val="65"/>
+      <dgm:constr type="w" for="ch" ptType="sibTrans" refType="w" refFor="ch" refPtType="node" op="equ" fact="0.4"/>
+      <dgm:constr type="h" for="ch" ptType="sibTrans" op="equ"/>
+      <dgm:constr type="primFontSz" for="des" forName="connectorText" op="equ" val="55"/>
+      <dgm:constr type="primFontSz" for="des" forName="connectorText" refType="primFontSz" refFor="ch" refPtType="node" op="lte" fact="0.8"/>
+    </dgm:constrLst>
+    <dgm:ruleLst/>
+    <dgm:forEach name="nodesForEach" axis="ch" ptType="node">
+      <dgm:layoutNode name="node">
+        <dgm:varLst>
+          <dgm:bulletEnabled val="1"/>
+        </dgm:varLst>
+        <dgm:alg type="tx"/>
+        <dgm:shape xmlns:r="http://schemas.openxmlformats.org/officeDocument/2006/relationships" type="roundRect" r:blip="">
+          <dgm:adjLst>
+            <dgm:adj idx="1" val="0.1"/>
+          </dgm:adjLst>
+        </dgm:shape>
+        <dgm:presOf axis="desOrSelf" ptType="node"/>
+        <dgm:constrLst>
+          <dgm:constr type="h" refType="w" fact="0.6"/>
+          <dgm:constr type="tMarg" refType="primFontSz" fact="0.3"/>
+          <dgm:constr type="bMarg" refType="primFontSz" fact="0.3"/>
+          <dgm:constr type="lMarg" refType="primFontSz" fact="0.3"/>
+          <dgm:constr type="rMarg" refType="primFontSz" fact="0.3"/>
+        </dgm:constrLst>
+        <dgm:ruleLst>
+          <dgm:rule type="primFontSz" val="18" fact="NaN" max="NaN"/>
+          <dgm:rule type="h" val="NaN" fact="1.5" max="NaN"/>
+          <dgm:rule type="primFontSz" val="5" fact="NaN" max="NaN"/>
+          <dgm:rule type="h" val="INF" fact="NaN" max="NaN"/>
+        </dgm:ruleLst>
+      </dgm:layoutNode>
+      <dgm:forEach name="sibTransForEach" axis="followSib" ptType="sibTrans" cnt="1">
+        <dgm:layoutNode name="sibTrans">
+          <dgm:alg type="conn">
+            <dgm:param type="begPts" val="auto"/>
+            <dgm:param type="endPts" val="auto"/>
+          </dgm:alg>
+          <dgm:shape xmlns:r="http://schemas.openxmlformats.org/officeDocument/2006/relationships" type="conn" r:blip="">
+            <dgm:adjLst/>
+          </dgm:shape>
+          <dgm:presOf axis="self"/>
+          <dgm:constrLst>
+            <dgm:constr type="h" refType="w" fact="0.62"/>
+            <dgm:constr type="connDist"/>
+            <dgm:constr type="begPad" refType="connDist" fact="0.25"/>
+            <dgm:constr type="endPad" refType="connDist" fact="0.22"/>
+          </dgm:constrLst>
+          <dgm:ruleLst/>
+          <dgm:layoutNode name="connectorText">
+            <dgm:alg type="tx">
+              <dgm:param type="autoTxRot" val="grav"/>
+            </dgm:alg>
+            <dgm:shape xmlns:r="http://schemas.openxmlformats.org/officeDocument/2006/relationships" type="conn" r:blip="" hideGeom="1">
+              <dgm:adjLst/>
+            </dgm:shape>
+            <dgm:presOf axis="self"/>
+            <dgm:constrLst>
+              <dgm:constr type="lMarg"/>
+              <dgm:constr type="rMarg"/>
+              <dgm:constr type="tMarg"/>
+              <dgm:constr type="bMarg"/>
+            </dgm:constrLst>
+            <dgm:ruleLst>
+              <dgm:rule type="primFontSz" val="5" fact="NaN" max="NaN"/>
+            </dgm:ruleLst>
+          </dgm:layoutNode>
+        </dgm:layoutNode>
+      </dgm:forEach>
+    </dgm:forEach>
+  </dgm:layoutNode>
+</dgm:layoutDef>
+</file>
+
+<file path=ppt/diagrams/quickStyle1.xml><?xml version="1.0" encoding="utf-8"?>
+<dgm:styleDef xmlns:dgm="http://schemas.openxmlformats.org/drawingml/2006/diagram" xmlns:a="http://schemas.openxmlformats.org/drawingml/2006/main" uniqueId="urn:microsoft.com/office/officeart/2005/8/quickstyle/simple1">
+  <dgm:title val=""/>
+  <dgm:desc val=""/>
+  <dgm:catLst>
+    <dgm:cat type="simple" pri="10100"/>
+  </dgm:catLst>
+  <dgm:scene3d>
+    <a:camera prst="orthographicFront"/>
+    <a:lightRig rig="threePt" dir="t"/>
+  </dgm:scene3d>
+  <dgm:styleLbl name="node0">
+    <dgm:scene3d>
+      <a:camera prst="orthographicFront"/>
+      <a:lightRig rig="threePt" dir="t"/>
+    </dgm:scene3d>
+    <dgm:sp3d/>
+    <dgm:txPr/>
+    <dgm:style>
+      <a:lnRef idx="2">
+        <a:scrgbClr r="0" g="0" b="0"/>
+      </a:lnRef>
+      <a:fillRef idx="1">
+        <a:scrgbClr r="0" g="0" b="0"/>
+      </a:fillRef>
+      <a:effectRef idx="0">
+        <a:scrgbClr r="0" g="0" b="0"/>
+      </a:effectRef>
+      <a:fontRef idx="minor">
+        <a:schemeClr val="lt1"/>
+      </a:fontRef>
+    </dgm:style>
+  </dgm:styleLbl>
+  <dgm:styleLbl name="lnNode1">
+    <dgm:scene3d>
+      <a:camera prst="orthographicFront"/>
+      <a:lightRig rig="threePt" dir="t"/>
+    </dgm:scene3d>
+    <dgm:sp3d/>
+    <dgm:txPr/>
+    <dgm:style>
+      <a:lnRef idx="2">
+        <a:scrgbClr r="0" g="0" b="0"/>
+      </a:lnRef>
+      <a:fillRef idx="1">
+        <a:scrgbClr r="0" g="0" b="0"/>
+      </a:fillRef>
+      <a:effectRef idx="0">
+        <a:scrgbClr r="0" g="0" b="0"/>
+      </a:effectRef>
+      <a:fontRef idx="minor">
+        <a:schemeClr val="lt1"/>
+      </a:fontRef>
+    </dgm:style>
+  </dgm:styleLbl>
+  <dgm:styleLbl name="vennNode1">
+    <dgm:scene3d>
+      <a:camera prst="orthographicFront"/>
+      <a:lightRig rig="threePt" dir="t"/>
+    </dgm:scene3d>
+    <dgm:sp3d/>
+    <dgm:txPr/>
+    <dgm:style>
+      <a:lnRef idx="2">
+        <a:scrgbClr r="0" g="0" b="0"/>
+      </a:lnRef>
+      <a:fillRef idx="1">
+        <a:scrgbClr r="0" g="0" b="0"/>
+      </a:fillRef>
+      <a:effectRef idx="0">
+        <a:scrgbClr r="0" g="0" b="0"/>
+      </a:effectRef>
+      <a:fontRef idx="minor">
+        <a:schemeClr val="tx1"/>
+      </a:fontRef>
+    </dgm:style>
+  </dgm:styleLbl>
+  <dgm:styleLbl name="alignNode1">
+    <dgm:scene3d>
+      <a:camera prst="orthographicFront"/>
+      <a:lightRig rig="threePt" dir="t"/>
+    </dgm:scene3d>
+    <dgm:sp3d/>
+    <dgm:txPr/>
+    <dgm:style>
+      <a:lnRef idx="2">
+        <a:scrgbClr r="0" g="0" b="0"/>
+      </a:lnRef>
+      <a:fillRef idx="1">
+        <a:scrgbClr r="0" g="0" b="0"/>
+      </a:fillRef>
+      <a:effectRef idx="0">
+        <a:scrgbClr r="0" g="0" b="0"/>
+      </a:effectRef>
+      <a:fontRef idx="minor">
+        <a:schemeClr val="lt1"/>
+      </a:fontRef>
+    </dgm:style>
+  </dgm:styleLbl>
+  <dgm:styleLbl name="node1">
+    <dgm:scene3d>
+      <a:camera prst="orthographicFront"/>
+      <a:lightRig rig="threePt" dir="t"/>
+    </dgm:scene3d>
+    <dgm:sp3d/>
+    <dgm:txPr/>
+    <dgm:style>
+      <a:lnRef idx="2">
+        <a:scrgbClr r="0" g="0" b="0"/>
+      </a:lnRef>
+      <a:fillRef idx="1">
+        <a:scrgbClr r="0" g="0" b="0"/>
+      </a:fillRef>
+      <a:effectRef idx="0">
+        <a:scrgbClr r="0" g="0" b="0"/>
+      </a:effectRef>
+      <a:fontRef idx="minor">
+        <a:schemeClr val="lt1"/>
+      </a:fontRef>
+    </dgm:style>
+  </dgm:styleLbl>
+  <dgm:styleLbl name="node2">
+    <dgm:scene3d>
+      <a:camera prst="orthographicFront"/>
+      <a:lightRig rig="threePt" dir="t"/>
+    </dgm:scene3d>
+    <dgm:sp3d/>
+    <dgm:txPr/>
+    <dgm:style>
+      <a:lnRef idx="2">
+        <a:scrgbClr r="0" g="0" b="0"/>
+      </a:lnRef>
+      <a:fillRef idx="1">
+        <a:scrgbClr r="0" g="0" b="0"/>
+      </a:fillRef>
+      <a:effectRef idx="0">
+        <a:scrgbClr r="0" g="0" b="0"/>
+      </a:effectRef>
+      <a:fontRef idx="minor">
+        <a:schemeClr val="lt1"/>
+      </a:fontRef>
+    </dgm:style>
+  </dgm:styleLbl>
+  <dgm:styleLbl name="node3">
+    <dgm:scene3d>
+      <a:camera prst="orthographicFront"/>
+      <a:lightRig rig="threePt" dir="t"/>
+    </dgm:scene3d>
+    <dgm:sp3d/>
+    <dgm:txPr/>
+    <dgm:style>
+      <a:lnRef idx="2">
+        <a:scrgbClr r="0" g="0" b="0"/>
+      </a:lnRef>
+      <a:fillRef idx="1">
+        <a:scrgbClr r="0" g="0" b="0"/>
+      </a:fillRef>
+      <a:effectRef idx="0">
+        <a:scrgbClr r="0" g="0" b="0"/>
+      </a:effectRef>
+      <a:fontRef idx="minor">
+        <a:schemeClr val="lt1"/>
+      </a:fontRef>
+    </dgm:style>
+  </dgm:styleLbl>
+  <dgm:styleLbl name="node4">
+    <dgm:scene3d>
+      <a:camera prst="orthographicFront"/>
+      <a:lightRig rig="threePt" dir="t"/>
+    </dgm:scene3d>
+    <dgm:sp3d/>
+    <dgm:txPr/>
+    <dgm:style>
+      <a:lnRef idx="2">
+        <a:scrgbClr r="0" g="0" b="0"/>
+      </a:lnRef>
+      <a:fillRef idx="1">
+        <a:scrgbClr r="0" g="0" b="0"/>
+      </a:fillRef>
+      <a:effectRef idx="0">
+        <a:scrgbClr r="0" g="0" b="0"/>
+      </a:effectRef>
+      <a:fontRef idx="minor">
+        <a:schemeClr val="lt1"/>
+      </a:fontRef>
+    </dgm:style>
+  </dgm:styleLbl>
+  <dgm:styleLbl name="fgImgPlace1">
+    <dgm:scene3d>
+      <a:camera prst="orthographicFront"/>
+      <a:lightRig rig="threePt" dir="t"/>
+    </dgm:scene3d>
+    <dgm:sp3d/>
+    <dgm:txPr/>
+    <dgm:style>
+      <a:lnRef idx="2">
+        <a:scrgbClr r="0" g="0" b="0"/>
+      </a:lnRef>
+      <a:fillRef idx="1">
+        <a:scrgbClr r="0" g="0" b="0"/>
+      </a:fillRef>
+      <a:effectRef idx="0">
+        <a:scrgbClr r="0" g="0" b="0"/>
+      </a:effectRef>
+      <a:fontRef idx="minor"/>
+    </dgm:style>
+  </dgm:styleLbl>
+  <dgm:styleLbl name="alignImgPlace1">
+    <dgm:scene3d>
+      <a:camera prst="orthographicFront"/>
+      <a:lightRig rig="threePt" dir="t"/>
+    </dgm:scene3d>
+    <dgm:sp3d/>
+    <dgm:txPr/>
+    <dgm:style>
+      <a:lnRef idx="2">
+        <a:scrgbClr r="0" g="0" b="0"/>
+      </a:lnRef>
+      <a:fillRef idx="1">
+        <a:scrgbClr r="0" g="0" b="0"/>
+      </a:fillRef>
+      <a:effectRef idx="0">
+        <a:scrgbClr r="0" g="0" b="0"/>
+      </a:effectRef>
+      <a:fontRef idx="minor"/>
+    </dgm:style>
+  </dgm:styleLbl>
+  <dgm:styleLbl name="bgImgPlace1">
+    <dgm:scene3d>
+      <a:camera prst="orthographicFront"/>
+      <a:lightRig rig="threePt" dir="t"/>
+    </dgm:scene3d>
+    <dgm:sp3d/>
+    <dgm:txPr/>
+    <dgm:style>
+      <a:lnRef idx="2">
+        <a:scrgbClr r="0" g="0" b="0"/>
+      </a:lnRef>
+      <a:fillRef idx="1">
+        <a:scrgbClr r="0" g="0" b="0"/>
+      </a:fillRef>
+      <a:effectRef idx="0">
+        <a:scrgbClr r="0" g="0" b="0"/>
+      </a:effectRef>
+      <a:fontRef idx="minor"/>
+    </dgm:style>
+  </dgm:styleLbl>
+  <dgm:styleLbl name="sibTrans2D1">
+    <dgm:scene3d>
+      <a:camera prst="orthographicFront"/>
+      <a:lightRig rig="threePt" dir="t"/>
+    </dgm:scene3d>
+    <dgm:sp3d/>
+    <dgm:txPr/>
+    <dgm:style>
+      <a:lnRef idx="0">
+        <a:scrgbClr r="0" g="0" b="0"/>
+      </a:lnRef>
+      <a:fillRef idx="1">
+        <a:scrgbClr r="0" g="0" b="0"/>
+      </a:fillRef>
+      <a:effectRef idx="0">
+        <a:scrgbClr r="0" g="0" b="0"/>
+      </a:effectRef>
+      <a:fontRef idx="minor">
+        <a:schemeClr val="lt1"/>
+      </a:fontRef>
+    </dgm:style>
+  </dgm:styleLbl>
+  <dgm:styleLbl name="fgSibTrans2D1">
+    <dgm:scene3d>
+      <a:camera prst="orthographicFront"/>
+      <a:lightRig rig="threePt" dir="t"/>
+    </dgm:scene3d>
+    <dgm:sp3d/>
+    <dgm:txPr/>
+    <dgm:style>
+      <a:lnRef idx="0">
+        <a:scrgbClr r="0" g="0" b="0"/>
+      </a:lnRef>
+      <a:fillRef idx="1">
+        <a:scrgbClr r="0" g="0" b="0"/>
+      </a:fillRef>
+      <a:effectRef idx="0">
+        <a:scrgbClr r="0" g="0" b="0"/>
+      </a:effectRef>
+      <a:fontRef idx="minor">
+        <a:schemeClr val="lt1"/>
+      </a:fontRef>
+    </dgm:style>
+  </dgm:styleLbl>
+  <dgm:styleLbl name="bgSibTrans2D1">
+    <dgm:scene3d>
+      <a:camera prst="orthographicFront"/>
+      <a:lightRig rig="threePt" dir="t"/>
+    </dgm:scene3d>
+    <dgm:sp3d/>
+    <dgm:txPr/>
+    <dgm:style>
+      <a:lnRef idx="0">
+        <a:scrgbClr r="0" g="0" b="0"/>
+      </a:lnRef>
+      <a:fillRef idx="1">
+        <a:scrgbClr r="0" g="0" b="0"/>
+      </a:fillRef>
+      <a:effectRef idx="0">
+        <a:scrgbClr r="0" g="0" b="0"/>
+      </a:effectRef>
+      <a:fontRef idx="minor">
+        <a:schemeClr val="lt1"/>
+      </a:fontRef>
+    </dgm:style>
+  </dgm:styleLbl>
+  <dgm:styleLbl name="sibTrans1D1">
+    <dgm:scene3d>
+      <a:camera prst="orthographicFront"/>
+      <a:lightRig rig="threePt" dir="t"/>
+    </dgm:scene3d>
+    <dgm:sp3d/>
+    <dgm:txPr/>
+    <dgm:style>
+      <a:lnRef idx="1">
+        <a:scrgbClr r="0" g="0" b="0"/>
+      </a:lnRef>
+      <a:fillRef idx="0">
+        <a:scrgbClr r="0" g="0" b="0"/>
+      </a:fillRef>
+      <a:effectRef idx="0">
+        <a:scrgbClr r="0" g="0" b="0"/>
+      </a:effectRef>
+      <a:fontRef idx="minor"/>
+    </dgm:style>
+  </dgm:styleLbl>
+  <dgm:styleLbl name="callout">
+    <dgm:scene3d>
+      <a:camera prst="orthographicFront"/>
+      <a:lightRig rig="threePt" dir="t"/>
+    </dgm:scene3d>
+    <dgm:sp3d/>
+    <dgm:txPr/>
+    <dgm:style>
+      <a:lnRef idx="2">
+        <a:scrgbClr r="0" g="0" b="0"/>
+      </a:lnRef>
+      <a:fillRef idx="1">
+        <a:scrgbClr r="0" g="0" b="0"/>
+      </a:fillRef>
+      <a:effectRef idx="0">
+        <a:scrgbClr r="0" g="0" b="0"/>
+      </a:effectRef>
+      <a:fontRef idx="minor"/>
+    </dgm:style>
+  </dgm:styleLbl>
+  <dgm:styleLbl name="asst0">
+    <dgm:scene3d>
+      <a:camera prst="orthographicFront"/>
+      <a:lightRig rig="threePt" dir="t"/>
+    </dgm:scene3d>
+    <dgm:sp3d/>
+    <dgm:txPr/>
+    <dgm:style>
+      <a:lnRef idx="2">
+        <a:scrgbClr r="0" g="0" b="0"/>
+      </a:lnRef>
+      <a:fillRef idx="1">
+        <a:scrgbClr r="0" g="0" b="0"/>
+      </a:fillRef>
+      <a:effectRef idx="0">
+        <a:scrgbClr r="0" g="0" b="0"/>
+      </a:effectRef>
+      <a:fontRef idx="minor">
+        <a:schemeClr val="lt1"/>
+      </a:fontRef>
+    </dgm:style>
+  </dgm:styleLbl>
+  <dgm:styleLbl name="asst1">
+    <dgm:scene3d>
+      <a:camera prst="orthographicFront"/>
+      <a:lightRig rig="threePt" dir="t"/>
+    </dgm:scene3d>
+    <dgm:sp3d/>
+    <dgm:txPr/>
+    <dgm:style>
+      <a:lnRef idx="2">
+        <a:scrgbClr r="0" g="0" b="0"/>
+      </a:lnRef>
+      <a:fillRef idx="1">
+        <a:scrgbClr r="0" g="0" b="0"/>
+      </a:fillRef>
+      <a:effectRef idx="0">
+        <a:scrgbClr r="0" g="0" b="0"/>
+      </a:effectRef>
+      <a:fontRef idx="minor">
+        <a:schemeClr val="lt1"/>
+      </a:fontRef>
+    </dgm:style>
+  </dgm:styleLbl>
+  <dgm:styleLbl name="asst2">
+    <dgm:scene3d>
+      <a:camera prst="orthographicFront"/>
+      <a:lightRig rig="threePt" dir="t"/>
+    </dgm:scene3d>
+    <dgm:sp3d/>
+    <dgm:txPr/>
+    <dgm:style>
+      <a:lnRef idx="2">
+        <a:scrgbClr r="0" g="0" b="0"/>
+      </a:lnRef>
+      <a:fillRef idx="1">
+        <a:scrgbClr r="0" g="0" b="0"/>
+      </a:fillRef>
+      <a:effectRef idx="0">
+        <a:scrgbClr r="0" g="0" b="0"/>
+      </a:effectRef>
+      <a:fontRef idx="minor">
+        <a:schemeClr val="lt1"/>
+      </a:fontRef>
+    </dgm:style>
+  </dgm:styleLbl>
+  <dgm:styleLbl name="asst3">
+    <dgm:scene3d>
+      <a:camera prst="orthographicFront"/>
+      <a:lightRig rig="threePt" dir="t"/>
+    </dgm:scene3d>
+    <dgm:sp3d/>
+    <dgm:txPr/>
+    <dgm:style>
+      <a:lnRef idx="2">
+        <a:scrgbClr r="0" g="0" b="0"/>
+      </a:lnRef>
+      <a:fillRef idx="1">
+        <a:scrgbClr r="0" g="0" b="0"/>
+      </a:fillRef>
+      <a:effectRef idx="0">
+        <a:scrgbClr r="0" g="0" b="0"/>
+      </a:effectRef>
+      <a:fontRef idx="minor">
+        <a:schemeClr val="lt1"/>
+      </a:fontRef>
+    </dgm:style>
+  </dgm:styleLbl>
+  <dgm:styleLbl name="asst4">
+    <dgm:scene3d>
+      <a:camera prst="orthographicFront"/>
+      <a:lightRig rig="threePt" dir="t"/>
+    </dgm:scene3d>
+    <dgm:sp3d/>
+    <dgm:txPr/>
+    <dgm:style>
+      <a:lnRef idx="2">
+        <a:scrgbClr r="0" g="0" b="0"/>
+      </a:lnRef>
+      <a:fillRef idx="1">
+        <a:scrgbClr r="0" g="0" b="0"/>
+      </a:fillRef>
+      <a:effectRef idx="0">
+        <a:scrgbClr r="0" g="0" b="0"/>
+      </a:effectRef>
+      <a:fontRef idx="minor">
+        <a:schemeClr val="lt1"/>
+      </a:fontRef>
+    </dgm:style>
+  </dgm:styleLbl>
+  <dgm:styleLbl name="parChTrans2D1">
+    <dgm:scene3d>
+      <a:camera prst="orthographicFront"/>
+      <a:lightRig rig="threePt" dir="t"/>
+    </dgm:scene3d>
+    <dgm:sp3d/>
+    <dgm:txPr/>
+    <dgm:style>
+      <a:lnRef idx="2">
+        <a:scrgbClr r="0" g="0" b="0"/>
+      </a:lnRef>
+      <a:fillRef idx="1">
+        <a:scrgbClr r="0" g="0" b="0"/>
+      </a:fillRef>
+      <a:effectRef idx="0">
+        <a:scrgbClr r="0" g="0" b="0"/>
+      </a:effectRef>
+      <a:fontRef idx="minor">
+        <a:schemeClr val="lt1"/>
+      </a:fontRef>
+    </dgm:style>
+  </dgm:styleLbl>
+  <dgm:styleLbl name="parChTrans2D2">
+    <dgm:scene3d>
+      <a:camera prst="orthographicFront"/>
+      <a:lightRig rig="threePt" dir="t"/>
+    </dgm:scene3d>
+    <dgm:sp3d/>
+    <dgm:txPr/>
+    <dgm:style>
+      <a:lnRef idx="2">
+        <a:scrgbClr r="0" g="0" b="0"/>
+      </a:lnRef>
+      <a:fillRef idx="1">
+        <a:scrgbClr r="0" g="0" b="0"/>
+      </a:fillRef>
+      <a:effectRef idx="0">
+        <a:scrgbClr r="0" g="0" b="0"/>
+      </a:effectRef>
+      <a:fontRef idx="minor">
+        <a:schemeClr val="lt1"/>
+      </a:fontRef>
+    </dgm:style>
+  </dgm:styleLbl>
+  <dgm:styleLbl name="parChTrans2D3">
+    <dgm:scene3d>
+      <a:camera prst="orthographicFront"/>
+      <a:lightRig rig="threePt" dir="t"/>
+    </dgm:scene3d>
+    <dgm:sp3d/>
+    <dgm:txPr/>
+    <dgm:style>
+      <a:lnRef idx="2">
+        <a:scrgbClr r="0" g="0" b="0"/>
+      </a:lnRef>
+      <a:fillRef idx="1">
+        <a:scrgbClr r="0" g="0" b="0"/>
+      </a:fillRef>
+      <a:effectRef idx="0">
+        <a:scrgbClr r="0" g="0" b="0"/>
+      </a:effectRef>
+      <a:fontRef idx="minor">
+        <a:schemeClr val="lt1"/>
+      </a:fontRef>
+    </dgm:style>
+  </dgm:styleLbl>
+  <dgm:styleLbl name="parChTrans2D4">
+    <dgm:scene3d>
+      <a:camera prst="orthographicFront"/>
+      <a:lightRig rig="threePt" dir="t"/>
+    </dgm:scene3d>
+    <dgm:sp3d/>
+    <dgm:txPr/>
+    <dgm:style>
+      <a:lnRef idx="2">
+        <a:scrgbClr r="0" g="0" b="0"/>
+      </a:lnRef>
+      <a:fillRef idx="1">
+        <a:scrgbClr r="0" g="0" b="0"/>
+      </a:fillRef>
+      <a:effectRef idx="0">
+        <a:scrgbClr r="0" g="0" b="0"/>
+      </a:effectRef>
+      <a:fontRef idx="minor">
+        <a:schemeClr val="lt1"/>
+      </a:fontRef>
+    </dgm:style>
+  </dgm:styleLbl>
+  <dgm:styleLbl name="parChTrans1D1">
+    <dgm:scene3d>
+      <a:camera prst="orthographicFront"/>
+      <a:lightRig rig="threePt" dir="t"/>
+    </dgm:scene3d>
+    <dgm:sp3d/>
+    <dgm:txPr/>
+    <dgm:style>
+      <a:lnRef idx="2">
+        <a:scrgbClr r="0" g="0" b="0"/>
+      </a:lnRef>
+      <a:fillRef idx="0">
+        <a:scrgbClr r="0" g="0" b="0"/>
+      </a:fillRef>
+      <a:effectRef idx="0">
+        <a:scrgbClr r="0" g="0" b="0"/>
+      </a:effectRef>
+      <a:fontRef idx="minor"/>
+    </dgm:style>
+  </dgm:styleLbl>
+  <dgm:styleLbl name="parChTrans1D2">
+    <dgm:scene3d>
+      <a:camera prst="orthographicFront"/>
+      <a:lightRig rig="threePt" dir="t"/>
+    </dgm:scene3d>
+    <dgm:sp3d/>
+    <dgm:txPr/>
+    <dgm:style>
+      <a:lnRef idx="2">
+        <a:scrgbClr r="0" g="0" b="0"/>
+      </a:lnRef>
+      <a:fillRef idx="0">
+        <a:scrgbClr r="0" g="0" b="0"/>
+      </a:fillRef>
+      <a:effectRef idx="0">
+        <a:scrgbClr r="0" g="0" b="0"/>
+      </a:effectRef>
+      <a:fontRef idx="minor"/>
+    </dgm:style>
+  </dgm:styleLbl>
+  <dgm:styleLbl name="parChTrans1D3">
+    <dgm:scene3d>
+      <a:camera prst="orthographicFront"/>
+      <a:lightRig rig="threePt" dir="t"/>
+    </dgm:scene3d>
+    <dgm:sp3d/>
+    <dgm:txPr/>
+    <dgm:style>
+      <a:lnRef idx="2">
+        <a:scrgbClr r="0" g="0" b="0"/>
+      </a:lnRef>
+      <a:fillRef idx="0">
+        <a:scrgbClr r="0" g="0" b="0"/>
+      </a:fillRef>
+      <a:effectRef idx="0">
+        <a:scrgbClr r="0" g="0" b="0"/>
+      </a:effectRef>
+      <a:fontRef idx="minor"/>
+    </dgm:style>
+  </dgm:styleLbl>
+  <dgm:styleLbl name="parChTrans1D4">
+    <dgm:scene3d>
+      <a:camera prst="orthographicFront"/>
+      <a:lightRig rig="threePt" dir="t"/>
+    </dgm:scene3d>
+    <dgm:sp3d/>
+    <dgm:txPr/>
+    <dgm:style>
+      <a:lnRef idx="2">
+        <a:scrgbClr r="0" g="0" b="0"/>
+      </a:lnRef>
+      <a:fillRef idx="0">
+        <a:scrgbClr r="0" g="0" b="0"/>
+      </a:fillRef>
+      <a:effectRef idx="0">
+        <a:scrgbClr r="0" g="0" b="0"/>
+      </a:effectRef>
+      <a:fontRef idx="minor"/>
+    </dgm:style>
+  </dgm:styleLbl>
+  <dgm:styleLbl name="fgAcc1">
+    <dgm:scene3d>
+      <a:camera prst="orthographicFront"/>
+      <a:lightRig rig="threePt" dir="t"/>
+    </dgm:scene3d>
+    <dgm:sp3d/>
+    <dgm:txPr/>
+    <dgm:style>
+      <a:lnRef idx="2">
+        <a:scrgbClr r="0" g="0" b="0"/>
+      </a:lnRef>
+      <a:fillRef idx="1">
+        <a:scrgbClr r="0" g="0" b="0"/>
+      </a:fillRef>
+      <a:effectRef idx="0">
+        <a:scrgbClr r="0" g="0" b="0"/>
+      </a:effectRef>
+      <a:fontRef idx="minor"/>
+    </dgm:style>
+  </dgm:styleLbl>
+  <dgm:styleLbl name="conFgAcc1">
+    <dgm:scene3d>
+      <a:camera prst="orthographicFront"/>
+      <a:lightRig rig="threePt" dir="t"/>
+    </dgm:scene3d>
+    <dgm:sp3d/>
+    <dgm:txPr/>
+    <dgm:style>
+      <a:lnRef idx="2">
+        <a:scrgbClr r="0" g="0" b="0"/>
+      </a:lnRef>
+      <a:fillRef idx="1">
+        <a:scrgbClr r="0" g="0" b="0"/>
+      </a:fillRef>
+      <a:effectRef idx="0">
+        <a:scrgbClr r="0" g="0" b="0"/>
+      </a:effectRef>
+      <a:fontRef idx="minor"/>
+    </dgm:style>
+  </dgm:styleLbl>
+  <dgm:styleLbl name="alignAcc1">
+    <dgm:scene3d>
+      <a:camera prst="orthographicFront"/>
+      <a:lightRig rig="threePt" dir="t"/>
+    </dgm:scene3d>
+    <dgm:sp3d/>
+    <dgm:txPr/>
+    <dgm:style>
+      <a:lnRef idx="2">
+        <a:scrgbClr r="0" g="0" b="0"/>
+      </a:lnRef>
+      <a:fillRef idx="1">
+        <a:scrgbClr r="0" g="0" b="0"/>
+      </a:fillRef>
+      <a:effectRef idx="0">
+        <a:scrgbClr r="0" g="0" b="0"/>
+      </a:effectRef>
+      <a:fontRef idx="minor"/>
+    </dgm:style>
+  </dgm:styleLbl>
+  <dgm:styleLbl name="trAlignAcc1">
+    <dgm:scene3d>
+      <a:camera prst="orthographicFront"/>
+      <a:lightRig rig="threePt" dir="t"/>
+    </dgm:scene3d>
+    <dgm:sp3d/>
+    <dgm:txPr/>
+    <dgm:style>
+      <a:lnRef idx="1">
+        <a:scrgbClr r="0" g="0" b="0"/>
+      </a:lnRef>
+      <a:fillRef idx="1">
+        <a:scrgbClr r="0" g="0" b="0"/>
+      </a:fillRef>
+      <a:effectRef idx="0">
+        <a:scrgbClr r="0" g="0" b="0"/>
+      </a:effectRef>
+      <a:fontRef idx="minor"/>
+    </dgm:style>
+  </dgm:styleLbl>
+  <dgm:styleLbl name="bgAcc1">
+    <dgm:scene3d>
+      <a:camera prst="orthographicFront"/>
+      <a:lightRig rig="threePt" dir="t"/>
+    </dgm:scene3d>
+    <dgm:sp3d/>
+    <dgm:txPr/>
+    <dgm:style>
+      <a:lnRef idx="2">
+        <a:scrgbClr r="0" g="0" b="0"/>
+      </a:lnRef>
+      <a:fillRef idx="1">
+        <a:scrgbClr r="0" g="0" b="0"/>
+      </a:fillRef>
+      <a:effectRef idx="0">
+        <a:scrgbClr r="0" g="0" b="0"/>
+      </a:effectRef>
+      <a:fontRef idx="minor"/>
+    </dgm:style>
+  </dgm:styleLbl>
+  <dgm:styleLbl name="solidFgAcc1">
+    <dgm:scene3d>
+      <a:camera prst="orthographicFront"/>
+      <a:lightRig rig="threePt" dir="t"/>
+    </dgm:scene3d>
+    <dgm:sp3d/>
+    <dgm:txPr/>
+    <dgm:style>
+      <a:lnRef idx="2">
+        <a:scrgbClr r="0" g="0" b="0"/>
+      </a:lnRef>
+      <a:fillRef idx="1">
+        <a:scrgbClr r="0" g="0" b="0"/>
+      </a:fillRef>
+      <a:effectRef idx="0">
+        <a:scrgbClr r="0" g="0" b="0"/>
+      </a:effectRef>
+      <a:fontRef idx="minor"/>
+    </dgm:style>
+  </dgm:styleLbl>
+  <dgm:styleLbl name="solidAlignAcc1">
+    <dgm:scene3d>
+      <a:camera prst="orthographicFront"/>
+      <a:lightRig rig="threePt" dir="t"/>
+    </dgm:scene3d>
+    <dgm:sp3d/>
+    <dgm:txPr/>
+    <dgm:style>
+      <a:lnRef idx="2">
+        <a:scrgbClr r="0" g="0" b="0"/>
+      </a:lnRef>
+      <a:fillRef idx="1">
+        <a:scrgbClr r="0" g="0" b="0"/>
+      </a:fillRef>
+      <a:effectRef idx="0">
+        <a:scrgbClr r="0" g="0" b="0"/>
+      </a:effectRef>
+      <a:fontRef idx="minor"/>
+    </dgm:style>
+  </dgm:styleLbl>
+  <dgm:styleLbl name="solidBgAcc1">
+    <dgm:scene3d>
+      <a:camera prst="orthographicFront"/>
+      <a:lightRig rig="threePt" dir="t"/>
+    </dgm:scene3d>
+    <dgm:sp3d/>
+    <dgm:txPr/>
+    <dgm:style>
+      <a:lnRef idx="2">
+        <a:scrgbClr r="0" g="0" b="0"/>
+      </a:lnRef>
+      <a:fillRef idx="1">
+        <a:scrgbClr r="0" g="0" b="0"/>
+      </a:fillRef>
+      <a:effectRef idx="0">
+        <a:scrgbClr r="0" g="0" b="0"/>
+      </a:effectRef>
+      <a:fontRef idx="minor"/>
+    </dgm:style>
+  </dgm:styleLbl>
+  <dgm:styleLbl name="fgAccFollowNode1">
+    <dgm:scene3d>
+      <a:camera prst="orthographicFront"/>
+      <a:lightRig rig="threePt" dir="t"/>
+    </dgm:scene3d>
+    <dgm:sp3d/>
+    <dgm:txPr/>
+    <dgm:style>
+      <a:lnRef idx="2">
+        <a:scrgbClr r="0" g="0" b="0"/>
+      </a:lnRef>
+      <a:fillRef idx="1">
+        <a:scrgbClr r="0" g="0" b="0"/>
+      </a:fillRef>
+      <a:effectRef idx="0">
+        <a:scrgbClr r="0" g="0" b="0"/>
+      </a:effectRef>
+      <a:fontRef idx="minor"/>
+    </dgm:style>
+  </dgm:styleLbl>
+  <dgm:styleLbl name="alignAccFollowNode1">
+    <dgm:scene3d>
+      <a:camera prst="orthographicFront"/>
+      <a:lightRig rig="threePt" dir="t"/>
+    </dgm:scene3d>
+    <dgm:sp3d/>
+    <dgm:txPr/>
+    <dgm:style>
+      <a:lnRef idx="2">
+        <a:scrgbClr r="0" g="0" b="0"/>
+      </a:lnRef>
+      <a:fillRef idx="1">
+        <a:scrgbClr r="0" g="0" b="0"/>
+      </a:fillRef>
+      <a:effectRef idx="0">
+        <a:scrgbClr r="0" g="0" b="0"/>
+      </a:effectRef>
+      <a:fontRef idx="minor"/>
+    </dgm:style>
+  </dgm:styleLbl>
+  <dgm:styleLbl name="bgAccFollowNode1">
+    <dgm:scene3d>
+      <a:camera prst="orthographicFront"/>
+      <a:lightRig rig="threePt" dir="t"/>
+    </dgm:scene3d>
+    <dgm:sp3d/>
+    <dgm:txPr/>
+    <dgm:style>
+      <a:lnRef idx="2">
+        <a:scrgbClr r="0" g="0" b="0"/>
+      </a:lnRef>
+      <a:fillRef idx="1">
+        <a:scrgbClr r="0" g="0" b="0"/>
+      </a:fillRef>
+      <a:effectRef idx="0">
+        <a:scrgbClr r="0" g="0" b="0"/>
+      </a:effectRef>
+      <a:fontRef idx="minor"/>
+    </dgm:style>
+  </dgm:styleLbl>
+  <dgm:styleLbl name="fgAcc0">
+    <dgm:scene3d>
+      <a:camera prst="orthographicFront"/>
+      <a:lightRig rig="threePt" dir="t"/>
+    </dgm:scene3d>
+    <dgm:sp3d/>
+    <dgm:txPr/>
+    <dgm:style>
+      <a:lnRef idx="2">
+        <a:scrgbClr r="0" g="0" b="0"/>
+      </a:lnRef>
+      <a:fillRef idx="1">
+        <a:scrgbClr r="0" g="0" b="0"/>
+      </a:fillRef>
+      <a:effectRef idx="0">
+        <a:scrgbClr r="0" g="0" b="0"/>
+      </a:effectRef>
+      <a:fontRef idx="minor"/>
+    </dgm:style>
+  </dgm:styleLbl>
+  <dgm:styleLbl name="fgAcc2">
+    <dgm:scene3d>
+      <a:camera prst="orthographicFront"/>
+      <a:lightRig rig="threePt" dir="t"/>
+    </dgm:scene3d>
+    <dgm:sp3d/>
+    <dgm:txPr/>
+    <dgm:style>
+      <a:lnRef idx="2">
+        <a:scrgbClr r="0" g="0" b="0"/>
+      </a:lnRef>
+      <a:fillRef idx="1">
+        <a:scrgbClr r="0" g="0" b="0"/>
+      </a:fillRef>
+      <a:effectRef idx="0">
+        <a:scrgbClr r="0" g="0" b="0"/>
+      </a:effectRef>
+      <a:fontRef idx="minor"/>
+    </dgm:style>
+  </dgm:styleLbl>
+  <dgm:styleLbl name="fgAcc3">
+    <dgm:scene3d>
+      <a:camera prst="orthographicFront"/>
+      <a:lightRig rig="threePt" dir="t"/>
+    </dgm:scene3d>
+    <dgm:sp3d/>
+    <dgm:txPr/>
+    <dgm:style>
+      <a:lnRef idx="2">
+        <a:scrgbClr r="0" g="0" b="0"/>
+      </a:lnRef>
+      <a:fillRef idx="1">
+        <a:scrgbClr r="0" g="0" b="0"/>
+      </a:fillRef>
+      <a:effectRef idx="0">
+        <a:scrgbClr r="0" g="0" b="0"/>
+      </a:effectRef>
+      <a:fontRef idx="minor"/>
+    </dgm:style>
+  </dgm:styleLbl>
+  <dgm:styleLbl name="fgAcc4">
+    <dgm:scene3d>
+      <a:camera prst="orthographicFront"/>
+      <a:lightRig rig="threePt" dir="t"/>
+    </dgm:scene3d>
+    <dgm:sp3d/>
+    <dgm:txPr/>
+    <dgm:style>
+      <a:lnRef idx="2">
+        <a:scrgbClr r="0" g="0" b="0"/>
+      </a:lnRef>
+      <a:fillRef idx="1">
+        <a:scrgbClr r="0" g="0" b="0"/>
+      </a:fillRef>
+      <a:effectRef idx="0">
+        <a:scrgbClr r="0" g="0" b="0"/>
+      </a:effectRef>
+      <a:fontRef idx="minor"/>
+    </dgm:style>
+  </dgm:styleLbl>
+  <dgm:styleLbl name="bgShp">
+    <dgm:scene3d>
+      <a:camera prst="orthographicFront"/>
+      <a:lightRig rig="threePt" dir="t"/>
+    </dgm:scene3d>
+    <dgm:sp3d/>
+    <dgm:txPr/>
+    <dgm:style>
+      <a:lnRef idx="0">
+        <a:scrgbClr r="0" g="0" b="0"/>
+      </a:lnRef>
+      <a:fillRef idx="1">
+        <a:scrgbClr r="0" g="0" b="0"/>
+      </a:fillRef>
+      <a:effectRef idx="0">
+        <a:scrgbClr r="0" g="0" b="0"/>
+      </a:effectRef>
+      <a:fontRef idx="minor"/>
+    </dgm:style>
+  </dgm:styleLbl>
+  <dgm:styleLbl name="dkBgShp">
+    <dgm:scene3d>
+      <a:camera prst="orthographicFront"/>
+      <a:lightRig rig="threePt" dir="t"/>
+    </dgm:scene3d>
+    <dgm:sp3d/>
+    <dgm:txPr/>
+    <dgm:style>
+      <a:lnRef idx="0">
+        <a:scrgbClr r="0" g="0" b="0"/>
+      </a:lnRef>
+      <a:fillRef idx="1">
+        <a:scrgbClr r="0" g="0" b="0"/>
+      </a:fillRef>
+      <a:effectRef idx="0">
+        <a:scrgbClr r="0" g="0" b="0"/>
+      </a:effectRef>
+      <a:fontRef idx="minor"/>
+    </dgm:style>
+  </dgm:styleLbl>
+  <dgm:styleLbl name="trBgShp">
+    <dgm:scene3d>
+      <a:camera prst="orthographicFront"/>
+      <a:lightRig rig="threePt" dir="t"/>
+    </dgm:scene3d>
+    <dgm:sp3d/>
+    <dgm:txPr/>
+    <dgm:style>
+      <a:lnRef idx="0">
+        <a:scrgbClr r="0" g="0" b="0"/>
+      </a:lnRef>
+      <a:fillRef idx="1">
+        <a:scrgbClr r="0" g="0" b="0"/>
+      </a:fillRef>
+      <a:effectRef idx="0">
+        <a:scrgbClr r="0" g="0" b="0"/>
+      </a:effectRef>
+      <a:fontRef idx="minor"/>
+    </dgm:style>
+  </dgm:styleLbl>
+  <dgm:styleLbl name="fgShp">
+    <dgm:scene3d>
+      <a:camera prst="orthographicFront"/>
+      <a:lightRig rig="threePt" dir="t"/>
+    </dgm:scene3d>
+    <dgm:sp3d/>
+    <dgm:txPr/>
+    <dgm:style>
+      <a:lnRef idx="2">
+        <a:scrgbClr r="0" g="0" b="0"/>
+      </a:lnRef>
+      <a:fillRef idx="1">
+        <a:scrgbClr r="0" g="0" b="0"/>
+      </a:fillRef>
+      <a:effectRef idx="0">
+        <a:scrgbClr r="0" g="0" b="0"/>
+      </a:effectRef>
+      <a:fontRef idx="minor"/>
+    </dgm:style>
+  </dgm:styleLbl>
+  <dgm:styleLbl name="revTx">
+    <dgm:scene3d>
+      <a:camera prst="orthographicFront"/>
+      <a:lightRig rig="threePt" dir="t"/>
+    </dgm:scene3d>
+    <dgm:sp3d/>
+    <dgm:txPr/>
+    <dgm:style>
+      <a:lnRef idx="0">
+        <a:scrgbClr r="0" g="0" b="0"/>
+      </a:lnRef>
+      <a:fillRef idx="0">
+        <a:scrgbClr r="0" g="0" b="0"/>
+      </a:fillRef>
+      <a:effectRef idx="0">
+        <a:scrgbClr r="0" g="0" b="0"/>
+      </a:effectRef>
+      <a:fontRef idx="minor"/>
+    </dgm:style>
+  </dgm:styleLbl>
+</dgm:styleDef>
 </file>
 
 <file path=ppt/notesMasters/notesMaster1.xml><?xml version="1.0" encoding="utf-8"?>
@@ -1341,6 +4157,258 @@
     <p:extLst>
       <p:ext uri="{BB962C8B-B14F-4D97-AF65-F5344CB8AC3E}">
         <p14:creationId xmlns:p14="http://schemas.microsoft.com/office/powerpoint/2010/main" val="2270971529"/>
+      </p:ext>
+    </p:extLst>
+  </p:cSld>
+  <p:clrMapOvr>
+    <a:masterClrMapping/>
+  </p:clrMapOvr>
+</p:notes>
+</file>
+
+<file path=ppt/notesSlides/notesSlide7.xml><?xml version="1.0" encoding="utf-8"?>
+<p:notes xmlns:a="http://schemas.openxmlformats.org/drawingml/2006/main" xmlns:r="http://schemas.openxmlformats.org/officeDocument/2006/relationships" xmlns:p="http://schemas.openxmlformats.org/presentationml/2006/main">
+  <p:cSld>
+    <p:spTree>
+      <p:nvGrpSpPr>
+        <p:cNvPr id="1" name=""/>
+        <p:cNvGrpSpPr/>
+        <p:nvPr/>
+      </p:nvGrpSpPr>
+      <p:grpSpPr>
+        <a:xfrm>
+          <a:off x="0" y="0"/>
+          <a:ext cx="0" cy="0"/>
+          <a:chOff x="0" y="0"/>
+          <a:chExt cx="0" cy="0"/>
+        </a:xfrm>
+      </p:grpSpPr>
+      <p:sp>
+        <p:nvSpPr>
+          <p:cNvPr id="2" name="Slide Image Placeholder 1"/>
+          <p:cNvSpPr>
+            <a:spLocks noGrp="1" noRot="1" noChangeAspect="1"/>
+          </p:cNvSpPr>
+          <p:nvPr>
+            <p:ph type="sldImg"/>
+          </p:nvPr>
+        </p:nvSpPr>
+        <p:spPr/>
+      </p:sp>
+      <p:sp>
+        <p:nvSpPr>
+          <p:cNvPr id="3" name="Notes Placeholder 2"/>
+          <p:cNvSpPr>
+            <a:spLocks noGrp="1"/>
+          </p:cNvSpPr>
+          <p:nvPr>
+            <p:ph type="body" idx="1"/>
+          </p:nvPr>
+        </p:nvSpPr>
+        <p:spPr/>
+        <p:txBody>
+          <a:bodyPr/>
+          <a:lstStyle/>
+          <a:p>
+            <a:r>
+              <a:rPr lang="en-US" dirty="0" err="1" smtClean="0"/>
+              <a:t>Câu</a:t>
+            </a:r>
+            <a:r>
+              <a:rPr lang="en-US" baseline="0" dirty="0" smtClean="0"/>
+              <a:t> </a:t>
+            </a:r>
+            <a:r>
+              <a:rPr lang="en-US" baseline="0" dirty="0" err="1" smtClean="0"/>
+              <a:t>hởi</a:t>
+            </a:r>
+            <a:r>
+              <a:rPr lang="en-US" baseline="0" dirty="0" smtClean="0"/>
+              <a:t> </a:t>
+            </a:r>
+            <a:r>
+              <a:rPr lang="en-US" baseline="0" dirty="0" err="1" smtClean="0"/>
+              <a:t>vê</a:t>
+            </a:r>
+            <a:r>
+              <a:rPr lang="en-US" baseline="0" dirty="0" smtClean="0"/>
+              <a:t>̀ </a:t>
+            </a:r>
+            <a:r>
+              <a:rPr lang="en-US" baseline="0" dirty="0" err="1" smtClean="0"/>
+              <a:t>tư</a:t>
+            </a:r>
+            <a:r>
+              <a:rPr lang="en-US" baseline="0" dirty="0" smtClean="0"/>
+              <a:t>̀ </a:t>
+            </a:r>
+            <a:r>
+              <a:rPr lang="en-US" baseline="0" dirty="0" err="1" smtClean="0"/>
+              <a:t>biểu</a:t>
+            </a:r>
+            <a:r>
+              <a:rPr lang="en-US" baseline="0" dirty="0" smtClean="0"/>
+              <a:t> </a:t>
+            </a:r>
+            <a:r>
+              <a:rPr lang="en-US" baseline="0" dirty="0" err="1" smtClean="0"/>
+              <a:t>thi</a:t>
+            </a:r>
+            <a:r>
+              <a:rPr lang="en-US" baseline="0" dirty="0" smtClean="0"/>
+              <a:t>̣ </a:t>
+            </a:r>
+            <a:r>
+              <a:rPr lang="en-US" baseline="0" dirty="0" err="1" smtClean="0"/>
+              <a:t>nội</a:t>
+            </a:r>
+            <a:r>
+              <a:rPr lang="en-US" baseline="0" dirty="0" smtClean="0"/>
+              <a:t> </a:t>
+            </a:r>
+            <a:r>
+              <a:rPr lang="en-US" baseline="0" dirty="0" err="1" smtClean="0"/>
+              <a:t>hàm</a:t>
+            </a:r>
+            <a:r>
+              <a:rPr lang="en-US" baseline="0" dirty="0" smtClean="0"/>
+              <a:t> ý </a:t>
+            </a:r>
+            <a:r>
+              <a:rPr lang="en-US" baseline="0" dirty="0" err="1" smtClean="0"/>
+              <a:t>nghĩa</a:t>
+            </a:r>
+            <a:r>
+              <a:rPr lang="en-US" baseline="0" dirty="0" smtClean="0"/>
+              <a:t> </a:t>
+            </a:r>
+            <a:r>
+              <a:rPr lang="en-US" baseline="0" dirty="0" err="1" smtClean="0"/>
+              <a:t>của</a:t>
+            </a:r>
+            <a:r>
+              <a:rPr lang="en-US" baseline="0" dirty="0" smtClean="0"/>
+              <a:t> </a:t>
+            </a:r>
+            <a:r>
+              <a:rPr lang="en-US" baseline="0" dirty="0" err="1" smtClean="0"/>
+              <a:t>đại</a:t>
+            </a:r>
+            <a:r>
+              <a:rPr lang="en-US" baseline="0" dirty="0" smtClean="0"/>
+              <a:t> </a:t>
+            </a:r>
+            <a:r>
+              <a:rPr lang="en-US" baseline="0" dirty="0" err="1" smtClean="0"/>
+              <a:t>đoàn</a:t>
+            </a:r>
+            <a:r>
+              <a:rPr lang="en-US" baseline="0" dirty="0" smtClean="0"/>
+              <a:t> </a:t>
+            </a:r>
+            <a:r>
+              <a:rPr lang="en-US" baseline="0" dirty="0" err="1" smtClean="0"/>
+              <a:t>kết</a:t>
+            </a:r>
+            <a:r>
+              <a:rPr lang="en-US" baseline="0" dirty="0" smtClean="0"/>
+              <a:t> </a:t>
+            </a:r>
+            <a:r>
+              <a:rPr lang="en-US" baseline="0" dirty="0" err="1" smtClean="0"/>
+              <a:t>dân</a:t>
+            </a:r>
+            <a:r>
+              <a:rPr lang="en-US" baseline="0" dirty="0" smtClean="0"/>
+              <a:t> </a:t>
+            </a:r>
+            <a:r>
+              <a:rPr lang="en-US" baseline="0" dirty="0" err="1" smtClean="0"/>
+              <a:t>tộc</a:t>
+            </a:r>
+            <a:r>
+              <a:rPr lang="en-US" baseline="0" dirty="0" smtClean="0"/>
+              <a:t>: </a:t>
+            </a:r>
+            <a:r>
+              <a:rPr lang="en-US" baseline="0" dirty="0" err="1" smtClean="0"/>
+              <a:t>nhiều</a:t>
+            </a:r>
+            <a:r>
+              <a:rPr lang="en-US" baseline="0" dirty="0" smtClean="0"/>
+              <a:t>, </a:t>
+            </a:r>
+            <a:r>
+              <a:rPr lang="en-US" baseline="0" dirty="0" err="1" smtClean="0"/>
+              <a:t>phong</a:t>
+            </a:r>
+            <a:r>
+              <a:rPr lang="en-US" baseline="0" dirty="0" smtClean="0"/>
+              <a:t> </a:t>
+            </a:r>
+            <a:r>
+              <a:rPr lang="en-US" baseline="0" dirty="0" err="1" smtClean="0"/>
+              <a:t>phu</a:t>
+            </a:r>
+            <a:r>
+              <a:rPr lang="en-US" baseline="0" dirty="0" smtClean="0"/>
+              <a:t>́, cụ </a:t>
+            </a:r>
+            <a:r>
+              <a:rPr lang="en-US" baseline="0" dirty="0" err="1" smtClean="0"/>
+              <a:t>thê</a:t>
+            </a:r>
+            <a:r>
+              <a:rPr lang="en-US" baseline="0" dirty="0" smtClean="0"/>
+              <a:t>̉, </a:t>
+            </a:r>
+            <a:r>
+              <a:rPr lang="en-US" baseline="0" dirty="0" err="1" smtClean="0"/>
+              <a:t>chung</a:t>
+            </a:r>
+            <a:r>
+              <a:rPr lang="en-US" baseline="0" dirty="0" smtClean="0"/>
+              <a:t> </a:t>
+            </a:r>
+            <a:r>
+              <a:rPr lang="en-US" baseline="0" dirty="0" err="1" smtClean="0"/>
+              <a:t>chung</a:t>
+            </a:r>
+            <a:r>
+              <a:rPr lang="en-US" baseline="0" dirty="0" smtClean="0"/>
+              <a:t>.</a:t>
+            </a:r>
+            <a:endParaRPr lang="en-US" dirty="0"/>
+          </a:p>
+        </p:txBody>
+      </p:sp>
+      <p:sp>
+        <p:nvSpPr>
+          <p:cNvPr id="4" name="Slide Number Placeholder 3"/>
+          <p:cNvSpPr>
+            <a:spLocks noGrp="1"/>
+          </p:cNvSpPr>
+          <p:nvPr>
+            <p:ph type="sldNum" sz="quarter" idx="10"/>
+          </p:nvPr>
+        </p:nvSpPr>
+        <p:spPr/>
+        <p:txBody>
+          <a:bodyPr/>
+          <a:lstStyle/>
+          <a:p>
+            <a:fld id="{DECDFD30-0F48-43AE-9837-0EDEC3867A00}" type="slidenum">
+              <a:rPr lang="vi-VN" smtClean="0"/>
+              <a:t>16</a:t>
+            </a:fld>
+            <a:endParaRPr lang="vi-VN"/>
+          </a:p>
+        </p:txBody>
+      </p:sp>
+    </p:spTree>
+    <p:extLst>
+      <p:ext uri="{BB962C8B-B14F-4D97-AF65-F5344CB8AC3E}">
+        <p14:creationId xmlns:p14="http://schemas.microsoft.com/office/powerpoint/2010/main" val="1132750838"/>
       </p:ext>
     </p:extLst>
   </p:cSld>
@@ -7068,7 +10136,9 @@
         </p:nvSpPr>
         <p:spPr/>
         <p:txBody>
-          <a:bodyPr/>
+          <a:bodyPr>
+            <a:normAutofit lnSpcReduction="10000"/>
+          </a:bodyPr>
           <a:lstStyle/>
           <a:p>
             <a:r>
@@ -7750,6 +10820,512 @@
             <a:r>
               <a:rPr lang="en-US" dirty="0" smtClean="0"/>
               <a:t>”</a:t>
+            </a:r>
+          </a:p>
+          <a:p>
+            <a:r>
+              <a:rPr lang="en-US" dirty="0" err="1" smtClean="0"/>
+              <a:t>Như</a:t>
+            </a:r>
+            <a:r>
+              <a:rPr lang="en-US" dirty="0" smtClean="0"/>
+              <a:t> </a:t>
+            </a:r>
+            <a:r>
+              <a:rPr lang="en-US" dirty="0" err="1" smtClean="0"/>
+              <a:t>vậy</a:t>
+            </a:r>
+            <a:r>
+              <a:rPr lang="en-US" dirty="0" smtClean="0"/>
+              <a:t>, </a:t>
+            </a:r>
+            <a:r>
+              <a:rPr lang="en-US" dirty="0" err="1" smtClean="0"/>
+              <a:t>dân</a:t>
+            </a:r>
+            <a:r>
+              <a:rPr lang="en-US" dirty="0" smtClean="0"/>
+              <a:t> </a:t>
+            </a:r>
+            <a:r>
+              <a:rPr lang="en-US" dirty="0" err="1" smtClean="0"/>
+              <a:t>va</a:t>
+            </a:r>
+            <a:r>
+              <a:rPr lang="en-US" dirty="0" smtClean="0"/>
+              <a:t>̀ </a:t>
+            </a:r>
+            <a:r>
+              <a:rPr lang="en-US" dirty="0" err="1" smtClean="0"/>
+              <a:t>nhân</a:t>
+            </a:r>
+            <a:r>
+              <a:rPr lang="en-US" dirty="0" smtClean="0"/>
+              <a:t> </a:t>
+            </a:r>
+            <a:r>
+              <a:rPr lang="en-US" dirty="0" err="1" smtClean="0"/>
+              <a:t>dân</a:t>
+            </a:r>
+            <a:r>
+              <a:rPr lang="en-US" dirty="0" smtClean="0"/>
+              <a:t> </a:t>
+            </a:r>
+            <a:r>
+              <a:rPr lang="en-US" dirty="0" err="1" smtClean="0"/>
+              <a:t>trong</a:t>
+            </a:r>
+            <a:r>
+              <a:rPr lang="en-US" dirty="0" smtClean="0"/>
+              <a:t> </a:t>
+            </a:r>
+            <a:r>
+              <a:rPr lang="en-US" dirty="0" err="1" smtClean="0"/>
+              <a:t>tư</a:t>
+            </a:r>
+            <a:r>
+              <a:rPr lang="en-US" dirty="0" smtClean="0"/>
+              <a:t> </a:t>
+            </a:r>
+            <a:r>
+              <a:rPr lang="en-US" dirty="0" err="1" smtClean="0"/>
+              <a:t>tưởng</a:t>
+            </a:r>
+            <a:r>
+              <a:rPr lang="en-US" dirty="0" smtClean="0"/>
+              <a:t> </a:t>
+            </a:r>
+            <a:r>
+              <a:rPr lang="en-US" dirty="0" err="1" smtClean="0"/>
+              <a:t>Hô</a:t>
+            </a:r>
+            <a:r>
+              <a:rPr lang="en-US" dirty="0" smtClean="0"/>
+              <a:t>̀ Chí Minh </a:t>
+            </a:r>
+            <a:r>
+              <a:rPr lang="en-US" dirty="0" err="1" smtClean="0"/>
+              <a:t>vừa</a:t>
+            </a:r>
+            <a:r>
+              <a:rPr lang="en-US" dirty="0" smtClean="0"/>
+              <a:t> </a:t>
+            </a:r>
+            <a:r>
+              <a:rPr lang="en-US" dirty="0" err="1" smtClean="0"/>
+              <a:t>được</a:t>
+            </a:r>
+            <a:r>
+              <a:rPr lang="en-US" dirty="0" smtClean="0"/>
+              <a:t> </a:t>
+            </a:r>
+            <a:r>
+              <a:rPr lang="en-US" dirty="0" err="1" smtClean="0"/>
+              <a:t>biểu</a:t>
+            </a:r>
+            <a:r>
+              <a:rPr lang="en-US" dirty="0" smtClean="0"/>
+              <a:t> </a:t>
+            </a:r>
+            <a:r>
+              <a:rPr lang="en-US" dirty="0" err="1" smtClean="0"/>
+              <a:t>hiện</a:t>
+            </a:r>
+            <a:r>
+              <a:rPr lang="en-US" dirty="0" smtClean="0"/>
+              <a:t> </a:t>
+            </a:r>
+            <a:r>
+              <a:rPr lang="en-US" dirty="0" err="1" smtClean="0"/>
+              <a:t>với</a:t>
+            </a:r>
+            <a:r>
+              <a:rPr lang="en-US" dirty="0" smtClean="0"/>
+              <a:t> </a:t>
+            </a:r>
+            <a:r>
+              <a:rPr lang="en-US" dirty="0" err="1" smtClean="0"/>
+              <a:t>tư</a:t>
+            </a:r>
+            <a:r>
+              <a:rPr lang="en-US" dirty="0" smtClean="0"/>
+              <a:t> </a:t>
+            </a:r>
+            <a:r>
+              <a:rPr lang="en-US" dirty="0" err="1" smtClean="0"/>
+              <a:t>cách</a:t>
+            </a:r>
+            <a:r>
+              <a:rPr lang="en-US" dirty="0" smtClean="0"/>
+              <a:t> là </a:t>
+            </a:r>
+            <a:r>
+              <a:rPr lang="en-US" dirty="0" err="1" smtClean="0"/>
+              <a:t>mỗi</a:t>
+            </a:r>
+            <a:r>
+              <a:rPr lang="en-US" dirty="0" smtClean="0"/>
+              <a:t> con </a:t>
+            </a:r>
+            <a:r>
+              <a:rPr lang="en-US" dirty="0" err="1" smtClean="0"/>
+              <a:t>người</a:t>
+            </a:r>
+            <a:r>
+              <a:rPr lang="en-US" dirty="0" smtClean="0"/>
+              <a:t>, </a:t>
+            </a:r>
+            <a:r>
+              <a:rPr lang="en-US" dirty="0" err="1" smtClean="0"/>
+              <a:t>Việt</a:t>
+            </a:r>
+            <a:r>
+              <a:rPr lang="en-US" dirty="0" smtClean="0"/>
+              <a:t> Nam cụ </a:t>
+            </a:r>
+            <a:r>
+              <a:rPr lang="en-US" dirty="0" err="1" smtClean="0"/>
+              <a:t>thê</a:t>
+            </a:r>
+            <a:r>
+              <a:rPr lang="en-US" dirty="0" smtClean="0"/>
+              <a:t>̉ </a:t>
+            </a:r>
+            <a:r>
+              <a:rPr lang="en-US" dirty="0" err="1" smtClean="0"/>
+              <a:t>vừa</a:t>
+            </a:r>
+            <a:r>
+              <a:rPr lang="en-US" dirty="0" smtClean="0"/>
+              <a:t> là </a:t>
+            </a:r>
+            <a:r>
+              <a:rPr lang="en-US" dirty="0" err="1" smtClean="0"/>
+              <a:t>một</a:t>
+            </a:r>
+            <a:r>
+              <a:rPr lang="en-US" dirty="0" smtClean="0"/>
+              <a:t> </a:t>
+            </a:r>
+            <a:r>
+              <a:rPr lang="en-US" dirty="0" err="1" smtClean="0"/>
+              <a:t>cặp</a:t>
+            </a:r>
+            <a:r>
+              <a:rPr lang="en-US" dirty="0" smtClean="0"/>
+              <a:t> </a:t>
+            </a:r>
+            <a:r>
+              <a:rPr lang="en-US" dirty="0" err="1" smtClean="0"/>
+              <a:t>tập</a:t>
+            </a:r>
+            <a:r>
+              <a:rPr lang="en-US" dirty="0" smtClean="0"/>
+              <a:t> </a:t>
+            </a:r>
+            <a:r>
+              <a:rPr lang="en-US" dirty="0" err="1" smtClean="0"/>
+              <a:t>hợp</a:t>
+            </a:r>
+            <a:r>
+              <a:rPr lang="en-US" dirty="0" smtClean="0"/>
+              <a:t> </a:t>
+            </a:r>
+            <a:r>
+              <a:rPr lang="en-US" dirty="0" err="1" smtClean="0"/>
+              <a:t>đông</a:t>
+            </a:r>
+            <a:r>
+              <a:rPr lang="en-US" dirty="0" smtClean="0"/>
+              <a:t> </a:t>
+            </a:r>
+            <a:r>
+              <a:rPr lang="en-US" dirty="0" err="1" smtClean="0"/>
+              <a:t>đảo</a:t>
+            </a:r>
+            <a:r>
+              <a:rPr lang="en-US" dirty="0" smtClean="0"/>
+              <a:t> </a:t>
+            </a:r>
+            <a:r>
+              <a:rPr lang="en-US" dirty="0" err="1" smtClean="0"/>
+              <a:t>quần</a:t>
+            </a:r>
+            <a:r>
+              <a:rPr lang="en-US" dirty="0" smtClean="0"/>
+              <a:t> </a:t>
+            </a:r>
+            <a:r>
+              <a:rPr lang="en-US" dirty="0" err="1" smtClean="0"/>
+              <a:t>chúng</a:t>
+            </a:r>
+            <a:r>
+              <a:rPr lang="en-US" dirty="0"/>
+              <a:t> </a:t>
+            </a:r>
+            <a:r>
+              <a:rPr lang="en-US" dirty="0" err="1" smtClean="0"/>
+              <a:t>nhân</a:t>
+            </a:r>
+            <a:r>
+              <a:rPr lang="en-US" dirty="0" smtClean="0"/>
+              <a:t> </a:t>
+            </a:r>
+            <a:r>
+              <a:rPr lang="en-US" dirty="0" err="1" smtClean="0"/>
+              <a:t>dân</a:t>
+            </a:r>
+            <a:r>
+              <a:rPr lang="en-US" dirty="0"/>
+              <a:t> </a:t>
+            </a:r>
+            <a:r>
+              <a:rPr lang="en-US" dirty="0" err="1" smtClean="0"/>
+              <a:t>với</a:t>
+            </a:r>
+            <a:r>
+              <a:rPr lang="en-US" dirty="0" smtClean="0"/>
+              <a:t> </a:t>
+            </a:r>
+            <a:r>
+              <a:rPr lang="en-US" dirty="0" err="1" smtClean="0"/>
+              <a:t>những</a:t>
+            </a:r>
+            <a:r>
+              <a:rPr lang="en-US" dirty="0" smtClean="0"/>
+              <a:t> </a:t>
+            </a:r>
+            <a:r>
+              <a:rPr lang="en-US" dirty="0" err="1" smtClean="0"/>
+              <a:t>mối</a:t>
+            </a:r>
+            <a:r>
+              <a:rPr lang="en-US" dirty="0" smtClean="0"/>
+              <a:t> </a:t>
+            </a:r>
+            <a:r>
+              <a:rPr lang="en-US" dirty="0" err="1" smtClean="0"/>
+              <a:t>liên</a:t>
+            </a:r>
+            <a:r>
+              <a:rPr lang="en-US" dirty="0" smtClean="0"/>
+              <a:t> </a:t>
+            </a:r>
+            <a:r>
+              <a:rPr lang="en-US" dirty="0" err="1" smtClean="0"/>
+              <a:t>hê</a:t>
+            </a:r>
+            <a:r>
+              <a:rPr lang="en-US" dirty="0" smtClean="0"/>
+              <a:t>̣ cả quá </a:t>
+            </a:r>
+            <a:r>
+              <a:rPr lang="en-US" dirty="0" err="1" smtClean="0"/>
+              <a:t>khư</a:t>
+            </a:r>
+            <a:r>
+              <a:rPr lang="en-US" dirty="0" smtClean="0"/>
+              <a:t>́ </a:t>
+            </a:r>
+            <a:r>
+              <a:rPr lang="en-US" dirty="0" err="1" smtClean="0"/>
+              <a:t>va</a:t>
+            </a:r>
+            <a:r>
+              <a:rPr lang="en-US" dirty="0" smtClean="0"/>
+              <a:t>̀ </a:t>
+            </a:r>
+            <a:r>
+              <a:rPr lang="en-US" dirty="0" err="1" smtClean="0"/>
+              <a:t>hiện</a:t>
+            </a:r>
+            <a:r>
+              <a:rPr lang="en-US" dirty="0" smtClean="0"/>
+              <a:t> </a:t>
+            </a:r>
+            <a:r>
+              <a:rPr lang="en-US" dirty="0" err="1" smtClean="0"/>
+              <a:t>tại</a:t>
+            </a:r>
+            <a:r>
+              <a:rPr lang="en-US" dirty="0" smtClean="0"/>
+              <a:t>. Họ là </a:t>
+            </a:r>
+            <a:r>
+              <a:rPr lang="en-US" dirty="0" err="1" smtClean="0"/>
+              <a:t>chu</a:t>
+            </a:r>
+            <a:r>
+              <a:rPr lang="en-US" dirty="0" smtClean="0"/>
+              <a:t>̉ </a:t>
+            </a:r>
+            <a:r>
+              <a:rPr lang="en-US" dirty="0" err="1" smtClean="0"/>
+              <a:t>thê</a:t>
+            </a:r>
+            <a:r>
+              <a:rPr lang="en-US" dirty="0" smtClean="0"/>
+              <a:t>̉ </a:t>
+            </a:r>
+            <a:r>
+              <a:rPr lang="en-US" dirty="0" err="1" smtClean="0"/>
+              <a:t>của</a:t>
+            </a:r>
+            <a:r>
+              <a:rPr lang="en-US" dirty="0" smtClean="0"/>
+              <a:t> </a:t>
+            </a:r>
+            <a:r>
+              <a:rPr lang="en-US" dirty="0" err="1" smtClean="0"/>
+              <a:t>khối</a:t>
+            </a:r>
+            <a:r>
+              <a:rPr lang="en-US" dirty="0" smtClean="0"/>
+              <a:t> </a:t>
+            </a:r>
+            <a:r>
+              <a:rPr lang="en-US" dirty="0" err="1" smtClean="0"/>
+              <a:t>đại</a:t>
+            </a:r>
+            <a:r>
+              <a:rPr lang="en-US" dirty="0" smtClean="0"/>
+              <a:t> </a:t>
+            </a:r>
+            <a:r>
+              <a:rPr lang="en-US" dirty="0" err="1" smtClean="0"/>
+              <a:t>đoàn</a:t>
+            </a:r>
+            <a:r>
+              <a:rPr lang="en-US" dirty="0" smtClean="0"/>
+              <a:t> </a:t>
+            </a:r>
+            <a:r>
+              <a:rPr lang="en-US" dirty="0" err="1" smtClean="0"/>
+              <a:t>kết</a:t>
+            </a:r>
+            <a:r>
+              <a:rPr lang="en-US" dirty="0" smtClean="0"/>
+              <a:t> </a:t>
+            </a:r>
+            <a:r>
+              <a:rPr lang="en-US" dirty="0" err="1" smtClean="0"/>
+              <a:t>dân</a:t>
+            </a:r>
+            <a:r>
+              <a:rPr lang="en-US" dirty="0" smtClean="0"/>
+              <a:t> </a:t>
+            </a:r>
+            <a:r>
+              <a:rPr lang="en-US" dirty="0" err="1" smtClean="0"/>
+              <a:t>tộc</a:t>
+            </a:r>
+            <a:r>
+              <a:rPr lang="en-US" dirty="0" smtClean="0"/>
+              <a:t> </a:t>
+            </a:r>
+            <a:r>
+              <a:rPr lang="en-US" dirty="0" err="1" smtClean="0"/>
+              <a:t>va</a:t>
+            </a:r>
+            <a:r>
+              <a:rPr lang="en-US" dirty="0" smtClean="0"/>
+              <a:t>̀, </a:t>
+            </a:r>
+            <a:r>
+              <a:rPr lang="en-US" dirty="0" err="1" smtClean="0"/>
+              <a:t>đại</a:t>
+            </a:r>
+            <a:r>
+              <a:rPr lang="en-US" dirty="0" smtClean="0"/>
+              <a:t> </a:t>
+            </a:r>
+            <a:r>
+              <a:rPr lang="en-US" dirty="0" err="1" smtClean="0"/>
+              <a:t>đoàn</a:t>
+            </a:r>
+            <a:r>
+              <a:rPr lang="en-US" dirty="0" smtClean="0"/>
+              <a:t> </a:t>
+            </a:r>
+            <a:r>
+              <a:rPr lang="en-US" dirty="0" err="1" smtClean="0"/>
+              <a:t>kết</a:t>
+            </a:r>
+            <a:r>
+              <a:rPr lang="en-US" dirty="0" smtClean="0"/>
+              <a:t> </a:t>
+            </a:r>
+            <a:r>
+              <a:rPr lang="en-US" dirty="0" err="1" smtClean="0"/>
+              <a:t>dân</a:t>
+            </a:r>
+            <a:r>
+              <a:rPr lang="en-US" dirty="0" smtClean="0"/>
+              <a:t> </a:t>
+            </a:r>
+            <a:r>
+              <a:rPr lang="en-US" dirty="0" err="1" smtClean="0"/>
+              <a:t>tộc</a:t>
+            </a:r>
+            <a:r>
+              <a:rPr lang="en-US" dirty="0" smtClean="0"/>
+              <a:t> </a:t>
+            </a:r>
+            <a:r>
+              <a:rPr lang="en-US" dirty="0" err="1" smtClean="0"/>
+              <a:t>thực</a:t>
+            </a:r>
+            <a:r>
+              <a:rPr lang="en-US" dirty="0" smtClean="0"/>
+              <a:t> </a:t>
+            </a:r>
+            <a:r>
+              <a:rPr lang="en-US" dirty="0" err="1" smtClean="0"/>
+              <a:t>chất</a:t>
+            </a:r>
+            <a:r>
+              <a:rPr lang="en-US" dirty="0" smtClean="0"/>
+              <a:t> là </a:t>
+            </a:r>
+            <a:r>
+              <a:rPr lang="en-US" dirty="0" err="1" smtClean="0"/>
+              <a:t>đại</a:t>
+            </a:r>
+            <a:r>
+              <a:rPr lang="en-US" dirty="0" smtClean="0"/>
+              <a:t> </a:t>
+            </a:r>
+            <a:r>
+              <a:rPr lang="en-US" dirty="0" err="1" smtClean="0"/>
+              <a:t>đoàn</a:t>
+            </a:r>
+            <a:r>
+              <a:rPr lang="en-US" dirty="0" smtClean="0"/>
+              <a:t> </a:t>
+            </a:r>
+            <a:r>
+              <a:rPr lang="en-US" dirty="0" err="1" smtClean="0"/>
+              <a:t>két</a:t>
+            </a:r>
+            <a:r>
+              <a:rPr lang="en-US" dirty="0" smtClean="0"/>
+              <a:t> </a:t>
+            </a:r>
+            <a:r>
+              <a:rPr lang="en-US" dirty="0" err="1" smtClean="0"/>
+              <a:t>toàn</a:t>
+            </a:r>
+            <a:r>
+              <a:rPr lang="en-US" dirty="0" smtClean="0"/>
+              <a:t> </a:t>
+            </a:r>
+            <a:r>
+              <a:rPr lang="en-US" dirty="0" err="1" smtClean="0"/>
+              <a:t>dân</a:t>
+            </a:r>
+            <a:r>
+              <a:rPr lang="en-US" dirty="0" smtClean="0"/>
+              <a:t>. </a:t>
             </a:r>
             <a:endParaRPr lang="en-US" dirty="0"/>
           </a:p>
@@ -7765,6 +11341,2314 @@
   <p:clrMapOvr>
     <a:masterClrMapping/>
   </p:clrMapOvr>
+</p:sld>
+</file>
+
+<file path=ppt/slides/slide16.xml><?xml version="1.0" encoding="utf-8"?>
+<p:sld xmlns:a="http://schemas.openxmlformats.org/drawingml/2006/main" xmlns:r="http://schemas.openxmlformats.org/officeDocument/2006/relationships" xmlns:p="http://schemas.openxmlformats.org/presentationml/2006/main">
+  <p:cSld>
+    <p:spTree>
+      <p:nvGrpSpPr>
+        <p:cNvPr id="1" name=""/>
+        <p:cNvGrpSpPr/>
+        <p:nvPr/>
+      </p:nvGrpSpPr>
+      <p:grpSpPr>
+        <a:xfrm>
+          <a:off x="0" y="0"/>
+          <a:ext cx="0" cy="0"/>
+          <a:chOff x="0" y="0"/>
+          <a:chExt cx="0" cy="0"/>
+        </a:xfrm>
+      </p:grpSpPr>
+      <p:sp>
+        <p:nvSpPr>
+          <p:cNvPr id="2" name="Title 1"/>
+          <p:cNvSpPr>
+            <a:spLocks noGrp="1"/>
+          </p:cNvSpPr>
+          <p:nvPr>
+            <p:ph type="title"/>
+          </p:nvPr>
+        </p:nvSpPr>
+        <p:spPr/>
+        <p:txBody>
+          <a:bodyPr/>
+          <a:lstStyle/>
+          <a:p>
+            <a:endParaRPr lang="en-US"/>
+          </a:p>
+        </p:txBody>
+      </p:sp>
+      <p:sp>
+        <p:nvSpPr>
+          <p:cNvPr id="3" name="Content Placeholder 2"/>
+          <p:cNvSpPr>
+            <a:spLocks noGrp="1"/>
+          </p:cNvSpPr>
+          <p:nvPr>
+            <p:ph idx="1"/>
+          </p:nvPr>
+        </p:nvSpPr>
+        <p:spPr/>
+        <p:txBody>
+          <a:bodyPr>
+            <a:normAutofit fontScale="92500" lnSpcReduction="10000"/>
+          </a:bodyPr>
+          <a:lstStyle/>
+          <a:p>
+            <a:r>
+              <a:rPr lang="en-US" dirty="0" err="1" smtClean="0"/>
+              <a:t>Nói</a:t>
+            </a:r>
+            <a:r>
+              <a:rPr lang="en-US" dirty="0" smtClean="0"/>
+              <a:t> </a:t>
+            </a:r>
+            <a:r>
+              <a:rPr lang="en-US" dirty="0" err="1" smtClean="0"/>
+              <a:t>đại</a:t>
+            </a:r>
+            <a:r>
+              <a:rPr lang="en-US" dirty="0" smtClean="0"/>
+              <a:t> </a:t>
+            </a:r>
+            <a:r>
+              <a:rPr lang="en-US" dirty="0" err="1" smtClean="0"/>
+              <a:t>đoàn</a:t>
+            </a:r>
+            <a:r>
+              <a:rPr lang="en-US" dirty="0" smtClean="0"/>
+              <a:t> </a:t>
+            </a:r>
+            <a:r>
+              <a:rPr lang="en-US" dirty="0" err="1" smtClean="0"/>
+              <a:t>kết</a:t>
+            </a:r>
+            <a:r>
+              <a:rPr lang="en-US" dirty="0" smtClean="0"/>
+              <a:t> </a:t>
+            </a:r>
+            <a:r>
+              <a:rPr lang="en-US" dirty="0" err="1" smtClean="0"/>
+              <a:t>dân</a:t>
+            </a:r>
+            <a:r>
+              <a:rPr lang="en-US" dirty="0" smtClean="0"/>
+              <a:t> </a:t>
+            </a:r>
+            <a:r>
+              <a:rPr lang="en-US" dirty="0" err="1" smtClean="0"/>
+              <a:t>tộc</a:t>
+            </a:r>
+            <a:r>
+              <a:rPr lang="en-US" dirty="0" smtClean="0"/>
+              <a:t> </a:t>
+            </a:r>
+            <a:r>
+              <a:rPr lang="en-US" dirty="0" err="1" smtClean="0"/>
+              <a:t>cũng</a:t>
+            </a:r>
+            <a:r>
+              <a:rPr lang="en-US" dirty="0" smtClean="0"/>
+              <a:t> là có </a:t>
+            </a:r>
+            <a:r>
+              <a:rPr lang="en-US" dirty="0" err="1" smtClean="0"/>
+              <a:t>nghĩa</a:t>
+            </a:r>
+            <a:r>
+              <a:rPr lang="en-US" dirty="0" smtClean="0"/>
+              <a:t> là </a:t>
+            </a:r>
+            <a:r>
+              <a:rPr lang="en-US" dirty="0" err="1" smtClean="0"/>
+              <a:t>phải</a:t>
+            </a:r>
+            <a:r>
+              <a:rPr lang="en-US" dirty="0" smtClean="0"/>
+              <a:t> </a:t>
+            </a:r>
+            <a:r>
+              <a:rPr lang="en-US" dirty="0" err="1" smtClean="0"/>
+              <a:t>tập</a:t>
+            </a:r>
+            <a:r>
+              <a:rPr lang="en-US" dirty="0" smtClean="0"/>
+              <a:t> </a:t>
+            </a:r>
+            <a:r>
+              <a:rPr lang="en-US" dirty="0" err="1" smtClean="0"/>
+              <a:t>hợp</a:t>
+            </a:r>
+            <a:r>
+              <a:rPr lang="en-US" dirty="0" smtClean="0"/>
+              <a:t> </a:t>
+            </a:r>
+            <a:r>
+              <a:rPr lang="en-US" dirty="0" err="1" smtClean="0"/>
+              <a:t>được</a:t>
+            </a:r>
+            <a:r>
+              <a:rPr lang="en-US" dirty="0" smtClean="0"/>
+              <a:t> </a:t>
+            </a:r>
+            <a:r>
+              <a:rPr lang="en-US" dirty="0" err="1" smtClean="0"/>
+              <a:t>tất</a:t>
+            </a:r>
+            <a:r>
+              <a:rPr lang="en-US" dirty="0" smtClean="0"/>
+              <a:t> cả </a:t>
+            </a:r>
+            <a:r>
+              <a:rPr lang="en-US" dirty="0" err="1" smtClean="0"/>
+              <a:t>mọi</a:t>
+            </a:r>
+            <a:r>
+              <a:rPr lang="en-US" dirty="0" smtClean="0"/>
+              <a:t> </a:t>
+            </a:r>
+            <a:r>
+              <a:rPr lang="en-US" dirty="0" err="1" smtClean="0"/>
+              <a:t>người</a:t>
+            </a:r>
+            <a:r>
+              <a:rPr lang="en-US" dirty="0" smtClean="0"/>
+              <a:t> </a:t>
+            </a:r>
+            <a:r>
+              <a:rPr lang="en-US" dirty="0" err="1" smtClean="0"/>
+              <a:t>dân</a:t>
+            </a:r>
+            <a:r>
+              <a:rPr lang="en-US" dirty="0" smtClean="0"/>
+              <a:t> </a:t>
+            </a:r>
+            <a:r>
+              <a:rPr lang="en-US" dirty="0" err="1" smtClean="0"/>
+              <a:t>vào</a:t>
+            </a:r>
+            <a:r>
+              <a:rPr lang="en-US" dirty="0" smtClean="0"/>
+              <a:t> </a:t>
+            </a:r>
+            <a:r>
+              <a:rPr lang="en-US" dirty="0" err="1" smtClean="0"/>
+              <a:t>trong</a:t>
+            </a:r>
+            <a:r>
+              <a:rPr lang="en-US" dirty="0" smtClean="0"/>
+              <a:t> </a:t>
+            </a:r>
+            <a:r>
+              <a:rPr lang="en-US" dirty="0" err="1" smtClean="0"/>
+              <a:t>một</a:t>
+            </a:r>
+            <a:r>
+              <a:rPr lang="en-US" dirty="0" smtClean="0"/>
+              <a:t> </a:t>
+            </a:r>
+            <a:r>
+              <a:rPr lang="en-US" dirty="0" err="1" smtClean="0"/>
+              <a:t>khối</a:t>
+            </a:r>
+            <a:r>
+              <a:rPr lang="en-US" dirty="0" smtClean="0"/>
+              <a:t> </a:t>
+            </a:r>
+            <a:r>
+              <a:rPr lang="en-US" dirty="0" err="1" smtClean="0"/>
+              <a:t>trong</a:t>
+            </a:r>
+            <a:r>
+              <a:rPr lang="en-US" dirty="0" smtClean="0"/>
+              <a:t> </a:t>
+            </a:r>
+            <a:r>
+              <a:rPr lang="en-US" dirty="0" err="1" smtClean="0"/>
+              <a:t>cuộc</a:t>
+            </a:r>
+            <a:r>
+              <a:rPr lang="en-US" dirty="0" smtClean="0"/>
+              <a:t> </a:t>
+            </a:r>
+            <a:r>
+              <a:rPr lang="en-US" dirty="0" err="1" smtClean="0"/>
+              <a:t>dấu</a:t>
+            </a:r>
+            <a:r>
+              <a:rPr lang="en-US" dirty="0" smtClean="0"/>
+              <a:t> </a:t>
+            </a:r>
+            <a:r>
+              <a:rPr lang="en-US" dirty="0" err="1" smtClean="0"/>
+              <a:t>tranh</a:t>
+            </a:r>
+            <a:r>
+              <a:rPr lang="en-US" dirty="0" smtClean="0"/>
+              <a:t> </a:t>
+            </a:r>
+            <a:r>
+              <a:rPr lang="en-US" dirty="0" err="1" smtClean="0"/>
+              <a:t>chung</a:t>
+            </a:r>
+            <a:r>
+              <a:rPr lang="en-US" dirty="0" smtClean="0"/>
+              <a:t>. </a:t>
+            </a:r>
+          </a:p>
+          <a:p>
+            <a:r>
+              <a:rPr lang="en-US" dirty="0" smtClean="0"/>
+              <a:t> </a:t>
+            </a:r>
+            <a:r>
+              <a:rPr lang="en-US" dirty="0" err="1" smtClean="0"/>
+              <a:t>Nội</a:t>
+            </a:r>
+            <a:r>
+              <a:rPr lang="en-US" dirty="0" smtClean="0"/>
+              <a:t> </a:t>
+            </a:r>
+            <a:r>
+              <a:rPr lang="en-US" dirty="0" err="1" smtClean="0"/>
+              <a:t>hàm</a:t>
+            </a:r>
+            <a:r>
+              <a:rPr lang="en-US" dirty="0" smtClean="0"/>
+              <a:t> </a:t>
+            </a:r>
+            <a:r>
+              <a:rPr lang="en-US" dirty="0" err="1" smtClean="0"/>
+              <a:t>khái</a:t>
+            </a:r>
+            <a:r>
+              <a:rPr lang="en-US" dirty="0" smtClean="0"/>
+              <a:t> </a:t>
+            </a:r>
+            <a:r>
+              <a:rPr lang="en-US" dirty="0" err="1" smtClean="0"/>
+              <a:t>niệm</a:t>
+            </a:r>
+            <a:r>
+              <a:rPr lang="en-US" dirty="0" smtClean="0"/>
+              <a:t> “</a:t>
+            </a:r>
+            <a:r>
+              <a:rPr lang="en-US" dirty="0" err="1" smtClean="0"/>
+              <a:t>đại</a:t>
+            </a:r>
+            <a:r>
+              <a:rPr lang="en-US" dirty="0" smtClean="0"/>
+              <a:t> </a:t>
+            </a:r>
+            <a:r>
+              <a:rPr lang="en-US" dirty="0" err="1" smtClean="0"/>
+              <a:t>đoàn</a:t>
+            </a:r>
+            <a:r>
+              <a:rPr lang="en-US" dirty="0" smtClean="0"/>
+              <a:t> </a:t>
+            </a:r>
+            <a:r>
+              <a:rPr lang="en-US" dirty="0" err="1" smtClean="0"/>
+              <a:t>kết</a:t>
+            </a:r>
+            <a:r>
+              <a:rPr lang="en-US" dirty="0" smtClean="0"/>
+              <a:t> </a:t>
+            </a:r>
+            <a:r>
+              <a:rPr lang="en-US" dirty="0" err="1" smtClean="0"/>
+              <a:t>dân</a:t>
+            </a:r>
+            <a:r>
+              <a:rPr lang="en-US" dirty="0" smtClean="0"/>
+              <a:t> </a:t>
+            </a:r>
+            <a:r>
+              <a:rPr lang="en-US" dirty="0" err="1" smtClean="0"/>
+              <a:t>tộc</a:t>
+            </a:r>
+            <a:r>
+              <a:rPr lang="en-US" dirty="0" smtClean="0"/>
+              <a:t>” </a:t>
+            </a:r>
+            <a:r>
+              <a:rPr lang="en-US" dirty="0" err="1" smtClean="0"/>
+              <a:t>phong</a:t>
+            </a:r>
+            <a:r>
+              <a:rPr lang="en-US" dirty="0" smtClean="0"/>
+              <a:t> </a:t>
+            </a:r>
+            <a:r>
+              <a:rPr lang="en-US" dirty="0" err="1" smtClean="0"/>
+              <a:t>phu</a:t>
+            </a:r>
+            <a:r>
+              <a:rPr lang="en-US" dirty="0" smtClean="0"/>
+              <a:t>́  , nó </a:t>
+            </a:r>
+            <a:r>
+              <a:rPr lang="en-US" dirty="0" err="1" smtClean="0"/>
+              <a:t>bao</a:t>
+            </a:r>
+            <a:r>
+              <a:rPr lang="en-US" dirty="0" smtClean="0"/>
+              <a:t> </a:t>
+            </a:r>
+            <a:r>
+              <a:rPr lang="en-US" dirty="0" err="1" smtClean="0"/>
+              <a:t>gồm</a:t>
+            </a:r>
+            <a:r>
+              <a:rPr lang="en-US" dirty="0" smtClean="0"/>
+              <a:t> : </a:t>
+            </a:r>
+            <a:r>
+              <a:rPr lang="en-US" dirty="0" err="1" smtClean="0"/>
+              <a:t>Nhiều</a:t>
+            </a:r>
+            <a:r>
+              <a:rPr lang="en-US" dirty="0" smtClean="0"/>
+              <a:t> </a:t>
+            </a:r>
+            <a:r>
+              <a:rPr lang="en-US" dirty="0" err="1" smtClean="0"/>
+              <a:t>tầng</a:t>
+            </a:r>
+            <a:r>
+              <a:rPr lang="en-US" dirty="0" smtClean="0"/>
+              <a:t> </a:t>
+            </a:r>
+            <a:r>
+              <a:rPr lang="en-US" dirty="0" err="1" smtClean="0"/>
+              <a:t>nấc</a:t>
+            </a:r>
+            <a:r>
+              <a:rPr lang="en-US" dirty="0" smtClean="0"/>
+              <a:t> , </a:t>
+            </a:r>
+            <a:r>
+              <a:rPr lang="en-US" dirty="0" err="1" smtClean="0"/>
+              <a:t>nhiều</a:t>
+            </a:r>
+            <a:r>
+              <a:rPr lang="en-US" dirty="0" smtClean="0"/>
+              <a:t> </a:t>
+            </a:r>
+            <a:r>
+              <a:rPr lang="en-US" dirty="0" err="1" smtClean="0"/>
+              <a:t>cấp</a:t>
+            </a:r>
+            <a:r>
+              <a:rPr lang="en-US" dirty="0" smtClean="0"/>
+              <a:t> </a:t>
+            </a:r>
+            <a:r>
+              <a:rPr lang="en-US" dirty="0" err="1" smtClean="0"/>
+              <a:t>đô</a:t>
+            </a:r>
+            <a:r>
+              <a:rPr lang="en-US" dirty="0" smtClean="0"/>
+              <a:t>̣ </a:t>
+            </a:r>
+            <a:r>
+              <a:rPr lang="en-US" dirty="0" err="1" smtClean="0"/>
+              <a:t>các</a:t>
+            </a:r>
+            <a:r>
+              <a:rPr lang="en-US" dirty="0" smtClean="0"/>
+              <a:t> </a:t>
+            </a:r>
+            <a:r>
+              <a:rPr lang="en-US" dirty="0" err="1" smtClean="0"/>
+              <a:t>quan</a:t>
+            </a:r>
+            <a:r>
+              <a:rPr lang="en-US" dirty="0" smtClean="0"/>
+              <a:t> </a:t>
+            </a:r>
+            <a:r>
+              <a:rPr lang="en-US" dirty="0" err="1" smtClean="0"/>
+              <a:t>hê</a:t>
+            </a:r>
+            <a:r>
+              <a:rPr lang="en-US" dirty="0" smtClean="0"/>
+              <a:t>̣ qua </a:t>
+            </a:r>
+            <a:r>
+              <a:rPr lang="en-US" dirty="0" err="1" smtClean="0"/>
+              <a:t>lại</a:t>
+            </a:r>
+            <a:r>
+              <a:rPr lang="en-US" dirty="0" smtClean="0"/>
+              <a:t> </a:t>
+            </a:r>
+            <a:r>
+              <a:rPr lang="en-US" dirty="0" err="1" smtClean="0"/>
+              <a:t>giữa</a:t>
+            </a:r>
+            <a:r>
+              <a:rPr lang="en-US" dirty="0" smtClean="0"/>
+              <a:t> </a:t>
+            </a:r>
+            <a:r>
+              <a:rPr lang="en-US" dirty="0" err="1" smtClean="0"/>
+              <a:t>các</a:t>
+            </a:r>
+            <a:r>
+              <a:rPr lang="en-US" dirty="0" smtClean="0"/>
+              <a:t> </a:t>
+            </a:r>
+            <a:r>
+              <a:rPr lang="en-US" dirty="0" err="1" smtClean="0"/>
+              <a:t>thành</a:t>
+            </a:r>
+            <a:r>
+              <a:rPr lang="en-US" dirty="0" smtClean="0"/>
+              <a:t> </a:t>
+            </a:r>
+            <a:r>
+              <a:rPr lang="en-US" dirty="0" err="1" smtClean="0"/>
+              <a:t>viên</a:t>
+            </a:r>
+            <a:r>
+              <a:rPr lang="en-US" dirty="0" smtClean="0"/>
+              <a:t>, </a:t>
+            </a:r>
+            <a:r>
+              <a:rPr lang="en-US" dirty="0" err="1" smtClean="0"/>
+              <a:t>các</a:t>
+            </a:r>
+            <a:r>
+              <a:rPr lang="en-US" dirty="0" smtClean="0"/>
+              <a:t> </a:t>
+            </a:r>
+            <a:r>
+              <a:rPr lang="en-US" dirty="0" err="1" smtClean="0"/>
+              <a:t>bô</a:t>
+            </a:r>
+            <a:r>
+              <a:rPr lang="en-US" dirty="0" smtClean="0"/>
+              <a:t>̣ </a:t>
+            </a:r>
+            <a:r>
+              <a:rPr lang="en-US" dirty="0" err="1" smtClean="0"/>
+              <a:t>phận</a:t>
+            </a:r>
+            <a:r>
+              <a:rPr lang="en-US" dirty="0" smtClean="0"/>
+              <a:t>, </a:t>
+            </a:r>
+            <a:r>
+              <a:rPr lang="en-US" dirty="0" err="1" smtClean="0"/>
+              <a:t>các</a:t>
+            </a:r>
+            <a:r>
+              <a:rPr lang="en-US" dirty="0" smtClean="0"/>
+              <a:t> </a:t>
+            </a:r>
+            <a:r>
+              <a:rPr lang="en-US" dirty="0" err="1" smtClean="0"/>
+              <a:t>lực</a:t>
+            </a:r>
+            <a:r>
+              <a:rPr lang="en-US" dirty="0" smtClean="0"/>
+              <a:t> </a:t>
+            </a:r>
+            <a:r>
+              <a:rPr lang="en-US" dirty="0" err="1" smtClean="0"/>
+              <a:t>lượng</a:t>
+            </a:r>
+            <a:r>
+              <a:rPr lang="en-US" dirty="0" smtClean="0"/>
+              <a:t> </a:t>
+            </a:r>
+            <a:r>
+              <a:rPr lang="en-US" dirty="0" err="1" smtClean="0"/>
+              <a:t>xa</a:t>
+            </a:r>
+            <a:r>
+              <a:rPr lang="en-US" dirty="0" smtClean="0"/>
+              <a:t>̃ </a:t>
+            </a:r>
+            <a:r>
+              <a:rPr lang="en-US" dirty="0" err="1" smtClean="0"/>
+              <a:t>hội</a:t>
+            </a:r>
+            <a:r>
+              <a:rPr lang="en-US" dirty="0" smtClean="0"/>
+              <a:t> </a:t>
+            </a:r>
+            <a:r>
+              <a:rPr lang="en-US" dirty="0" err="1" smtClean="0"/>
+              <a:t>của</a:t>
+            </a:r>
+            <a:r>
+              <a:rPr lang="en-US" dirty="0" smtClean="0"/>
+              <a:t> </a:t>
+            </a:r>
+            <a:r>
+              <a:rPr lang="en-US" dirty="0" err="1" smtClean="0"/>
+              <a:t>dân</a:t>
+            </a:r>
+            <a:r>
+              <a:rPr lang="en-US" dirty="0" smtClean="0"/>
+              <a:t> </a:t>
+            </a:r>
+            <a:r>
+              <a:rPr lang="en-US" dirty="0" err="1" smtClean="0"/>
+              <a:t>tộc</a:t>
+            </a:r>
+            <a:r>
+              <a:rPr lang="en-US" dirty="0" smtClean="0"/>
+              <a:t> </a:t>
+            </a:r>
+            <a:r>
+              <a:rPr lang="en-US" dirty="0" err="1" smtClean="0"/>
+              <a:t>tư</a:t>
+            </a:r>
+            <a:r>
+              <a:rPr lang="en-US" dirty="0" smtClean="0"/>
+              <a:t>̀ </a:t>
+            </a:r>
+            <a:r>
+              <a:rPr lang="en-US" dirty="0" err="1" smtClean="0"/>
+              <a:t>nho</a:t>
+            </a:r>
+            <a:r>
+              <a:rPr lang="en-US" dirty="0" smtClean="0"/>
+              <a:t>̉ </a:t>
+            </a:r>
+            <a:r>
+              <a:rPr lang="en-US" dirty="0" err="1" smtClean="0"/>
+              <a:t>đến</a:t>
+            </a:r>
+            <a:r>
+              <a:rPr lang="en-US" dirty="0" smtClean="0"/>
+              <a:t> </a:t>
+            </a:r>
+            <a:r>
+              <a:rPr lang="en-US" dirty="0" err="1" smtClean="0"/>
+              <a:t>lớn</a:t>
+            </a:r>
+            <a:r>
+              <a:rPr lang="en-US" dirty="0" smtClean="0"/>
+              <a:t>, </a:t>
+            </a:r>
+            <a:r>
+              <a:rPr lang="en-US" dirty="0" err="1" smtClean="0"/>
+              <a:t>tư</a:t>
+            </a:r>
+            <a:r>
+              <a:rPr lang="en-US" dirty="0" smtClean="0"/>
+              <a:t>̀ </a:t>
+            </a:r>
+            <a:r>
+              <a:rPr lang="en-US" dirty="0" err="1" smtClean="0"/>
+              <a:t>thấp</a:t>
+            </a:r>
+            <a:r>
+              <a:rPr lang="en-US" dirty="0" smtClean="0"/>
+              <a:t> </a:t>
+            </a:r>
+            <a:r>
+              <a:rPr lang="en-US" dirty="0" err="1" smtClean="0"/>
+              <a:t>đến</a:t>
+            </a:r>
+            <a:r>
+              <a:rPr lang="en-US" dirty="0" smtClean="0"/>
+              <a:t> </a:t>
+            </a:r>
+            <a:r>
+              <a:rPr lang="en-US" dirty="0" err="1" smtClean="0"/>
+              <a:t>cao</a:t>
+            </a:r>
+            <a:r>
+              <a:rPr lang="en-US" dirty="0" smtClean="0"/>
+              <a:t>, </a:t>
+            </a:r>
+            <a:r>
+              <a:rPr lang="en-US" dirty="0" err="1" smtClean="0"/>
+              <a:t>tư</a:t>
+            </a:r>
+            <a:r>
+              <a:rPr lang="en-US" dirty="0" smtClean="0"/>
+              <a:t>̀ </a:t>
+            </a:r>
+            <a:r>
+              <a:rPr lang="en-US" dirty="0" err="1" smtClean="0"/>
+              <a:t>trong</a:t>
+            </a:r>
+            <a:r>
+              <a:rPr lang="en-US" dirty="0" smtClean="0"/>
+              <a:t> </a:t>
+            </a:r>
+            <a:r>
+              <a:rPr lang="en-US" dirty="0" err="1" smtClean="0"/>
+              <a:t>ra</a:t>
+            </a:r>
+            <a:r>
+              <a:rPr lang="en-US" dirty="0" smtClean="0"/>
+              <a:t> </a:t>
+            </a:r>
+            <a:r>
+              <a:rPr lang="en-US" dirty="0" err="1" smtClean="0"/>
+              <a:t>ngoài</a:t>
+            </a:r>
+            <a:r>
+              <a:rPr lang="en-US" dirty="0" smtClean="0"/>
+              <a:t>, </a:t>
+            </a:r>
+            <a:r>
+              <a:rPr lang="en-US" dirty="0" err="1" smtClean="0"/>
+              <a:t>tư</a:t>
+            </a:r>
+            <a:r>
+              <a:rPr lang="en-US" dirty="0" smtClean="0"/>
+              <a:t>̀ </a:t>
+            </a:r>
+            <a:r>
+              <a:rPr lang="en-US" dirty="0" err="1" smtClean="0"/>
+              <a:t>trên</a:t>
+            </a:r>
+            <a:r>
+              <a:rPr lang="en-US" dirty="0" smtClean="0"/>
+              <a:t> </a:t>
+            </a:r>
+            <a:r>
+              <a:rPr lang="en-US" dirty="0" err="1" smtClean="0"/>
+              <a:t>xuống</a:t>
+            </a:r>
+            <a:r>
+              <a:rPr lang="en-US" dirty="0" smtClean="0"/>
+              <a:t> </a:t>
+            </a:r>
+            <a:r>
+              <a:rPr lang="en-US" dirty="0" err="1" smtClean="0"/>
+              <a:t>dưới</a:t>
+            </a:r>
+            <a:r>
+              <a:rPr lang="en-US" dirty="0" smtClean="0"/>
+              <a:t>…. </a:t>
+            </a:r>
+          </a:p>
+          <a:p>
+            <a:r>
+              <a:rPr lang="en-US" dirty="0" err="1" smtClean="0"/>
+              <a:t>Hô</a:t>
+            </a:r>
+            <a:r>
+              <a:rPr lang="en-US" dirty="0" smtClean="0"/>
+              <a:t>̀ chí minh </a:t>
+            </a:r>
+            <a:r>
+              <a:rPr lang="en-US" dirty="0" err="1" smtClean="0"/>
+              <a:t>đa</a:t>
+            </a:r>
+            <a:r>
+              <a:rPr lang="en-US" dirty="0" smtClean="0"/>
+              <a:t>̃ </a:t>
+            </a:r>
+            <a:r>
+              <a:rPr lang="en-US" dirty="0" err="1" smtClean="0"/>
+              <a:t>nhiều</a:t>
+            </a:r>
+            <a:r>
+              <a:rPr lang="en-US" dirty="0" smtClean="0"/>
+              <a:t> </a:t>
+            </a:r>
+            <a:r>
+              <a:rPr lang="en-US" dirty="0" err="1" smtClean="0"/>
+              <a:t>lần</a:t>
+            </a:r>
+            <a:r>
+              <a:rPr lang="en-US" dirty="0" smtClean="0"/>
+              <a:t> </a:t>
+            </a:r>
+            <a:r>
+              <a:rPr lang="en-US" dirty="0" err="1" smtClean="0"/>
+              <a:t>nói</a:t>
+            </a:r>
+            <a:r>
+              <a:rPr lang="en-US" dirty="0" smtClean="0"/>
+              <a:t>: “</a:t>
+            </a:r>
+            <a:r>
+              <a:rPr lang="en-US" dirty="0" err="1" smtClean="0"/>
+              <a:t>Đoàn</a:t>
+            </a:r>
+            <a:r>
+              <a:rPr lang="en-US" dirty="0" smtClean="0"/>
+              <a:t> </a:t>
+            </a:r>
+            <a:r>
+              <a:rPr lang="en-US" dirty="0" err="1" smtClean="0"/>
+              <a:t>kết</a:t>
+            </a:r>
+            <a:r>
+              <a:rPr lang="en-US" dirty="0" smtClean="0"/>
+              <a:t> </a:t>
+            </a:r>
+            <a:r>
+              <a:rPr lang="en-US" dirty="0" err="1" smtClean="0"/>
+              <a:t>của</a:t>
+            </a:r>
+            <a:r>
+              <a:rPr lang="en-US" dirty="0" smtClean="0"/>
+              <a:t> ta </a:t>
+            </a:r>
+            <a:r>
+              <a:rPr lang="en-US" dirty="0" err="1" smtClean="0"/>
+              <a:t>không</a:t>
+            </a:r>
+            <a:r>
+              <a:rPr lang="en-US" dirty="0" smtClean="0"/>
+              <a:t> </a:t>
+            </a:r>
+            <a:r>
+              <a:rPr lang="en-US" dirty="0" err="1" smtClean="0"/>
+              <a:t>những</a:t>
+            </a:r>
+            <a:r>
+              <a:rPr lang="en-US" dirty="0" smtClean="0"/>
+              <a:t> </a:t>
+            </a:r>
+            <a:r>
+              <a:rPr lang="en-US" dirty="0" err="1" smtClean="0"/>
+              <a:t>rộng</a:t>
+            </a:r>
+            <a:r>
+              <a:rPr lang="en-US" dirty="0" smtClean="0"/>
+              <a:t> </a:t>
+            </a:r>
+            <a:r>
+              <a:rPr lang="en-US" dirty="0" err="1" smtClean="0"/>
+              <a:t>rãi</a:t>
+            </a:r>
+            <a:r>
+              <a:rPr lang="en-US" dirty="0" smtClean="0"/>
+              <a:t> mà </a:t>
+            </a:r>
+            <a:r>
+              <a:rPr lang="en-US" dirty="0" err="1" smtClean="0"/>
+              <a:t>còn</a:t>
+            </a:r>
+            <a:r>
+              <a:rPr lang="en-US" dirty="0" smtClean="0"/>
+              <a:t> </a:t>
+            </a:r>
+            <a:r>
+              <a:rPr lang="en-US" dirty="0" err="1" smtClean="0"/>
+              <a:t>đoàn</a:t>
+            </a:r>
+            <a:r>
+              <a:rPr lang="en-US" dirty="0" smtClean="0"/>
+              <a:t> </a:t>
+            </a:r>
+            <a:r>
+              <a:rPr lang="en-US" dirty="0" err="1" smtClean="0"/>
+              <a:t>kết</a:t>
+            </a:r>
+            <a:r>
+              <a:rPr lang="en-US" dirty="0" smtClean="0"/>
+              <a:t> </a:t>
+            </a:r>
+            <a:r>
+              <a:rPr lang="en-US" dirty="0" err="1" smtClean="0"/>
+              <a:t>lâu</a:t>
+            </a:r>
+            <a:r>
+              <a:rPr lang="en-US" dirty="0" smtClean="0"/>
+              <a:t> </a:t>
+            </a:r>
+            <a:r>
+              <a:rPr lang="en-US" dirty="0" err="1" smtClean="0"/>
+              <a:t>dài</a:t>
+            </a:r>
+            <a:r>
+              <a:rPr lang="en-US" dirty="0" smtClean="0"/>
+              <a:t>… Ta </a:t>
+            </a:r>
+            <a:r>
+              <a:rPr lang="en-US" dirty="0" err="1" smtClean="0"/>
+              <a:t>đấu</a:t>
+            </a:r>
+            <a:r>
+              <a:rPr lang="en-US" dirty="0" smtClean="0"/>
+              <a:t> </a:t>
+            </a:r>
+            <a:r>
+              <a:rPr lang="en-US" dirty="0" err="1" smtClean="0"/>
+              <a:t>tranh</a:t>
+            </a:r>
+            <a:r>
+              <a:rPr lang="en-US" dirty="0" smtClean="0"/>
+              <a:t> </a:t>
+            </a:r>
+            <a:r>
+              <a:rPr lang="en-US" dirty="0" err="1" smtClean="0"/>
+              <a:t>đoàn</a:t>
+            </a:r>
+            <a:r>
+              <a:rPr lang="en-US" dirty="0" smtClean="0"/>
+              <a:t> </a:t>
+            </a:r>
+            <a:r>
+              <a:rPr lang="en-US" dirty="0" err="1" smtClean="0"/>
+              <a:t>kết</a:t>
+            </a:r>
+            <a:r>
+              <a:rPr lang="en-US" dirty="0" smtClean="0"/>
+              <a:t> </a:t>
+            </a:r>
+            <a:r>
+              <a:rPr lang="en-US" dirty="0" err="1" smtClean="0"/>
+              <a:t>đê</a:t>
+            </a:r>
+            <a:r>
+              <a:rPr lang="en-US" dirty="0" smtClean="0"/>
+              <a:t>̉ </a:t>
+            </a:r>
+            <a:r>
+              <a:rPr lang="en-US" dirty="0" err="1" smtClean="0"/>
+              <a:t>dấu</a:t>
+            </a:r>
+            <a:r>
+              <a:rPr lang="en-US" dirty="0" smtClean="0"/>
+              <a:t> </a:t>
+            </a:r>
+            <a:r>
+              <a:rPr lang="en-US" dirty="0" err="1" smtClean="0"/>
+              <a:t>tranh</a:t>
+            </a:r>
+            <a:r>
+              <a:rPr lang="en-US" dirty="0" smtClean="0"/>
+              <a:t> </a:t>
+            </a:r>
+            <a:r>
+              <a:rPr lang="en-US" dirty="0" err="1" smtClean="0"/>
+              <a:t>cho</a:t>
+            </a:r>
+            <a:r>
+              <a:rPr lang="en-US" dirty="0" smtClean="0"/>
+              <a:t> </a:t>
+            </a:r>
+            <a:r>
+              <a:rPr lang="en-US" dirty="0" err="1" smtClean="0"/>
+              <a:t>thống</a:t>
+            </a:r>
+            <a:r>
+              <a:rPr lang="en-US" dirty="0" smtClean="0"/>
+              <a:t> </a:t>
+            </a:r>
+            <a:r>
+              <a:rPr lang="en-US" dirty="0" err="1" smtClean="0"/>
+              <a:t>nhất</a:t>
+            </a:r>
+            <a:r>
+              <a:rPr lang="en-US" dirty="0" smtClean="0"/>
+              <a:t> </a:t>
+            </a:r>
+            <a:r>
+              <a:rPr lang="en-US" dirty="0" err="1" smtClean="0"/>
+              <a:t>va</a:t>
+            </a:r>
+            <a:r>
+              <a:rPr lang="en-US" dirty="0" smtClean="0"/>
+              <a:t>̀ </a:t>
+            </a:r>
+            <a:r>
+              <a:rPr lang="en-US" dirty="0" err="1" smtClean="0"/>
+              <a:t>độc</a:t>
+            </a:r>
+            <a:r>
+              <a:rPr lang="en-US" dirty="0" smtClean="0"/>
+              <a:t> </a:t>
+            </a:r>
+            <a:r>
+              <a:rPr lang="en-US" dirty="0" err="1" smtClean="0"/>
+              <a:t>lập</a:t>
+            </a:r>
+            <a:r>
+              <a:rPr lang="en-US" dirty="0" smtClean="0"/>
+              <a:t> </a:t>
+            </a:r>
+            <a:r>
+              <a:rPr lang="en-US" dirty="0" err="1" smtClean="0"/>
+              <a:t>của</a:t>
+            </a:r>
+            <a:r>
+              <a:rPr lang="en-US" dirty="0" smtClean="0"/>
+              <a:t> </a:t>
+            </a:r>
+            <a:r>
+              <a:rPr lang="en-US" dirty="0" err="1" smtClean="0"/>
+              <a:t>tô</a:t>
+            </a:r>
+            <a:r>
+              <a:rPr lang="en-US" dirty="0" smtClean="0"/>
+              <a:t>̉ </a:t>
+            </a:r>
+            <a:r>
+              <a:rPr lang="en-US" dirty="0" err="1" smtClean="0"/>
+              <a:t>quốc</a:t>
+            </a:r>
+            <a:r>
+              <a:rPr lang="en-US" dirty="0" smtClean="0"/>
+              <a:t>, ta </a:t>
+            </a:r>
+            <a:r>
+              <a:rPr lang="en-US" dirty="0" err="1" smtClean="0"/>
+              <a:t>còn</a:t>
+            </a:r>
+            <a:r>
+              <a:rPr lang="en-US" dirty="0" smtClean="0"/>
+              <a:t> </a:t>
+            </a:r>
+            <a:r>
+              <a:rPr lang="en-US" dirty="0" err="1" smtClean="0"/>
+              <a:t>phải</a:t>
+            </a:r>
+            <a:r>
+              <a:rPr lang="en-US" dirty="0" smtClean="0"/>
+              <a:t> </a:t>
+            </a:r>
+            <a:r>
+              <a:rPr lang="en-US" dirty="0" err="1" smtClean="0"/>
+              <a:t>đoàn</a:t>
+            </a:r>
+            <a:r>
+              <a:rPr lang="en-US" dirty="0" smtClean="0"/>
+              <a:t> </a:t>
+            </a:r>
+            <a:r>
+              <a:rPr lang="en-US" dirty="0" err="1" smtClean="0"/>
+              <a:t>kết</a:t>
+            </a:r>
+            <a:r>
+              <a:rPr lang="en-US" dirty="0" smtClean="0"/>
+              <a:t> </a:t>
+            </a:r>
+            <a:r>
+              <a:rPr lang="en-US" dirty="0" err="1" smtClean="0"/>
+              <a:t>đê</a:t>
+            </a:r>
+            <a:r>
+              <a:rPr lang="en-US" dirty="0" smtClean="0"/>
+              <a:t>̉ </a:t>
+            </a:r>
+            <a:r>
+              <a:rPr lang="en-US" dirty="0" err="1" smtClean="0"/>
+              <a:t>xây</a:t>
+            </a:r>
+            <a:r>
+              <a:rPr lang="en-US" dirty="0" smtClean="0"/>
+              <a:t> </a:t>
+            </a:r>
+            <a:r>
+              <a:rPr lang="en-US" dirty="0" err="1" smtClean="0"/>
+              <a:t>dựng</a:t>
+            </a:r>
+            <a:r>
+              <a:rPr lang="en-US" dirty="0" smtClean="0"/>
+              <a:t> </a:t>
+            </a:r>
+            <a:r>
+              <a:rPr lang="en-US" dirty="0" err="1" smtClean="0"/>
+              <a:t>nước</a:t>
+            </a:r>
+            <a:r>
+              <a:rPr lang="en-US" dirty="0" smtClean="0"/>
+              <a:t> </a:t>
+            </a:r>
+            <a:r>
+              <a:rPr lang="en-US" dirty="0" err="1" smtClean="0"/>
+              <a:t>nha</a:t>
+            </a:r>
+            <a:r>
+              <a:rPr lang="en-US" dirty="0" smtClean="0"/>
+              <a:t>̀.. Ai có </a:t>
+            </a:r>
+            <a:r>
+              <a:rPr lang="en-US" dirty="0" err="1" smtClean="0"/>
+              <a:t>tài</a:t>
+            </a:r>
+            <a:r>
+              <a:rPr lang="en-US" dirty="0" smtClean="0"/>
+              <a:t>, có </a:t>
+            </a:r>
+            <a:r>
+              <a:rPr lang="en-US" dirty="0" err="1" smtClean="0"/>
+              <a:t>đức</a:t>
+            </a:r>
+            <a:r>
+              <a:rPr lang="en-US" dirty="0" smtClean="0"/>
+              <a:t> , có </a:t>
+            </a:r>
+            <a:r>
+              <a:rPr lang="en-US" dirty="0" err="1" smtClean="0"/>
+              <a:t>lòng</a:t>
+            </a:r>
+            <a:r>
+              <a:rPr lang="en-US" dirty="0" smtClean="0"/>
+              <a:t> </a:t>
+            </a:r>
+            <a:r>
+              <a:rPr lang="en-US" dirty="0" err="1" smtClean="0"/>
+              <a:t>phụng</a:t>
+            </a:r>
+            <a:r>
+              <a:rPr lang="en-US" dirty="0" smtClean="0"/>
+              <a:t> </a:t>
+            </a:r>
+            <a:r>
+              <a:rPr lang="en-US" dirty="0" err="1" smtClean="0"/>
+              <a:t>sư</a:t>
+            </a:r>
+            <a:r>
+              <a:rPr lang="en-US" dirty="0" smtClean="0"/>
+              <a:t>̣ </a:t>
+            </a:r>
+            <a:r>
+              <a:rPr lang="en-US" dirty="0" err="1" smtClean="0"/>
+              <a:t>tô</a:t>
+            </a:r>
+            <a:r>
+              <a:rPr lang="en-US" dirty="0" smtClean="0"/>
+              <a:t>̉ </a:t>
+            </a:r>
+            <a:r>
+              <a:rPr lang="en-US" dirty="0" err="1" smtClean="0"/>
+              <a:t>quốc</a:t>
+            </a:r>
+            <a:r>
+              <a:rPr lang="en-US" dirty="0" smtClean="0"/>
+              <a:t>, </a:t>
+            </a:r>
+            <a:r>
+              <a:rPr lang="en-US" dirty="0" err="1" smtClean="0"/>
+              <a:t>phụng</a:t>
+            </a:r>
+            <a:r>
+              <a:rPr lang="en-US" dirty="0" smtClean="0"/>
+              <a:t> </a:t>
+            </a:r>
+            <a:r>
+              <a:rPr lang="en-US" dirty="0" err="1" smtClean="0"/>
+              <a:t>sư</a:t>
+            </a:r>
+            <a:r>
+              <a:rPr lang="en-US" dirty="0" smtClean="0"/>
+              <a:t>̣ </a:t>
+            </a:r>
+            <a:r>
+              <a:rPr lang="en-US" dirty="0" err="1" smtClean="0"/>
+              <a:t>nhân</a:t>
+            </a:r>
+            <a:r>
+              <a:rPr lang="en-US" dirty="0" smtClean="0"/>
+              <a:t> </a:t>
+            </a:r>
+            <a:r>
+              <a:rPr lang="en-US" dirty="0" err="1" smtClean="0"/>
+              <a:t>dân</a:t>
+            </a:r>
+            <a:r>
+              <a:rPr lang="en-US" dirty="0" smtClean="0"/>
+              <a:t> </a:t>
+            </a:r>
+            <a:r>
+              <a:rPr lang="en-US" dirty="0" err="1" smtClean="0"/>
+              <a:t>thi</a:t>
+            </a:r>
+            <a:r>
+              <a:rPr lang="en-US" dirty="0" smtClean="0"/>
+              <a:t>̀ ta </a:t>
+            </a:r>
+            <a:r>
+              <a:rPr lang="en-US" dirty="0" err="1" smtClean="0"/>
+              <a:t>đoàn</a:t>
+            </a:r>
+            <a:r>
+              <a:rPr lang="en-US" dirty="0" smtClean="0"/>
+              <a:t> </a:t>
+            </a:r>
+            <a:r>
+              <a:rPr lang="en-US" dirty="0" err="1" smtClean="0"/>
+              <a:t>kết</a:t>
+            </a:r>
+            <a:r>
+              <a:rPr lang="en-US" dirty="0" smtClean="0"/>
+              <a:t> </a:t>
+            </a:r>
+            <a:r>
+              <a:rPr lang="en-US" dirty="0" err="1" smtClean="0"/>
+              <a:t>với</a:t>
+            </a:r>
+            <a:r>
+              <a:rPr lang="en-US" dirty="0" smtClean="0"/>
+              <a:t> họ”. </a:t>
+            </a:r>
+            <a:r>
+              <a:rPr lang="en-US" dirty="0" err="1" smtClean="0"/>
+              <a:t>Tư</a:t>
+            </a:r>
+            <a:r>
+              <a:rPr lang="en-US" dirty="0" smtClean="0"/>
+              <a:t>̀ “ta” ở </a:t>
+            </a:r>
+            <a:r>
+              <a:rPr lang="en-US" dirty="0" err="1" smtClean="0"/>
+              <a:t>đây</a:t>
+            </a:r>
+            <a:r>
+              <a:rPr lang="en-US" dirty="0" smtClean="0"/>
+              <a:t> là </a:t>
+            </a:r>
+            <a:r>
+              <a:rPr lang="en-US" dirty="0" err="1" smtClean="0"/>
+              <a:t>chu</a:t>
+            </a:r>
+            <a:r>
+              <a:rPr lang="en-US" dirty="0" smtClean="0"/>
+              <a:t>̉ </a:t>
+            </a:r>
+            <a:r>
+              <a:rPr lang="en-US" dirty="0" err="1" smtClean="0"/>
+              <a:t>thê</a:t>
+            </a:r>
+            <a:r>
+              <a:rPr lang="en-US" dirty="0" smtClean="0"/>
+              <a:t>̉ </a:t>
+            </a:r>
+            <a:r>
+              <a:rPr lang="en-US" dirty="0" err="1" smtClean="0"/>
+              <a:t>vừa</a:t>
+            </a:r>
+            <a:r>
+              <a:rPr lang="en-US" dirty="0" smtClean="0"/>
+              <a:t> là </a:t>
+            </a:r>
+            <a:r>
+              <a:rPr lang="en-US" dirty="0" err="1" smtClean="0"/>
+              <a:t>Đảng</a:t>
+            </a:r>
+            <a:r>
+              <a:rPr lang="en-US" dirty="0" smtClean="0"/>
+              <a:t> </a:t>
+            </a:r>
+            <a:r>
+              <a:rPr lang="en-US" dirty="0" err="1" smtClean="0"/>
+              <a:t>cộng</a:t>
+            </a:r>
+            <a:r>
+              <a:rPr lang="en-US" dirty="0" smtClean="0"/>
+              <a:t> </a:t>
+            </a:r>
+            <a:r>
+              <a:rPr lang="en-US" dirty="0" err="1" smtClean="0"/>
+              <a:t>sản</a:t>
+            </a:r>
+            <a:r>
+              <a:rPr lang="en-US" dirty="0" smtClean="0"/>
+              <a:t> </a:t>
+            </a:r>
+            <a:r>
+              <a:rPr lang="en-US" dirty="0" err="1" smtClean="0"/>
+              <a:t>Việt</a:t>
+            </a:r>
+            <a:r>
+              <a:rPr lang="en-US" dirty="0" smtClean="0"/>
+              <a:t> Nam </a:t>
+            </a:r>
+            <a:r>
+              <a:rPr lang="en-US" dirty="0" err="1" smtClean="0"/>
+              <a:t>nói</a:t>
+            </a:r>
+            <a:r>
+              <a:rPr lang="en-US" dirty="0" smtClean="0"/>
+              <a:t> </a:t>
+            </a:r>
+            <a:r>
+              <a:rPr lang="en-US" dirty="0" err="1" smtClean="0"/>
+              <a:t>riêng</a:t>
+            </a:r>
+            <a:r>
+              <a:rPr lang="en-US" dirty="0" smtClean="0"/>
+              <a:t>, </a:t>
+            </a:r>
+            <a:r>
+              <a:rPr lang="en-US" dirty="0" err="1" smtClean="0"/>
+              <a:t>vừa</a:t>
+            </a:r>
+            <a:r>
+              <a:rPr lang="en-US" dirty="0" smtClean="0"/>
+              <a:t> là </a:t>
+            </a:r>
+            <a:r>
+              <a:rPr lang="en-US" dirty="0" err="1" smtClean="0"/>
+              <a:t>mọi</a:t>
+            </a:r>
+            <a:r>
+              <a:rPr lang="en-US" dirty="0" smtClean="0"/>
+              <a:t> </a:t>
+            </a:r>
+            <a:r>
+              <a:rPr lang="en-US" dirty="0" err="1" smtClean="0"/>
+              <a:t>người</a:t>
+            </a:r>
+            <a:r>
+              <a:rPr lang="en-US" dirty="0" smtClean="0"/>
+              <a:t> </a:t>
+            </a:r>
+            <a:r>
+              <a:rPr lang="en-US" dirty="0" err="1" smtClean="0"/>
+              <a:t>dân</a:t>
+            </a:r>
+            <a:r>
+              <a:rPr lang="en-US" dirty="0" smtClean="0"/>
+              <a:t> </a:t>
+            </a:r>
+            <a:r>
+              <a:rPr lang="en-US" dirty="0" err="1" smtClean="0"/>
+              <a:t>Việt</a:t>
+            </a:r>
+            <a:r>
+              <a:rPr lang="en-US" dirty="0" smtClean="0"/>
+              <a:t> Nam </a:t>
+            </a:r>
+            <a:r>
+              <a:rPr lang="en-US" dirty="0" err="1" smtClean="0"/>
+              <a:t>nói</a:t>
+            </a:r>
+            <a:r>
+              <a:rPr lang="en-US" dirty="0" smtClean="0"/>
+              <a:t> </a:t>
+            </a:r>
+            <a:r>
+              <a:rPr lang="en-US" dirty="0" err="1" smtClean="0"/>
+              <a:t>chung</a:t>
+            </a:r>
+            <a:r>
+              <a:rPr lang="en-US" dirty="0" smtClean="0"/>
+              <a:t>.</a:t>
+            </a:r>
+          </a:p>
+          <a:p>
+            <a:endParaRPr lang="en-US" dirty="0"/>
+          </a:p>
+        </p:txBody>
+      </p:sp>
+    </p:spTree>
+    <p:extLst>
+      <p:ext uri="{BB962C8B-B14F-4D97-AF65-F5344CB8AC3E}">
+        <p14:creationId xmlns:p14="http://schemas.microsoft.com/office/powerpoint/2010/main" val="135552282"/>
+      </p:ext>
+    </p:extLst>
+  </p:cSld>
+  <p:clrMapOvr>
+    <a:masterClrMapping/>
+  </p:clrMapOvr>
+</p:sld>
+</file>
+
+<file path=ppt/slides/slide17.xml><?xml version="1.0" encoding="utf-8"?>
+<p:sld xmlns:a="http://schemas.openxmlformats.org/drawingml/2006/main" xmlns:r="http://schemas.openxmlformats.org/officeDocument/2006/relationships" xmlns:p="http://schemas.openxmlformats.org/presentationml/2006/main">
+  <p:cSld>
+    <p:spTree>
+      <p:nvGrpSpPr>
+        <p:cNvPr id="1" name=""/>
+        <p:cNvGrpSpPr/>
+        <p:nvPr/>
+      </p:nvGrpSpPr>
+      <p:grpSpPr>
+        <a:xfrm>
+          <a:off x="0" y="0"/>
+          <a:ext cx="0" cy="0"/>
+          <a:chOff x="0" y="0"/>
+          <a:chExt cx="0" cy="0"/>
+        </a:xfrm>
+      </p:grpSpPr>
+      <p:sp>
+        <p:nvSpPr>
+          <p:cNvPr id="2" name="Title 1"/>
+          <p:cNvSpPr>
+            <a:spLocks noGrp="1"/>
+          </p:cNvSpPr>
+          <p:nvPr>
+            <p:ph type="title"/>
+          </p:nvPr>
+        </p:nvSpPr>
+        <p:spPr/>
+        <p:txBody>
+          <a:bodyPr/>
+          <a:lstStyle/>
+          <a:p>
+            <a:endParaRPr lang="en-US"/>
+          </a:p>
+        </p:txBody>
+      </p:sp>
+      <p:sp>
+        <p:nvSpPr>
+          <p:cNvPr id="3" name="Content Placeholder 2"/>
+          <p:cNvSpPr>
+            <a:spLocks noGrp="1"/>
+          </p:cNvSpPr>
+          <p:nvPr>
+            <p:ph idx="1"/>
+          </p:nvPr>
+        </p:nvSpPr>
+        <p:spPr/>
+        <p:txBody>
+          <a:bodyPr>
+            <a:normAutofit/>
+          </a:bodyPr>
+          <a:lstStyle/>
+          <a:p>
+            <a:r>
+              <a:rPr lang="en-US" dirty="0" err="1" smtClean="0"/>
+              <a:t>Người</a:t>
+            </a:r>
+            <a:r>
+              <a:rPr lang="en-US" dirty="0" smtClean="0"/>
+              <a:t> </a:t>
+            </a:r>
+            <a:r>
+              <a:rPr lang="en-US" dirty="0" err="1" smtClean="0"/>
+              <a:t>còn</a:t>
+            </a:r>
+            <a:r>
+              <a:rPr lang="en-US" dirty="0" smtClean="0"/>
+              <a:t> chỉ </a:t>
+            </a:r>
+            <a:r>
+              <a:rPr lang="en-US" dirty="0" err="1" smtClean="0"/>
+              <a:t>ro</a:t>
+            </a:r>
+            <a:r>
+              <a:rPr lang="en-US" dirty="0" smtClean="0"/>
+              <a:t>̃ m </a:t>
+            </a:r>
+            <a:r>
+              <a:rPr lang="en-US" dirty="0" err="1" smtClean="0"/>
+              <a:t>trong</a:t>
+            </a:r>
+            <a:r>
+              <a:rPr lang="en-US" dirty="0" smtClean="0"/>
+              <a:t> quá </a:t>
+            </a:r>
+            <a:r>
+              <a:rPr lang="en-US" dirty="0" err="1" smtClean="0"/>
+              <a:t>trình</a:t>
+            </a:r>
+            <a:r>
+              <a:rPr lang="en-US" dirty="0" smtClean="0"/>
+              <a:t> </a:t>
+            </a:r>
+            <a:r>
+              <a:rPr lang="en-US" dirty="0" err="1" smtClean="0"/>
+              <a:t>xây</a:t>
+            </a:r>
+            <a:r>
+              <a:rPr lang="en-US" dirty="0" smtClean="0"/>
+              <a:t> </a:t>
+            </a:r>
+            <a:r>
+              <a:rPr lang="en-US" dirty="0" err="1" smtClean="0"/>
+              <a:t>dựng</a:t>
+            </a:r>
+            <a:r>
+              <a:rPr lang="en-US" dirty="0" smtClean="0"/>
+              <a:t> </a:t>
+            </a:r>
+            <a:r>
+              <a:rPr lang="en-US" dirty="0" err="1" smtClean="0"/>
+              <a:t>khối</a:t>
+            </a:r>
+            <a:r>
+              <a:rPr lang="en-US" dirty="0" smtClean="0"/>
+              <a:t> </a:t>
+            </a:r>
+            <a:r>
+              <a:rPr lang="en-US" dirty="0" err="1" smtClean="0"/>
+              <a:t>đại</a:t>
+            </a:r>
+            <a:r>
+              <a:rPr lang="en-US" dirty="0" smtClean="0"/>
+              <a:t> </a:t>
+            </a:r>
+            <a:r>
+              <a:rPr lang="en-US" dirty="0" err="1" smtClean="0"/>
+              <a:t>đoàn</a:t>
+            </a:r>
+            <a:r>
+              <a:rPr lang="en-US" dirty="0" smtClean="0"/>
+              <a:t> </a:t>
+            </a:r>
+            <a:r>
+              <a:rPr lang="en-US" dirty="0" err="1" smtClean="0"/>
+              <a:t>kết</a:t>
+            </a:r>
+            <a:r>
+              <a:rPr lang="en-US" dirty="0" smtClean="0"/>
+              <a:t> </a:t>
+            </a:r>
+            <a:r>
+              <a:rPr lang="en-US" dirty="0" err="1" smtClean="0"/>
+              <a:t>toàn</a:t>
+            </a:r>
+            <a:r>
+              <a:rPr lang="en-US" dirty="0" smtClean="0"/>
+              <a:t> </a:t>
+            </a:r>
+            <a:r>
+              <a:rPr lang="en-US" dirty="0" err="1" smtClean="0"/>
+              <a:t>dân</a:t>
+            </a:r>
+            <a:r>
+              <a:rPr lang="en-US" dirty="0" smtClean="0"/>
+              <a:t> </a:t>
+            </a:r>
+            <a:r>
+              <a:rPr lang="en-US" dirty="0" err="1" smtClean="0"/>
+              <a:t>phải</a:t>
+            </a:r>
+            <a:r>
+              <a:rPr lang="en-US" dirty="0" smtClean="0"/>
+              <a:t> </a:t>
+            </a:r>
+            <a:r>
+              <a:rPr lang="en-US" dirty="0" err="1" smtClean="0"/>
+              <a:t>đứng</a:t>
+            </a:r>
+            <a:r>
+              <a:rPr lang="en-US" dirty="0" smtClean="0"/>
+              <a:t> </a:t>
+            </a:r>
+            <a:r>
+              <a:rPr lang="en-US" dirty="0" err="1" smtClean="0"/>
+              <a:t>vững</a:t>
+            </a:r>
+            <a:r>
+              <a:rPr lang="en-US" dirty="0" smtClean="0"/>
+              <a:t> </a:t>
+            </a:r>
+            <a:r>
+              <a:rPr lang="en-US" dirty="0" err="1" smtClean="0"/>
+              <a:t>trên</a:t>
+            </a:r>
+            <a:r>
+              <a:rPr lang="en-US" dirty="0" smtClean="0"/>
+              <a:t> </a:t>
+            </a:r>
+            <a:r>
+              <a:rPr lang="en-US" dirty="0" err="1" smtClean="0"/>
+              <a:t>lập</a:t>
+            </a:r>
+            <a:r>
+              <a:rPr lang="en-US" dirty="0" smtClean="0"/>
+              <a:t> </a:t>
+            </a:r>
+            <a:r>
+              <a:rPr lang="en-US" dirty="0" err="1" smtClean="0"/>
+              <a:t>trường</a:t>
+            </a:r>
+            <a:r>
+              <a:rPr lang="en-US" dirty="0" smtClean="0"/>
+              <a:t> </a:t>
+            </a:r>
+            <a:r>
+              <a:rPr lang="en-US" dirty="0" err="1" smtClean="0"/>
+              <a:t>giai</a:t>
+            </a:r>
+            <a:r>
+              <a:rPr lang="en-US" dirty="0" smtClean="0"/>
+              <a:t> </a:t>
+            </a:r>
+            <a:r>
+              <a:rPr lang="en-US" dirty="0" err="1" smtClean="0"/>
+              <a:t>cấp</a:t>
+            </a:r>
+            <a:r>
+              <a:rPr lang="en-US" dirty="0" smtClean="0"/>
+              <a:t> </a:t>
+            </a:r>
+            <a:r>
+              <a:rPr lang="en-US" dirty="0" err="1" smtClean="0"/>
+              <a:t>công</a:t>
+            </a:r>
+            <a:r>
+              <a:rPr lang="en-US" dirty="0" smtClean="0"/>
+              <a:t> </a:t>
+            </a:r>
+            <a:r>
+              <a:rPr lang="en-US" dirty="0" err="1" smtClean="0"/>
+              <a:t>nhân</a:t>
+            </a:r>
+            <a:r>
+              <a:rPr lang="en-US" dirty="0" smtClean="0"/>
+              <a:t>. </a:t>
+            </a:r>
+            <a:r>
+              <a:rPr lang="en-US" dirty="0" err="1" smtClean="0"/>
+              <a:t>Giải</a:t>
+            </a:r>
+            <a:r>
+              <a:rPr lang="en-US" dirty="0" smtClean="0"/>
+              <a:t> </a:t>
+            </a:r>
+            <a:r>
+              <a:rPr lang="en-US" dirty="0" err="1" smtClean="0"/>
+              <a:t>quyết</a:t>
+            </a:r>
+            <a:r>
+              <a:rPr lang="en-US" dirty="0" smtClean="0"/>
+              <a:t> </a:t>
+            </a:r>
+            <a:r>
+              <a:rPr lang="en-US" dirty="0" err="1" smtClean="0"/>
+              <a:t>hài</a:t>
+            </a:r>
+            <a:r>
+              <a:rPr lang="en-US" dirty="0" smtClean="0"/>
+              <a:t> </a:t>
+            </a:r>
+            <a:r>
+              <a:rPr lang="en-US" dirty="0" err="1" smtClean="0"/>
+              <a:t>hòa</a:t>
+            </a:r>
+            <a:r>
+              <a:rPr lang="en-US" dirty="0" smtClean="0"/>
+              <a:t> </a:t>
+            </a:r>
+            <a:r>
+              <a:rPr lang="en-US" dirty="0" err="1" smtClean="0"/>
+              <a:t>mối</a:t>
+            </a:r>
+            <a:r>
+              <a:rPr lang="en-US" dirty="0" smtClean="0"/>
+              <a:t> </a:t>
+            </a:r>
+            <a:r>
+              <a:rPr lang="en-US" dirty="0" err="1" smtClean="0"/>
+              <a:t>quan</a:t>
+            </a:r>
+            <a:r>
+              <a:rPr lang="en-US" dirty="0" smtClean="0"/>
+              <a:t> </a:t>
+            </a:r>
+            <a:r>
+              <a:rPr lang="en-US" dirty="0" err="1" smtClean="0"/>
+              <a:t>hê</a:t>
+            </a:r>
+            <a:r>
+              <a:rPr lang="en-US" dirty="0" smtClean="0"/>
+              <a:t>̣ </a:t>
+            </a:r>
+            <a:r>
+              <a:rPr lang="en-US" dirty="0" err="1" smtClean="0"/>
+              <a:t>giai</a:t>
+            </a:r>
+            <a:r>
+              <a:rPr lang="en-US" dirty="0" smtClean="0"/>
+              <a:t> </a:t>
+            </a:r>
+            <a:r>
+              <a:rPr lang="en-US" dirty="0" err="1" smtClean="0"/>
+              <a:t>cấp</a:t>
+            </a:r>
+            <a:r>
+              <a:rPr lang="en-US" dirty="0" smtClean="0"/>
+              <a:t> – </a:t>
+            </a:r>
+            <a:r>
+              <a:rPr lang="en-US" dirty="0" err="1" smtClean="0"/>
+              <a:t>dân</a:t>
+            </a:r>
+            <a:r>
+              <a:rPr lang="en-US" dirty="0" smtClean="0"/>
+              <a:t> </a:t>
+            </a:r>
+            <a:r>
+              <a:rPr lang="en-US" dirty="0" err="1" smtClean="0"/>
+              <a:t>tộc</a:t>
+            </a:r>
+            <a:r>
+              <a:rPr lang="en-US" dirty="0" smtClean="0"/>
+              <a:t> </a:t>
+            </a:r>
+            <a:r>
+              <a:rPr lang="en-US" dirty="0" err="1" smtClean="0"/>
+              <a:t>đê</a:t>
+            </a:r>
+            <a:r>
+              <a:rPr lang="en-US" dirty="0" smtClean="0"/>
+              <a:t>̉ </a:t>
+            </a:r>
+            <a:r>
+              <a:rPr lang="en-US" dirty="0" err="1" smtClean="0"/>
+              <a:t>tập</a:t>
+            </a:r>
+            <a:r>
+              <a:rPr lang="en-US" dirty="0" smtClean="0"/>
+              <a:t> </a:t>
+            </a:r>
+            <a:r>
+              <a:rPr lang="en-US" dirty="0" err="1" smtClean="0"/>
+              <a:t>hợp</a:t>
+            </a:r>
+            <a:r>
+              <a:rPr lang="en-US" dirty="0" smtClean="0"/>
+              <a:t> </a:t>
+            </a:r>
+            <a:r>
+              <a:rPr lang="en-US" dirty="0" err="1" smtClean="0"/>
+              <a:t>lực</a:t>
+            </a:r>
+            <a:r>
+              <a:rPr lang="en-US" dirty="0" smtClean="0"/>
+              <a:t> </a:t>
+            </a:r>
+            <a:r>
+              <a:rPr lang="en-US" dirty="0" err="1" smtClean="0"/>
+              <a:t>lượng</a:t>
+            </a:r>
+            <a:r>
+              <a:rPr lang="en-US" dirty="0" smtClean="0"/>
+              <a:t>, </a:t>
+            </a:r>
+            <a:r>
+              <a:rPr lang="en-US" dirty="0" err="1" smtClean="0"/>
+              <a:t>không</a:t>
+            </a:r>
+            <a:r>
+              <a:rPr lang="en-US" dirty="0" smtClean="0"/>
+              <a:t> </a:t>
+            </a:r>
+            <a:r>
+              <a:rPr lang="en-US" dirty="0" err="1" smtClean="0"/>
+              <a:t>được</a:t>
+            </a:r>
+            <a:r>
+              <a:rPr lang="en-US" dirty="0" smtClean="0"/>
+              <a:t> </a:t>
+            </a:r>
+            <a:r>
+              <a:rPr lang="en-US" dirty="0" err="1" smtClean="0"/>
+              <a:t>phép</a:t>
+            </a:r>
+            <a:r>
+              <a:rPr lang="en-US" dirty="0" smtClean="0"/>
+              <a:t> </a:t>
+            </a:r>
+            <a:r>
+              <a:rPr lang="en-US" dirty="0" err="1" smtClean="0"/>
+              <a:t>bo</a:t>
+            </a:r>
+            <a:r>
+              <a:rPr lang="en-US" dirty="0" smtClean="0"/>
+              <a:t>̉ </a:t>
+            </a:r>
+            <a:r>
+              <a:rPr lang="en-US" dirty="0" err="1" smtClean="0"/>
+              <a:t>sót</a:t>
+            </a:r>
+            <a:r>
+              <a:rPr lang="en-US" dirty="0" smtClean="0"/>
+              <a:t> </a:t>
+            </a:r>
+            <a:r>
+              <a:rPr lang="en-US" dirty="0" err="1" smtClean="0"/>
+              <a:t>một</a:t>
+            </a:r>
+            <a:r>
+              <a:rPr lang="en-US" dirty="0" smtClean="0"/>
+              <a:t> </a:t>
+            </a:r>
+            <a:r>
+              <a:rPr lang="en-US" dirty="0" err="1" smtClean="0"/>
+              <a:t>lực</a:t>
+            </a:r>
+            <a:r>
+              <a:rPr lang="en-US" dirty="0" smtClean="0"/>
+              <a:t> </a:t>
+            </a:r>
+            <a:r>
+              <a:rPr lang="en-US" dirty="0" err="1" smtClean="0"/>
+              <a:t>lượng</a:t>
+            </a:r>
+            <a:r>
+              <a:rPr lang="en-US" dirty="0" smtClean="0"/>
+              <a:t> </a:t>
+            </a:r>
+            <a:r>
+              <a:rPr lang="en-US" dirty="0" err="1" smtClean="0"/>
+              <a:t>nào</a:t>
+            </a:r>
+            <a:r>
+              <a:rPr lang="en-US" dirty="0" smtClean="0"/>
+              <a:t>, </a:t>
+            </a:r>
+            <a:r>
+              <a:rPr lang="en-US" dirty="0" err="1" smtClean="0"/>
+              <a:t>miễn</a:t>
+            </a:r>
+            <a:r>
+              <a:rPr lang="en-US" dirty="0" smtClean="0"/>
+              <a:t> là </a:t>
+            </a:r>
+            <a:r>
+              <a:rPr lang="en-US" dirty="0" err="1" smtClean="0"/>
+              <a:t>lực</a:t>
+            </a:r>
+            <a:r>
+              <a:rPr lang="en-US" dirty="0" smtClean="0"/>
+              <a:t> </a:t>
+            </a:r>
+            <a:r>
+              <a:rPr lang="en-US" dirty="0" err="1" smtClean="0"/>
+              <a:t>lượng</a:t>
+            </a:r>
+            <a:r>
+              <a:rPr lang="en-US" dirty="0" smtClean="0"/>
+              <a:t> </a:t>
+            </a:r>
+            <a:r>
+              <a:rPr lang="en-US" dirty="0" err="1" smtClean="0"/>
+              <a:t>đo</a:t>
+            </a:r>
+            <a:r>
+              <a:rPr lang="en-US" dirty="0" smtClean="0"/>
+              <a:t>́ có </a:t>
+            </a:r>
+            <a:r>
+              <a:rPr lang="en-US" dirty="0" err="1" smtClean="0"/>
+              <a:t>lòng</a:t>
+            </a:r>
+            <a:r>
+              <a:rPr lang="en-US" dirty="0" smtClean="0"/>
+              <a:t> </a:t>
+            </a:r>
+            <a:r>
+              <a:rPr lang="en-US" dirty="0" err="1" smtClean="0"/>
+              <a:t>trung</a:t>
+            </a:r>
+            <a:r>
+              <a:rPr lang="en-US" dirty="0" smtClean="0"/>
+              <a:t> </a:t>
+            </a:r>
+            <a:r>
+              <a:rPr lang="en-US" dirty="0" err="1" smtClean="0"/>
+              <a:t>thành</a:t>
+            </a:r>
+            <a:r>
+              <a:rPr lang="en-US" dirty="0" smtClean="0"/>
+              <a:t> </a:t>
+            </a:r>
+            <a:r>
+              <a:rPr lang="en-US" dirty="0" err="1" smtClean="0"/>
+              <a:t>va</a:t>
+            </a:r>
+            <a:r>
+              <a:rPr lang="en-US" dirty="0" smtClean="0"/>
+              <a:t>̀ </a:t>
+            </a:r>
+            <a:r>
+              <a:rPr lang="en-US" dirty="0" err="1" smtClean="0"/>
+              <a:t>sẵn</a:t>
+            </a:r>
+            <a:r>
+              <a:rPr lang="en-US" dirty="0" smtClean="0"/>
+              <a:t> </a:t>
+            </a:r>
+            <a:r>
+              <a:rPr lang="en-US" dirty="0" err="1" smtClean="0"/>
+              <a:t>sàng</a:t>
+            </a:r>
+            <a:r>
+              <a:rPr lang="en-US" dirty="0" smtClean="0"/>
+              <a:t> </a:t>
+            </a:r>
+            <a:r>
+              <a:rPr lang="en-US" dirty="0" err="1" smtClean="0"/>
+              <a:t>phục</a:t>
+            </a:r>
+            <a:r>
+              <a:rPr lang="en-US" dirty="0" smtClean="0"/>
+              <a:t> vụ </a:t>
+            </a:r>
+            <a:r>
+              <a:rPr lang="en-US" dirty="0" err="1" smtClean="0"/>
+              <a:t>tô</a:t>
+            </a:r>
+            <a:r>
+              <a:rPr lang="en-US" dirty="0" smtClean="0"/>
+              <a:t>̉ </a:t>
+            </a:r>
+            <a:r>
+              <a:rPr lang="en-US" dirty="0" err="1" smtClean="0"/>
+              <a:t>quốc</a:t>
+            </a:r>
+            <a:r>
+              <a:rPr lang="en-US" dirty="0" smtClean="0"/>
+              <a:t> , </a:t>
+            </a:r>
+            <a:r>
+              <a:rPr lang="en-US" dirty="0" err="1" smtClean="0"/>
+              <a:t>không</a:t>
+            </a:r>
+            <a:r>
+              <a:rPr lang="en-US" dirty="0" smtClean="0"/>
+              <a:t> là </a:t>
+            </a:r>
+            <a:r>
+              <a:rPr lang="en-US" dirty="0" err="1" smtClean="0"/>
+              <a:t>việt</a:t>
+            </a:r>
+            <a:r>
+              <a:rPr lang="en-US" dirty="0" smtClean="0"/>
+              <a:t> </a:t>
+            </a:r>
+            <a:r>
+              <a:rPr lang="en-US" dirty="0" err="1" smtClean="0"/>
+              <a:t>gian</a:t>
+            </a:r>
+            <a:r>
+              <a:rPr lang="en-US" dirty="0" smtClean="0"/>
+              <a:t>, </a:t>
+            </a:r>
+            <a:r>
+              <a:rPr lang="en-US" dirty="0" err="1" smtClean="0"/>
+              <a:t>không</a:t>
+            </a:r>
+            <a:r>
+              <a:rPr lang="en-US" dirty="0" smtClean="0"/>
+              <a:t> </a:t>
+            </a:r>
+            <a:r>
+              <a:rPr lang="en-US" dirty="0" err="1" smtClean="0"/>
+              <a:t>phản</a:t>
+            </a:r>
+            <a:r>
+              <a:rPr lang="en-US" dirty="0" smtClean="0"/>
+              <a:t> </a:t>
+            </a:r>
+            <a:r>
+              <a:rPr lang="en-US" dirty="0" err="1" smtClean="0"/>
+              <a:t>bội</a:t>
+            </a:r>
+            <a:r>
+              <a:rPr lang="en-US" dirty="0" smtClean="0"/>
+              <a:t> </a:t>
+            </a:r>
+            <a:r>
+              <a:rPr lang="en-US" dirty="0" err="1" smtClean="0"/>
+              <a:t>lại</a:t>
+            </a:r>
+            <a:r>
+              <a:rPr lang="en-US" dirty="0" smtClean="0"/>
+              <a:t> </a:t>
+            </a:r>
+            <a:r>
+              <a:rPr lang="en-US" dirty="0" err="1" smtClean="0"/>
+              <a:t>quyền</a:t>
+            </a:r>
+            <a:r>
+              <a:rPr lang="en-US" dirty="0" smtClean="0"/>
+              <a:t> </a:t>
+            </a:r>
+            <a:r>
+              <a:rPr lang="en-US" dirty="0" err="1" smtClean="0"/>
+              <a:t>lợi</a:t>
+            </a:r>
+            <a:r>
+              <a:rPr lang="en-US" dirty="0" smtClean="0"/>
+              <a:t> </a:t>
+            </a:r>
+            <a:r>
+              <a:rPr lang="en-US" dirty="0" err="1" smtClean="0"/>
+              <a:t>của</a:t>
+            </a:r>
+            <a:r>
+              <a:rPr lang="en-US" dirty="0" smtClean="0"/>
+              <a:t> </a:t>
+            </a:r>
+            <a:r>
+              <a:rPr lang="en-US" dirty="0" err="1" smtClean="0"/>
+              <a:t>dân</a:t>
+            </a:r>
+            <a:r>
+              <a:rPr lang="en-US" dirty="0" smtClean="0"/>
+              <a:t>  - là </a:t>
+            </a:r>
+            <a:r>
+              <a:rPr lang="en-US" dirty="0" err="1" smtClean="0"/>
+              <a:t>được</a:t>
+            </a:r>
+            <a:r>
+              <a:rPr lang="en-US" dirty="0" smtClean="0"/>
+              <a:t> </a:t>
+            </a:r>
+          </a:p>
+        </p:txBody>
+      </p:sp>
+    </p:spTree>
+    <p:extLst>
+      <p:ext uri="{BB962C8B-B14F-4D97-AF65-F5344CB8AC3E}">
+        <p14:creationId xmlns:p14="http://schemas.microsoft.com/office/powerpoint/2010/main" val="161721887"/>
+      </p:ext>
+    </p:extLst>
+  </p:cSld>
+  <p:clrMapOvr>
+    <a:masterClrMapping/>
+  </p:clrMapOvr>
+  <p:timing>
+    <p:tnLst>
+      <p:par>
+        <p:cTn id="1" dur="indefinite" restart="never" nodeType="tmRoot"/>
+      </p:par>
+    </p:tnLst>
+  </p:timing>
+</p:sld>
+</file>
+
+<file path=ppt/slides/slide18.xml><?xml version="1.0" encoding="utf-8"?>
+<p:sld xmlns:a="http://schemas.openxmlformats.org/drawingml/2006/main" xmlns:r="http://schemas.openxmlformats.org/officeDocument/2006/relationships" xmlns:p="http://schemas.openxmlformats.org/presentationml/2006/main">
+  <p:cSld>
+    <p:spTree>
+      <p:nvGrpSpPr>
+        <p:cNvPr id="1" name=""/>
+        <p:cNvGrpSpPr/>
+        <p:nvPr/>
+      </p:nvGrpSpPr>
+      <p:grpSpPr>
+        <a:xfrm>
+          <a:off x="0" y="0"/>
+          <a:ext cx="0" cy="0"/>
+          <a:chOff x="0" y="0"/>
+          <a:chExt cx="0" cy="0"/>
+        </a:xfrm>
+      </p:grpSpPr>
+      <p:sp>
+        <p:nvSpPr>
+          <p:cNvPr id="4" name="Title 3"/>
+          <p:cNvSpPr>
+            <a:spLocks noGrp="1"/>
+          </p:cNvSpPr>
+          <p:nvPr>
+            <p:ph type="title"/>
+          </p:nvPr>
+        </p:nvSpPr>
+        <p:spPr/>
+        <p:txBody>
+          <a:bodyPr/>
+          <a:lstStyle/>
+          <a:p>
+            <a:endParaRPr lang="en-US" dirty="0"/>
+          </a:p>
+        </p:txBody>
+      </p:sp>
+      <p:sp>
+        <p:nvSpPr>
+          <p:cNvPr id="5" name="Content Placeholder 4"/>
+          <p:cNvSpPr>
+            <a:spLocks noGrp="1"/>
+          </p:cNvSpPr>
+          <p:nvPr>
+            <p:ph sz="half" idx="1"/>
+          </p:nvPr>
+        </p:nvSpPr>
+        <p:spPr>
+          <a:xfrm>
+            <a:off x="914400" y="1825625"/>
+            <a:ext cx="2768600" cy="4351338"/>
+          </a:xfrm>
+        </p:spPr>
+        <p:txBody>
+          <a:bodyPr/>
+          <a:lstStyle/>
+          <a:p>
+            <a:r>
+              <a:rPr lang="en-US" dirty="0" err="1"/>
+              <a:t>Với</a:t>
+            </a:r>
+            <a:r>
+              <a:rPr lang="en-US" dirty="0"/>
+              <a:t> </a:t>
+            </a:r>
+            <a:r>
+              <a:rPr lang="en-US" dirty="0" err="1"/>
+              <a:t>tinh</a:t>
+            </a:r>
+            <a:r>
+              <a:rPr lang="en-US" dirty="0"/>
+              <a:t> </a:t>
+            </a:r>
+            <a:r>
+              <a:rPr lang="en-US" dirty="0" err="1"/>
+              <a:t>thần</a:t>
+            </a:r>
+            <a:r>
+              <a:rPr lang="en-US" dirty="0"/>
+              <a:t> </a:t>
+            </a:r>
+            <a:r>
+              <a:rPr lang="en-US" dirty="0" err="1"/>
+              <a:t>đoàn</a:t>
+            </a:r>
+            <a:r>
+              <a:rPr lang="en-US" dirty="0"/>
+              <a:t> </a:t>
+            </a:r>
+            <a:r>
+              <a:rPr lang="en-US" dirty="0" err="1"/>
+              <a:t>kết</a:t>
+            </a:r>
+            <a:r>
+              <a:rPr lang="en-US" dirty="0"/>
+              <a:t> </a:t>
+            </a:r>
+            <a:r>
+              <a:rPr lang="en-US" dirty="0" err="1"/>
+              <a:t>như</a:t>
+            </a:r>
+            <a:r>
+              <a:rPr lang="en-US" dirty="0"/>
+              <a:t> </a:t>
+            </a:r>
+            <a:r>
+              <a:rPr lang="en-US" dirty="0" err="1"/>
+              <a:t>vậy</a:t>
+            </a:r>
+            <a:r>
+              <a:rPr lang="en-US" dirty="0"/>
+              <a:t>, </a:t>
+            </a:r>
+            <a:r>
+              <a:rPr lang="en-US" dirty="0" err="1"/>
+              <a:t>Hô</a:t>
+            </a:r>
+            <a:r>
+              <a:rPr lang="en-US" dirty="0"/>
+              <a:t>̀ Chí Minh </a:t>
+            </a:r>
+            <a:r>
+              <a:rPr lang="en-US" dirty="0" err="1"/>
+              <a:t>đa</a:t>
+            </a:r>
+            <a:r>
+              <a:rPr lang="en-US" dirty="0"/>
+              <a:t>̃ </a:t>
+            </a:r>
+            <a:r>
+              <a:rPr lang="en-US" dirty="0" err="1"/>
+              <a:t>định</a:t>
+            </a:r>
+            <a:r>
+              <a:rPr lang="en-US" dirty="0"/>
+              <a:t> </a:t>
+            </a:r>
+            <a:r>
+              <a:rPr lang="en-US" dirty="0" err="1"/>
+              <a:t>hướng</a:t>
+            </a:r>
+            <a:r>
+              <a:rPr lang="en-US" dirty="0"/>
+              <a:t> </a:t>
+            </a:r>
+            <a:r>
+              <a:rPr lang="en-US" dirty="0" err="1"/>
+              <a:t>cho</a:t>
+            </a:r>
+            <a:r>
+              <a:rPr lang="en-US" dirty="0"/>
+              <a:t> </a:t>
+            </a:r>
+            <a:r>
+              <a:rPr lang="en-US" dirty="0" err="1"/>
+              <a:t>việc</a:t>
+            </a:r>
+            <a:r>
+              <a:rPr lang="en-US" dirty="0"/>
+              <a:t> </a:t>
+            </a:r>
+            <a:r>
+              <a:rPr lang="en-US" dirty="0" err="1"/>
+              <a:t>xây</a:t>
+            </a:r>
+            <a:r>
+              <a:rPr lang="en-US" dirty="0"/>
+              <a:t> </a:t>
+            </a:r>
+            <a:r>
+              <a:rPr lang="en-US" dirty="0" err="1"/>
+              <a:t>dựng</a:t>
+            </a:r>
+            <a:r>
+              <a:rPr lang="en-US" dirty="0"/>
+              <a:t> </a:t>
+            </a:r>
+            <a:r>
+              <a:rPr lang="en-US" dirty="0" err="1"/>
+              <a:t>khối</a:t>
+            </a:r>
+            <a:r>
+              <a:rPr lang="en-US" dirty="0"/>
+              <a:t> </a:t>
+            </a:r>
+            <a:r>
+              <a:rPr lang="en-US" dirty="0" err="1"/>
+              <a:t>đại</a:t>
+            </a:r>
+            <a:r>
+              <a:rPr lang="en-US" dirty="0"/>
+              <a:t> </a:t>
+            </a:r>
+            <a:r>
+              <a:rPr lang="en-US" dirty="0" err="1"/>
+              <a:t>đoàn</a:t>
+            </a:r>
+            <a:r>
+              <a:rPr lang="en-US" dirty="0"/>
+              <a:t> </a:t>
+            </a:r>
+            <a:r>
+              <a:rPr lang="en-US" dirty="0" err="1"/>
+              <a:t>kết</a:t>
+            </a:r>
+            <a:r>
+              <a:rPr lang="en-US" dirty="0"/>
+              <a:t> </a:t>
+            </a:r>
+            <a:r>
+              <a:rPr lang="en-US" dirty="0" err="1"/>
+              <a:t>dân</a:t>
+            </a:r>
+            <a:r>
+              <a:rPr lang="en-US" dirty="0"/>
+              <a:t> </a:t>
+            </a:r>
+            <a:r>
+              <a:rPr lang="en-US" dirty="0" err="1"/>
+              <a:t>tộc</a:t>
+            </a:r>
+            <a:r>
+              <a:rPr lang="en-US" dirty="0"/>
+              <a:t> </a:t>
+            </a:r>
+            <a:r>
+              <a:rPr lang="en-US" dirty="0" err="1"/>
+              <a:t>trong</a:t>
+            </a:r>
+            <a:r>
+              <a:rPr lang="en-US" dirty="0"/>
+              <a:t> </a:t>
+            </a:r>
+            <a:r>
+              <a:rPr lang="en-US" dirty="0" err="1"/>
+              <a:t>suốt</a:t>
+            </a:r>
+            <a:r>
+              <a:rPr lang="en-US" dirty="0"/>
+              <a:t> </a:t>
+            </a:r>
+            <a:r>
+              <a:rPr lang="en-US" dirty="0" err="1"/>
+              <a:t>tiến</a:t>
+            </a:r>
+            <a:r>
+              <a:rPr lang="en-US" dirty="0"/>
+              <a:t> </a:t>
+            </a:r>
+            <a:r>
+              <a:rPr lang="en-US" dirty="0" err="1"/>
+              <a:t>trình</a:t>
+            </a:r>
+            <a:r>
+              <a:rPr lang="en-US" dirty="0"/>
+              <a:t> </a:t>
+            </a:r>
+            <a:r>
+              <a:rPr lang="en-US" dirty="0" err="1"/>
+              <a:t>cách</a:t>
+            </a:r>
+            <a:r>
+              <a:rPr lang="en-US" dirty="0"/>
+              <a:t> </a:t>
+            </a:r>
+            <a:r>
+              <a:rPr lang="en-US" dirty="0" err="1"/>
+              <a:t>mạng</a:t>
+            </a:r>
+            <a:r>
+              <a:rPr lang="en-US" dirty="0"/>
+              <a:t> </a:t>
+            </a:r>
+            <a:r>
+              <a:rPr lang="en-US" dirty="0" err="1"/>
+              <a:t>việt</a:t>
+            </a:r>
+            <a:r>
+              <a:rPr lang="en-US" dirty="0"/>
+              <a:t> </a:t>
+            </a:r>
+            <a:r>
+              <a:rPr lang="en-US" dirty="0" err="1" smtClean="0"/>
+              <a:t>nam</a:t>
+            </a:r>
+            <a:r>
+              <a:rPr lang="en-US" dirty="0"/>
+              <a:t>:</a:t>
+            </a:r>
+          </a:p>
+        </p:txBody>
+      </p:sp>
+      <p:graphicFrame>
+        <p:nvGraphicFramePr>
+          <p:cNvPr id="7" name="Content Placeholder 6"/>
+          <p:cNvGraphicFramePr>
+            <a:graphicFrameLocks noGrp="1"/>
+          </p:cNvGraphicFramePr>
+          <p:nvPr>
+            <p:ph sz="half" idx="2"/>
+            <p:extLst>
+              <p:ext uri="{D42A27DB-BD31-4B8C-83A1-F6EECF244321}">
+                <p14:modId xmlns:p14="http://schemas.microsoft.com/office/powerpoint/2010/main" val="3909768730"/>
+              </p:ext>
+            </p:extLst>
+          </p:nvPr>
+        </p:nvGraphicFramePr>
+        <p:xfrm>
+          <a:off x="3886200" y="1825625"/>
+          <a:ext cx="7912100" cy="4351338"/>
+        </p:xfrm>
+        <a:graphic>
+          <a:graphicData uri="http://schemas.openxmlformats.org/drawingml/2006/diagram">
+            <dgm:relIds xmlns:dgm="http://schemas.openxmlformats.org/drawingml/2006/diagram" xmlns:r="http://schemas.openxmlformats.org/officeDocument/2006/relationships" r:dm="rId2" r:lo="rId3" r:qs="rId4" r:cs="rId5"/>
+          </a:graphicData>
+        </a:graphic>
+      </p:graphicFrame>
+    </p:spTree>
+    <p:extLst>
+      <p:ext uri="{BB962C8B-B14F-4D97-AF65-F5344CB8AC3E}">
+        <p14:creationId xmlns:p14="http://schemas.microsoft.com/office/powerpoint/2010/main" val="865373387"/>
+      </p:ext>
+    </p:extLst>
+  </p:cSld>
+  <p:clrMapOvr>
+    <a:masterClrMapping/>
+  </p:clrMapOvr>
+  <p:timing>
+    <p:tnLst>
+      <p:par>
+        <p:cTn id="1" dur="indefinite" restart="never" nodeType="tmRoot"/>
+      </p:par>
+    </p:tnLst>
+  </p:timing>
 </p:sld>
 </file>
 
@@ -11519,141 +17403,136 @@
             </a:r>
             <a:r>
               <a:rPr lang="en-US" dirty="0" smtClean="0"/>
+              <a:t>. Do </a:t>
+            </a:r>
+            <a:r>
+              <a:rPr lang="en-US" dirty="0" err="1" smtClean="0"/>
+              <a:t>đo</a:t>
+            </a:r>
+            <a:r>
+              <a:rPr lang="en-US" dirty="0" smtClean="0"/>
+              <a:t>́, </a:t>
+            </a:r>
+            <a:r>
+              <a:rPr lang="en-US" dirty="0" err="1" smtClean="0"/>
+              <a:t>đại</a:t>
+            </a:r>
+            <a:r>
+              <a:rPr lang="en-US" dirty="0" smtClean="0"/>
+              <a:t> </a:t>
+            </a:r>
+            <a:r>
+              <a:rPr lang="en-US" dirty="0" err="1" smtClean="0"/>
+              <a:t>đoàn</a:t>
+            </a:r>
+            <a:r>
+              <a:rPr lang="en-US" dirty="0" smtClean="0"/>
+              <a:t> </a:t>
+            </a:r>
+            <a:r>
+              <a:rPr lang="en-US" dirty="0" err="1" smtClean="0"/>
+              <a:t>kết</a:t>
+            </a:r>
+            <a:r>
+              <a:rPr lang="en-US" dirty="0" smtClean="0"/>
+              <a:t> </a:t>
+            </a:r>
+            <a:r>
+              <a:rPr lang="en-US" dirty="0" err="1" smtClean="0"/>
+              <a:t>dân</a:t>
+            </a:r>
+            <a:r>
+              <a:rPr lang="en-US" dirty="0" smtClean="0"/>
+              <a:t> </a:t>
+            </a:r>
+            <a:r>
+              <a:rPr lang="en-US" dirty="0" err="1" smtClean="0"/>
+              <a:t>tộc</a:t>
+            </a:r>
+            <a:r>
+              <a:rPr lang="en-US" dirty="0" smtClean="0"/>
+              <a:t> </a:t>
+            </a:r>
+            <a:r>
+              <a:rPr lang="en-US" dirty="0" err="1" smtClean="0"/>
+              <a:t>phải</a:t>
+            </a:r>
+            <a:r>
+              <a:rPr lang="en-US" dirty="0" smtClean="0"/>
+              <a:t> </a:t>
+            </a:r>
+            <a:r>
+              <a:rPr lang="en-US" dirty="0" err="1" smtClean="0"/>
+              <a:t>được</a:t>
+            </a:r>
+            <a:r>
+              <a:rPr lang="en-US" dirty="0" smtClean="0"/>
+              <a:t> </a:t>
+            </a:r>
+            <a:r>
+              <a:rPr lang="en-US" dirty="0" err="1" smtClean="0"/>
+              <a:t>quán</a:t>
+            </a:r>
+            <a:r>
+              <a:rPr lang="en-US" dirty="0" smtClean="0"/>
+              <a:t> </a:t>
+            </a:r>
+            <a:r>
+              <a:rPr lang="en-US" dirty="0" err="1" smtClean="0"/>
+              <a:t>triệt</a:t>
+            </a:r>
+            <a:r>
+              <a:rPr lang="en-US" dirty="0" smtClean="0"/>
+              <a:t> </a:t>
+            </a:r>
+            <a:r>
+              <a:rPr lang="en-US" dirty="0" err="1" smtClean="0"/>
+              <a:t>trong</a:t>
+            </a:r>
+            <a:r>
+              <a:rPr lang="en-US" dirty="0" smtClean="0"/>
+              <a:t> </a:t>
+            </a:r>
+            <a:r>
+              <a:rPr lang="en-US" dirty="0" err="1" smtClean="0"/>
+              <a:t>mọi</a:t>
+            </a:r>
+            <a:r>
+              <a:rPr lang="en-US" dirty="0" smtClean="0"/>
+              <a:t> </a:t>
+            </a:r>
+            <a:r>
+              <a:rPr lang="en-US" dirty="0" err="1" smtClean="0"/>
+              <a:t>đường</a:t>
+            </a:r>
+            <a:r>
+              <a:rPr lang="en-US" dirty="0" smtClean="0"/>
+              <a:t> </a:t>
+            </a:r>
+            <a:r>
+              <a:rPr lang="en-US" dirty="0" err="1" smtClean="0"/>
+              <a:t>lối</a:t>
+            </a:r>
+            <a:r>
+              <a:rPr lang="en-US" dirty="0" smtClean="0"/>
+              <a:t> </a:t>
+            </a:r>
+            <a:r>
+              <a:rPr lang="en-US" dirty="0" err="1" smtClean="0"/>
+              <a:t>hoạt</a:t>
+            </a:r>
+            <a:r>
+              <a:rPr lang="en-US" dirty="0" smtClean="0"/>
+              <a:t> </a:t>
+            </a:r>
+            <a:r>
+              <a:rPr lang="en-US" dirty="0" err="1" smtClean="0"/>
+              <a:t>động</a:t>
+            </a:r>
+            <a:r>
+              <a:rPr lang="en-US" dirty="0" smtClean="0"/>
               <a:t>. </a:t>
             </a:r>
-            <a:r>
-              <a:rPr lang="en-US" dirty="0" smtClean="0"/>
-              <a:t>Do </a:t>
-            </a:r>
-            <a:r>
-              <a:rPr lang="en-US" dirty="0" err="1" smtClean="0"/>
-              <a:t>đo</a:t>
-            </a:r>
-            <a:r>
-              <a:rPr lang="en-US" dirty="0" smtClean="0"/>
-              <a:t>́, </a:t>
-            </a:r>
-            <a:r>
-              <a:rPr lang="en-US" dirty="0" err="1" smtClean="0"/>
-              <a:t>đại</a:t>
-            </a:r>
-            <a:r>
-              <a:rPr lang="en-US" dirty="0" smtClean="0"/>
-              <a:t> </a:t>
-            </a:r>
-            <a:r>
-              <a:rPr lang="en-US" dirty="0" err="1" smtClean="0"/>
-              <a:t>đoàn</a:t>
-            </a:r>
-            <a:r>
-              <a:rPr lang="en-US" dirty="0" smtClean="0"/>
-              <a:t> </a:t>
-            </a:r>
-            <a:r>
-              <a:rPr lang="en-US" dirty="0" err="1" smtClean="0"/>
-              <a:t>kết</a:t>
-            </a:r>
-            <a:r>
-              <a:rPr lang="en-US" dirty="0" smtClean="0"/>
-              <a:t> </a:t>
-            </a:r>
-            <a:r>
-              <a:rPr lang="en-US" dirty="0" err="1" smtClean="0"/>
-              <a:t>dân</a:t>
-            </a:r>
-            <a:r>
-              <a:rPr lang="en-US" dirty="0" smtClean="0"/>
-              <a:t> </a:t>
-            </a:r>
-            <a:r>
-              <a:rPr lang="en-US" dirty="0" err="1" smtClean="0"/>
-              <a:t>tộc</a:t>
-            </a:r>
-            <a:r>
-              <a:rPr lang="en-US" dirty="0" smtClean="0"/>
-              <a:t> </a:t>
-            </a:r>
-            <a:r>
-              <a:rPr lang="en-US" dirty="0" err="1" smtClean="0"/>
-              <a:t>phải</a:t>
-            </a:r>
-            <a:r>
-              <a:rPr lang="en-US" dirty="0" smtClean="0"/>
-              <a:t> </a:t>
-            </a:r>
-            <a:r>
-              <a:rPr lang="en-US" dirty="0" err="1" smtClean="0"/>
-              <a:t>được</a:t>
-            </a:r>
-            <a:r>
-              <a:rPr lang="en-US" dirty="0" smtClean="0"/>
-              <a:t> </a:t>
-            </a:r>
-            <a:r>
-              <a:rPr lang="en-US" dirty="0" err="1" smtClean="0"/>
-              <a:t>quán</a:t>
-            </a:r>
-            <a:r>
-              <a:rPr lang="en-US" dirty="0" smtClean="0"/>
-              <a:t> </a:t>
-            </a:r>
-            <a:r>
-              <a:rPr lang="en-US" dirty="0" err="1" smtClean="0"/>
-              <a:t>triệt</a:t>
-            </a:r>
-            <a:r>
-              <a:rPr lang="en-US" dirty="0" smtClean="0"/>
-              <a:t> </a:t>
-            </a:r>
-            <a:r>
-              <a:rPr lang="en-US" dirty="0" err="1" smtClean="0"/>
-              <a:t>trong</a:t>
-            </a:r>
-            <a:r>
-              <a:rPr lang="en-US" dirty="0" smtClean="0"/>
-              <a:t> </a:t>
-            </a:r>
-            <a:r>
-              <a:rPr lang="en-US" dirty="0" err="1" smtClean="0"/>
-              <a:t>mọi</a:t>
-            </a:r>
-            <a:r>
-              <a:rPr lang="en-US" dirty="0" smtClean="0"/>
-              <a:t> </a:t>
-            </a:r>
-            <a:r>
-              <a:rPr lang="en-US" dirty="0" err="1" smtClean="0"/>
-              <a:t>đường</a:t>
-            </a:r>
-            <a:r>
-              <a:rPr lang="en-US" dirty="0" smtClean="0"/>
-              <a:t> </a:t>
-            </a:r>
-            <a:r>
-              <a:rPr lang="en-US" dirty="0" err="1" smtClean="0"/>
-              <a:t>lối</a:t>
-            </a:r>
-            <a:r>
-              <a:rPr lang="en-US" dirty="0" smtClean="0"/>
-              <a:t> </a:t>
-            </a:r>
-            <a:r>
-              <a:rPr lang="en-US" dirty="0" err="1" smtClean="0"/>
-              <a:t>hoạt</a:t>
-            </a:r>
-            <a:r>
-              <a:rPr lang="en-US" dirty="0" smtClean="0"/>
-              <a:t> </a:t>
-            </a:r>
-            <a:r>
-              <a:rPr lang="en-US" dirty="0" err="1" smtClean="0"/>
-              <a:t>động</a:t>
-            </a:r>
-            <a:r>
-              <a:rPr lang="en-US" dirty="0" smtClean="0"/>
-              <a:t>. </a:t>
-            </a:r>
-            <a:endParaRPr lang="en-US" dirty="0" smtClean="0"/>
           </a:p>
           <a:p>
             <a:r>
@@ -11741,7 +17620,7 @@
         </p:blipFill>
         <p:spPr bwMode="auto">
           <a:xfrm>
-            <a:off x="1143000" y="2272506"/>
+            <a:off x="6096000" y="2073582"/>
             <a:ext cx="4572000" cy="3457575"/>
           </a:xfrm>
           <a:prstGeom prst="rect">
